--- a/Dokumentation/Zwischenpräsentation.pptx
+++ b/Dokumentation/Zwischenpräsentation.pptx
@@ -5,26 +5,28 @@
     <p:sldMasterId id="2147483707" r:id="rId1"/>
   </p:sldMasterIdLst>
   <p:notesMasterIdLst>
-    <p:notesMasterId r:id="rId19"/>
+    <p:notesMasterId r:id="rId21"/>
   </p:notesMasterIdLst>
   <p:sldIdLst>
     <p:sldId id="256" r:id="rId2"/>
     <p:sldId id="257" r:id="rId3"/>
     <p:sldId id="258" r:id="rId4"/>
     <p:sldId id="259" r:id="rId5"/>
-    <p:sldId id="260" r:id="rId6"/>
-    <p:sldId id="262" r:id="rId7"/>
-    <p:sldId id="261" r:id="rId8"/>
-    <p:sldId id="268" r:id="rId9"/>
-    <p:sldId id="269" r:id="rId10"/>
-    <p:sldId id="264" r:id="rId11"/>
-    <p:sldId id="265" r:id="rId12"/>
-    <p:sldId id="266" r:id="rId13"/>
-    <p:sldId id="270" r:id="rId14"/>
-    <p:sldId id="271" r:id="rId15"/>
-    <p:sldId id="267" r:id="rId16"/>
-    <p:sldId id="272" r:id="rId17"/>
-    <p:sldId id="273" r:id="rId18"/>
+    <p:sldId id="274" r:id="rId6"/>
+    <p:sldId id="260" r:id="rId7"/>
+    <p:sldId id="262" r:id="rId8"/>
+    <p:sldId id="261" r:id="rId9"/>
+    <p:sldId id="268" r:id="rId10"/>
+    <p:sldId id="269" r:id="rId11"/>
+    <p:sldId id="275" r:id="rId12"/>
+    <p:sldId id="265" r:id="rId13"/>
+    <p:sldId id="266" r:id="rId14"/>
+    <p:sldId id="264" r:id="rId15"/>
+    <p:sldId id="270" r:id="rId16"/>
+    <p:sldId id="271" r:id="rId17"/>
+    <p:sldId id="267" r:id="rId18"/>
+    <p:sldId id="272" r:id="rId19"/>
+    <p:sldId id="273" r:id="rId20"/>
   </p:sldIdLst>
   <p:sldSz cx="12192000" cy="6858000"/>
   <p:notesSz cx="6858000" cy="9144000"/>
@@ -213,7 +215,7 @@
           <a:p>
             <a:fld id="{038EBC1B-159A-4D51-A1C5-5467A1CFB4E5}" type="datetimeFigureOut">
               <a:rPr lang="de-CH" smtClean="0"/>
-              <a:t>21.04.2016</a:t>
+              <a:t>26.04.2016</a:t>
             </a:fld>
             <a:endParaRPr lang="de-CH"/>
           </a:p>
@@ -526,22 +528,20 @@
           <a:lstStyle/>
           <a:p>
             <a:r>
-              <a:rPr lang="de-CH" dirty="0" err="1" smtClean="0"/>
+              <a:rPr lang="de-CH" dirty="0" smtClean="0"/>
+              <a:t>Ich begrüsse euch zur Zwischenpräsentation meiner Diplomarbeit</a:t>
+            </a:r>
+            <a:r>
+              <a:rPr lang="de-CH" baseline="0" dirty="0" smtClean="0"/>
+              <a:t> zum Thema «Sensoranbindung mit </a:t>
+            </a:r>
+            <a:r>
+              <a:rPr lang="de-CH" baseline="0" dirty="0" err="1" smtClean="0"/>
               <a:t>IO</a:t>
             </a:r>
             <a:r>
-              <a:rPr lang="de-CH" dirty="0" smtClean="0"/>
-              <a:t>-Link Master</a:t>
-            </a:r>
-          </a:p>
-          <a:p>
-            <a:r>
-              <a:rPr lang="de-CH" dirty="0" err="1" smtClean="0"/>
-              <a:t>IO</a:t>
-            </a:r>
-            <a:r>
-              <a:rPr lang="de-CH" dirty="0" smtClean="0"/>
-              <a:t>-Link Device/Slave</a:t>
+              <a:rPr lang="de-CH" baseline="0" dirty="0" smtClean="0"/>
+              <a:t>-Link»</a:t>
             </a:r>
             <a:endParaRPr lang="de-CH" dirty="0"/>
           </a:p>
@@ -564,7 +564,7 @@
           <a:p>
             <a:fld id="{C093BCC5-7CCA-45E0-AB4A-49099C6DCF85}" type="slidenum">
               <a:rPr lang="de-CH" smtClean="0"/>
-              <a:t>3</a:t>
+              <a:t>1</a:t>
             </a:fld>
             <a:endParaRPr lang="de-CH"/>
           </a:p>
@@ -573,7 +573,97 @@
     </p:spTree>
     <p:extLst>
       <p:ext uri="{BB962C8B-B14F-4D97-AF65-F5344CB8AC3E}">
-        <p14:creationId xmlns:p14="http://schemas.microsoft.com/office/powerpoint/2010/main" val="3040282851"/>
+        <p14:creationId xmlns:p14="http://schemas.microsoft.com/office/powerpoint/2010/main" val="1880866196"/>
+      </p:ext>
+    </p:extLst>
+  </p:cSld>
+  <p:clrMapOvr>
+    <a:masterClrMapping/>
+  </p:clrMapOvr>
+</p:notes>
+</file>
+
+<file path=ppt/notesSlides/notesSlide10.xml><?xml version="1.0" encoding="utf-8"?>
+<p:notes xmlns:a="http://schemas.openxmlformats.org/drawingml/2006/main" xmlns:r="http://schemas.openxmlformats.org/officeDocument/2006/relationships" xmlns:p="http://schemas.openxmlformats.org/presentationml/2006/main">
+  <p:cSld>
+    <p:spTree>
+      <p:nvGrpSpPr>
+        <p:cNvPr id="1" name=""/>
+        <p:cNvGrpSpPr/>
+        <p:nvPr/>
+      </p:nvGrpSpPr>
+      <p:grpSpPr>
+        <a:xfrm>
+          <a:off x="0" y="0"/>
+          <a:ext cx="0" cy="0"/>
+          <a:chOff x="0" y="0"/>
+          <a:chExt cx="0" cy="0"/>
+        </a:xfrm>
+      </p:grpSpPr>
+      <p:sp>
+        <p:nvSpPr>
+          <p:cNvPr id="2" name="Folienbildplatzhalter 1"/>
+          <p:cNvSpPr>
+            <a:spLocks noGrp="1" noRot="1" noChangeAspect="1"/>
+          </p:cNvSpPr>
+          <p:nvPr>
+            <p:ph type="sldImg"/>
+          </p:nvPr>
+        </p:nvSpPr>
+        <p:spPr/>
+      </p:sp>
+      <p:sp>
+        <p:nvSpPr>
+          <p:cNvPr id="3" name="Notizenplatzhalter 2"/>
+          <p:cNvSpPr>
+            <a:spLocks noGrp="1"/>
+          </p:cNvSpPr>
+          <p:nvPr>
+            <p:ph type="body" idx="1"/>
+          </p:nvPr>
+        </p:nvSpPr>
+        <p:spPr/>
+        <p:txBody>
+          <a:bodyPr/>
+          <a:lstStyle/>
+          <a:p>
+            <a:r>
+              <a:rPr lang="de-CH" dirty="0" smtClean="0"/>
+              <a:t>Wie weit ich bin:</a:t>
+            </a:r>
+          </a:p>
+          <a:p>
+            <a:endParaRPr lang="de-CH" dirty="0"/>
+          </a:p>
+        </p:txBody>
+      </p:sp>
+      <p:sp>
+        <p:nvSpPr>
+          <p:cNvPr id="4" name="Foliennummernplatzhalter 3"/>
+          <p:cNvSpPr>
+            <a:spLocks noGrp="1"/>
+          </p:cNvSpPr>
+          <p:nvPr>
+            <p:ph type="sldNum" sz="quarter" idx="10"/>
+          </p:nvPr>
+        </p:nvSpPr>
+        <p:spPr/>
+        <p:txBody>
+          <a:bodyPr/>
+          <a:lstStyle/>
+          <a:p>
+            <a:fld id="{C093BCC5-7CCA-45E0-AB4A-49099C6DCF85}" type="slidenum">
+              <a:rPr lang="de-CH" smtClean="0"/>
+              <a:t>17</a:t>
+            </a:fld>
+            <a:endParaRPr lang="de-CH"/>
+          </a:p>
+        </p:txBody>
+      </p:sp>
+    </p:spTree>
+    <p:extLst>
+      <p:ext uri="{BB962C8B-B14F-4D97-AF65-F5344CB8AC3E}">
+        <p14:creationId xmlns:p14="http://schemas.microsoft.com/office/powerpoint/2010/main" val="2241776792"/>
       </p:ext>
     </p:extLst>
   </p:cSld>
@@ -628,10 +718,1537 @@
           <a:lstStyle/>
           <a:p>
             <a:r>
+              <a:rPr lang="de-CH" dirty="0" err="1" smtClean="0"/>
+              <a:t>IO</a:t>
+            </a:r>
+            <a:r>
               <a:rPr lang="de-CH" dirty="0" smtClean="0"/>
-              <a:t>Wie weit ich bin:</a:t>
-            </a:r>
-          </a:p>
+              <a:t>-Link Master</a:t>
+            </a:r>
+          </a:p>
+          <a:p>
+            <a:r>
+              <a:rPr lang="de-CH" dirty="0" err="1" smtClean="0"/>
+              <a:t>IO</a:t>
+            </a:r>
+            <a:r>
+              <a:rPr lang="de-CH" dirty="0" smtClean="0"/>
+              <a:t>-Link Device/Slave</a:t>
+            </a:r>
+          </a:p>
+          <a:p>
+            <a:pPr marL="171450" indent="-171450">
+              <a:buFontTx/>
+              <a:buChar char="-"/>
+            </a:pPr>
+            <a:r>
+              <a:rPr lang="de-CH" dirty="0" smtClean="0"/>
+              <a:t>Herstellerunabhängig</a:t>
+            </a:r>
+            <a:r>
+              <a:rPr lang="de-CH" baseline="0" dirty="0" smtClean="0"/>
+              <a:t>er Standard</a:t>
+            </a:r>
+          </a:p>
+          <a:p>
+            <a:pPr marL="171450" marR="0" indent="-171450" algn="l" defTabSz="914400" rtl="0" eaLnBrk="1" fontAlgn="auto" latinLnBrk="0" hangingPunct="1">
+              <a:lnSpc>
+                <a:spcPct val="100000"/>
+              </a:lnSpc>
+              <a:spcBef>
+                <a:spcPts val="0"/>
+              </a:spcBef>
+              <a:spcAft>
+                <a:spcPts val="0"/>
+              </a:spcAft>
+              <a:buClrTx/>
+              <a:buSzTx/>
+              <a:buFontTx/>
+              <a:buChar char="-"/>
+              <a:tabLst/>
+              <a:defRPr/>
+            </a:pPr>
+            <a:r>
+              <a:rPr lang="de-CH" baseline="0" dirty="0" smtClean="0"/>
+              <a:t>Punkt-zu-Punkt Kommunikation, kein </a:t>
+            </a:r>
+            <a:r>
+              <a:rPr lang="de-CH" baseline="0" dirty="0" err="1" smtClean="0"/>
+              <a:t>Feldbus</a:t>
+            </a:r>
+            <a:endParaRPr lang="de-CH" baseline="0" dirty="0" smtClean="0"/>
+          </a:p>
+          <a:p>
+            <a:pPr marL="628650" lvl="1" indent="-171450">
+              <a:buFontTx/>
+              <a:buChar char="-"/>
+            </a:pPr>
+            <a:r>
+              <a:rPr lang="de-CH" baseline="0" dirty="0" smtClean="0"/>
+              <a:t>Jeder Anschluss («Port») kann ein Sensor oder ein </a:t>
+            </a:r>
+            <a:r>
+              <a:rPr lang="de-CH" baseline="0" dirty="0" err="1" smtClean="0"/>
+              <a:t>IO</a:t>
+            </a:r>
+            <a:r>
+              <a:rPr lang="de-CH" baseline="0" dirty="0" smtClean="0"/>
+              <a:t>-Link Master verkörpern</a:t>
+            </a:r>
+          </a:p>
+          <a:p>
+            <a:pPr marL="628650" lvl="1" indent="-171450">
+              <a:buFontTx/>
+              <a:buChar char="-"/>
+            </a:pPr>
+            <a:r>
+              <a:rPr lang="de-CH" baseline="0" dirty="0" smtClean="0"/>
+              <a:t>Keine Auswirkung bei Ausfall eines Devices</a:t>
+            </a:r>
+          </a:p>
+          <a:p>
+            <a:pPr marL="628650" lvl="1" indent="-171450">
+              <a:buFontTx/>
+              <a:buChar char="-"/>
+            </a:pPr>
+            <a:r>
+              <a:rPr lang="de-CH" baseline="0" dirty="0" smtClean="0"/>
+              <a:t>Höhere Übertragungsraten</a:t>
+            </a:r>
+          </a:p>
+          <a:p>
+            <a:pPr marL="628650" marR="0" lvl="1" indent="-171450" algn="l" defTabSz="914400" rtl="0" eaLnBrk="1" fontAlgn="auto" latinLnBrk="0" hangingPunct="1">
+              <a:lnSpc>
+                <a:spcPct val="100000"/>
+              </a:lnSpc>
+              <a:spcBef>
+                <a:spcPts val="0"/>
+              </a:spcBef>
+              <a:spcAft>
+                <a:spcPts val="0"/>
+              </a:spcAft>
+              <a:buClrTx/>
+              <a:buSzTx/>
+              <a:buFontTx/>
+              <a:buChar char="-"/>
+              <a:tabLst/>
+              <a:defRPr/>
+            </a:pPr>
+            <a:r>
+              <a:rPr lang="de-CH" baseline="0" dirty="0" smtClean="0"/>
+              <a:t>Leichter erweiterbar</a:t>
+            </a:r>
+          </a:p>
+          <a:p>
+            <a:pPr marL="628650" lvl="1" indent="-171450">
+              <a:buFontTx/>
+              <a:buChar char="-"/>
+            </a:pPr>
+            <a:r>
+              <a:rPr lang="de-CH" baseline="0" dirty="0" smtClean="0"/>
+              <a:t>Hoher Kabelaufwand</a:t>
+            </a:r>
+          </a:p>
+          <a:p>
+            <a:pPr marL="171450" lvl="0" indent="-171450">
+              <a:buFontTx/>
+              <a:buChar char="-"/>
+            </a:pPr>
+            <a:endParaRPr lang="de-CH" baseline="0" dirty="0" smtClean="0"/>
+          </a:p>
+          <a:p>
+            <a:pPr marL="171450" indent="-171450">
+              <a:buFontTx/>
+              <a:buChar char="-"/>
+            </a:pPr>
+            <a:endParaRPr lang="de-CH" dirty="0"/>
+          </a:p>
+        </p:txBody>
+      </p:sp>
+      <p:sp>
+        <p:nvSpPr>
+          <p:cNvPr id="4" name="Foliennummernplatzhalter 3"/>
+          <p:cNvSpPr>
+            <a:spLocks noGrp="1"/>
+          </p:cNvSpPr>
+          <p:nvPr>
+            <p:ph type="sldNum" sz="quarter" idx="10"/>
+          </p:nvPr>
+        </p:nvSpPr>
+        <p:spPr/>
+        <p:txBody>
+          <a:bodyPr/>
+          <a:lstStyle/>
+          <a:p>
+            <a:fld id="{C093BCC5-7CCA-45E0-AB4A-49099C6DCF85}" type="slidenum">
+              <a:rPr lang="de-CH" smtClean="0"/>
+              <a:t>3</a:t>
+            </a:fld>
+            <a:endParaRPr lang="de-CH"/>
+          </a:p>
+        </p:txBody>
+      </p:sp>
+    </p:spTree>
+    <p:extLst>
+      <p:ext uri="{BB962C8B-B14F-4D97-AF65-F5344CB8AC3E}">
+        <p14:creationId xmlns:p14="http://schemas.microsoft.com/office/powerpoint/2010/main" val="3040282851"/>
+      </p:ext>
+    </p:extLst>
+  </p:cSld>
+  <p:clrMapOvr>
+    <a:masterClrMapping/>
+  </p:clrMapOvr>
+</p:notes>
+</file>
+
+<file path=ppt/notesSlides/notesSlide3.xml><?xml version="1.0" encoding="utf-8"?>
+<p:notes xmlns:a="http://schemas.openxmlformats.org/drawingml/2006/main" xmlns:r="http://schemas.openxmlformats.org/officeDocument/2006/relationships" xmlns:p="http://schemas.openxmlformats.org/presentationml/2006/main">
+  <p:cSld>
+    <p:spTree>
+      <p:nvGrpSpPr>
+        <p:cNvPr id="1" name=""/>
+        <p:cNvGrpSpPr/>
+        <p:nvPr/>
+      </p:nvGrpSpPr>
+      <p:grpSpPr>
+        <a:xfrm>
+          <a:off x="0" y="0"/>
+          <a:ext cx="0" cy="0"/>
+          <a:chOff x="0" y="0"/>
+          <a:chExt cx="0" cy="0"/>
+        </a:xfrm>
+      </p:grpSpPr>
+      <p:sp>
+        <p:nvSpPr>
+          <p:cNvPr id="2" name="Folienbildplatzhalter 1"/>
+          <p:cNvSpPr>
+            <a:spLocks noGrp="1" noRot="1" noChangeAspect="1"/>
+          </p:cNvSpPr>
+          <p:nvPr>
+            <p:ph type="sldImg"/>
+          </p:nvPr>
+        </p:nvSpPr>
+        <p:spPr/>
+      </p:sp>
+      <p:sp>
+        <p:nvSpPr>
+          <p:cNvPr id="3" name="Notizenplatzhalter 2"/>
+          <p:cNvSpPr>
+            <a:spLocks noGrp="1"/>
+          </p:cNvSpPr>
+          <p:nvPr>
+            <p:ph type="body" idx="1"/>
+          </p:nvPr>
+        </p:nvSpPr>
+        <p:spPr/>
+        <p:txBody>
+          <a:bodyPr/>
+          <a:lstStyle/>
+          <a:p>
+            <a:r>
+              <a:rPr lang="de-CH" dirty="0" smtClean="0"/>
+              <a:t>Standardkabel</a:t>
+            </a:r>
+          </a:p>
+          <a:p>
+            <a:pPr marL="171450" indent="-171450">
+              <a:buFont typeface="Arial" panose="020B0604020202020204" pitchFamily="34" charset="0"/>
+              <a:buChar char="•"/>
+            </a:pPr>
+            <a:r>
+              <a:rPr lang="de-CH" dirty="0" smtClean="0"/>
+              <a:t>Leichtes</a:t>
+            </a:r>
+            <a:r>
+              <a:rPr lang="de-CH" baseline="0" dirty="0" smtClean="0"/>
+              <a:t> Verdrahten</a:t>
+            </a:r>
+          </a:p>
+          <a:p>
+            <a:pPr marL="171450" indent="-171450">
+              <a:buFont typeface="Arial" panose="020B0604020202020204" pitchFamily="34" charset="0"/>
+              <a:buChar char="•"/>
+            </a:pPr>
+            <a:r>
+              <a:rPr lang="de-CH" baseline="0" dirty="0" err="1" smtClean="0"/>
+              <a:t>Verpolungsschutz</a:t>
+            </a:r>
+            <a:endParaRPr lang="de-CH" dirty="0" smtClean="0"/>
+          </a:p>
+          <a:p>
+            <a:r>
+              <a:rPr lang="de-CH" dirty="0" smtClean="0"/>
+              <a:t>Bidirektional</a:t>
+            </a:r>
+          </a:p>
+          <a:p>
+            <a:r>
+              <a:rPr lang="de-CH" dirty="0" err="1" smtClean="0"/>
+              <a:t>24V</a:t>
+            </a:r>
+            <a:r>
+              <a:rPr lang="de-CH" dirty="0" smtClean="0"/>
+              <a:t>, max. </a:t>
+            </a:r>
+            <a:r>
+              <a:rPr lang="de-CH" dirty="0" err="1" smtClean="0"/>
+              <a:t>200mA</a:t>
+            </a:r>
+            <a:r>
+              <a:rPr lang="de-CH" dirty="0" smtClean="0"/>
+              <a:t>,</a:t>
+            </a:r>
+            <a:r>
+              <a:rPr lang="de-CH" baseline="0" dirty="0" smtClean="0"/>
+              <a:t> max. </a:t>
+            </a:r>
+            <a:r>
+              <a:rPr lang="de-CH" baseline="0" dirty="0" err="1" smtClean="0"/>
+              <a:t>20m</a:t>
+            </a:r>
+            <a:r>
+              <a:rPr lang="de-CH" baseline="0" dirty="0" smtClean="0"/>
+              <a:t> Leitung</a:t>
+            </a:r>
+            <a:endParaRPr lang="de-CH" dirty="0" smtClean="0"/>
+          </a:p>
+          <a:p>
+            <a:r>
+              <a:rPr lang="de-CH" dirty="0" smtClean="0"/>
+              <a:t>Zusatzleitungen:</a:t>
+            </a:r>
+          </a:p>
+          <a:p>
+            <a:pPr marL="171450" indent="-171450">
+              <a:buFont typeface="Arial" panose="020B0604020202020204" pitchFamily="34" charset="0"/>
+              <a:buChar char="•"/>
+            </a:pPr>
+            <a:r>
+              <a:rPr lang="de-CH" dirty="0" err="1" smtClean="0"/>
+              <a:t>Pin2</a:t>
+            </a:r>
+            <a:r>
+              <a:rPr lang="de-CH" dirty="0" smtClean="0"/>
+              <a:t> wird zu zusätzlichem </a:t>
+            </a:r>
+            <a:r>
+              <a:rPr lang="de-CH" dirty="0" err="1" smtClean="0"/>
+              <a:t>Digitalpin</a:t>
+            </a:r>
+            <a:endParaRPr lang="de-CH" dirty="0" smtClean="0"/>
+          </a:p>
+          <a:p>
+            <a:pPr marL="171450" indent="-171450">
+              <a:buFont typeface="Arial" panose="020B0604020202020204" pitchFamily="34" charset="0"/>
+              <a:buChar char="•"/>
+            </a:pPr>
+            <a:r>
+              <a:rPr lang="de-CH" dirty="0" err="1" smtClean="0"/>
+              <a:t>Pin2+5</a:t>
+            </a:r>
+            <a:r>
+              <a:rPr lang="de-CH" dirty="0" smtClean="0"/>
+              <a:t> werden zu einer zusätzlichen galvanisch</a:t>
+            </a:r>
+            <a:r>
+              <a:rPr lang="de-CH" baseline="0" dirty="0" smtClean="0"/>
+              <a:t> getrennten Versorgung (bei energieintensiven Sensoren)</a:t>
+            </a:r>
+            <a:endParaRPr lang="de-CH" dirty="0" smtClean="0"/>
+          </a:p>
+        </p:txBody>
+      </p:sp>
+      <p:sp>
+        <p:nvSpPr>
+          <p:cNvPr id="4" name="Foliennummernplatzhalter 3"/>
+          <p:cNvSpPr>
+            <a:spLocks noGrp="1"/>
+          </p:cNvSpPr>
+          <p:nvPr>
+            <p:ph type="sldNum" sz="quarter" idx="10"/>
+          </p:nvPr>
+        </p:nvSpPr>
+        <p:spPr/>
+        <p:txBody>
+          <a:bodyPr/>
+          <a:lstStyle/>
+          <a:p>
+            <a:fld id="{C093BCC5-7CCA-45E0-AB4A-49099C6DCF85}" type="slidenum">
+              <a:rPr lang="de-CH" smtClean="0"/>
+              <a:t>4</a:t>
+            </a:fld>
+            <a:endParaRPr lang="de-CH"/>
+          </a:p>
+        </p:txBody>
+      </p:sp>
+    </p:spTree>
+    <p:extLst>
+      <p:ext uri="{BB962C8B-B14F-4D97-AF65-F5344CB8AC3E}">
+        <p14:creationId xmlns:p14="http://schemas.microsoft.com/office/powerpoint/2010/main" val="3439660195"/>
+      </p:ext>
+    </p:extLst>
+  </p:cSld>
+  <p:clrMapOvr>
+    <a:masterClrMapping/>
+  </p:clrMapOvr>
+</p:notes>
+</file>
+
+<file path=ppt/notesSlides/notesSlide4.xml><?xml version="1.0" encoding="utf-8"?>
+<p:notes xmlns:a="http://schemas.openxmlformats.org/drawingml/2006/main" xmlns:r="http://schemas.openxmlformats.org/officeDocument/2006/relationships" xmlns:p="http://schemas.openxmlformats.org/presentationml/2006/main">
+  <p:cSld>
+    <p:spTree>
+      <p:nvGrpSpPr>
+        <p:cNvPr id="1" name=""/>
+        <p:cNvGrpSpPr/>
+        <p:nvPr/>
+      </p:nvGrpSpPr>
+      <p:grpSpPr>
+        <a:xfrm>
+          <a:off x="0" y="0"/>
+          <a:ext cx="0" cy="0"/>
+          <a:chOff x="0" y="0"/>
+          <a:chExt cx="0" cy="0"/>
+        </a:xfrm>
+      </p:grpSpPr>
+      <p:sp>
+        <p:nvSpPr>
+          <p:cNvPr id="2" name="Folienbildplatzhalter 1"/>
+          <p:cNvSpPr>
+            <a:spLocks noGrp="1" noRot="1" noChangeAspect="1"/>
+          </p:cNvSpPr>
+          <p:nvPr>
+            <p:ph type="sldImg"/>
+          </p:nvPr>
+        </p:nvSpPr>
+        <p:spPr/>
+      </p:sp>
+      <p:sp>
+        <p:nvSpPr>
+          <p:cNvPr id="3" name="Notizenplatzhalter 2"/>
+          <p:cNvSpPr>
+            <a:spLocks noGrp="1"/>
+          </p:cNvSpPr>
+          <p:nvPr>
+            <p:ph type="body" idx="1"/>
+          </p:nvPr>
+        </p:nvSpPr>
+        <p:spPr/>
+        <p:txBody>
+          <a:bodyPr/>
+          <a:lstStyle/>
+          <a:p>
+            <a:pPr marL="0" marR="0" indent="0" algn="l" defTabSz="914400" rtl="0" eaLnBrk="1" fontAlgn="auto" latinLnBrk="0" hangingPunct="1">
+              <a:lnSpc>
+                <a:spcPct val="100000"/>
+              </a:lnSpc>
+              <a:spcBef>
+                <a:spcPts val="0"/>
+              </a:spcBef>
+              <a:spcAft>
+                <a:spcPts val="0"/>
+              </a:spcAft>
+              <a:buClrTx/>
+              <a:buSzTx/>
+              <a:buFontTx/>
+              <a:buNone/>
+              <a:tabLst/>
+              <a:defRPr/>
+            </a:pPr>
+            <a:r>
+              <a:rPr lang="de-CH" dirty="0" smtClean="0"/>
+              <a:t>3-adrig:  Serielle, analoge und </a:t>
+            </a:r>
+            <a:r>
+              <a:rPr lang="de-CH" dirty="0" err="1" smtClean="0"/>
+              <a:t>RS232</a:t>
+            </a:r>
+            <a:r>
+              <a:rPr lang="de-CH" dirty="0" smtClean="0"/>
+              <a:t> Schnittstellen werden überflüssig</a:t>
+            </a:r>
+          </a:p>
+          <a:p>
+            <a:r>
+              <a:rPr lang="de-CH" dirty="0" err="1" smtClean="0"/>
+              <a:t>Plug&amp;play</a:t>
+            </a:r>
+            <a:r>
+              <a:rPr lang="de-CH" dirty="0" smtClean="0"/>
+              <a:t>: </a:t>
+            </a:r>
+            <a:r>
+              <a:rPr lang="de-CH" dirty="0" err="1" smtClean="0"/>
+              <a:t>Deviceeinstellungen</a:t>
+            </a:r>
+            <a:r>
+              <a:rPr lang="de-CH" dirty="0" smtClean="0"/>
+              <a:t> stromausfallsicher gespeichert -&gt; einfacher Sensoraustausch da Datenerhaltung -&gt; </a:t>
+            </a:r>
+          </a:p>
+          <a:p>
+            <a:endParaRPr lang="de-CH" dirty="0" smtClean="0"/>
+          </a:p>
+          <a:p>
+            <a:endParaRPr lang="de-CH" dirty="0" smtClean="0"/>
+          </a:p>
+          <a:p>
+            <a:pPr marL="0" marR="0" indent="0" algn="l" defTabSz="914400" rtl="0" eaLnBrk="1" fontAlgn="auto" latinLnBrk="0" hangingPunct="1">
+              <a:lnSpc>
+                <a:spcPct val="100000"/>
+              </a:lnSpc>
+              <a:spcBef>
+                <a:spcPts val="0"/>
+              </a:spcBef>
+              <a:spcAft>
+                <a:spcPts val="0"/>
+              </a:spcAft>
+              <a:buClrTx/>
+              <a:buSzTx/>
+              <a:buFontTx/>
+              <a:buNone/>
+              <a:tabLst/>
+              <a:defRPr/>
+            </a:pPr>
+            <a:r>
+              <a:rPr lang="de-CH" dirty="0" smtClean="0"/>
+              <a:t>Implementiert in die </a:t>
+            </a:r>
+            <a:r>
+              <a:rPr lang="de-CH" dirty="0" err="1" smtClean="0"/>
+              <a:t>verbreitetesten</a:t>
+            </a:r>
+            <a:r>
+              <a:rPr lang="de-CH" dirty="0" smtClean="0"/>
+              <a:t> Feldbussysteme: </a:t>
+            </a:r>
+            <a:r>
+              <a:rPr lang="de-CH" dirty="0" err="1" smtClean="0"/>
+              <a:t>Profibus</a:t>
+            </a:r>
+            <a:r>
+              <a:rPr lang="de-CH" dirty="0" smtClean="0"/>
+              <a:t>, </a:t>
+            </a:r>
+            <a:r>
+              <a:rPr lang="de-CH" dirty="0" err="1" smtClean="0"/>
+              <a:t>Profinet</a:t>
+            </a:r>
+            <a:r>
+              <a:rPr lang="de-CH" dirty="0" smtClean="0"/>
+              <a:t>, AS-i, </a:t>
+            </a:r>
+            <a:r>
+              <a:rPr lang="de-CH" dirty="0" err="1" smtClean="0"/>
+              <a:t>CANopen</a:t>
+            </a:r>
+            <a:r>
+              <a:rPr lang="de-CH" dirty="0" smtClean="0"/>
+              <a:t>, CC-Link, </a:t>
+            </a:r>
+            <a:r>
+              <a:rPr lang="de-CH" dirty="0" err="1" smtClean="0"/>
+              <a:t>Devicenet</a:t>
+            </a:r>
+            <a:r>
+              <a:rPr lang="de-CH" dirty="0" smtClean="0"/>
+              <a:t>, </a:t>
+            </a:r>
+            <a:r>
+              <a:rPr lang="de-CH" dirty="0" err="1" smtClean="0"/>
+              <a:t>Ethercat</a:t>
+            </a:r>
+            <a:r>
+              <a:rPr lang="de-CH" dirty="0" smtClean="0"/>
+              <a:t>, Ethernet/IP, </a:t>
+            </a:r>
+            <a:r>
+              <a:rPr lang="de-CH" dirty="0" err="1" smtClean="0"/>
+              <a:t>Interbus</a:t>
+            </a:r>
+            <a:r>
+              <a:rPr lang="de-CH" dirty="0" smtClean="0"/>
+              <a:t> S, Powerlink, </a:t>
+            </a:r>
+            <a:r>
+              <a:rPr lang="de-CH" dirty="0" err="1" smtClean="0"/>
+              <a:t>Sercos</a:t>
+            </a:r>
+            <a:r>
+              <a:rPr lang="de-CH" dirty="0" smtClean="0"/>
+              <a:t> III</a:t>
+            </a:r>
+          </a:p>
+          <a:p>
+            <a:endParaRPr lang="de-CH" dirty="0"/>
+          </a:p>
+        </p:txBody>
+      </p:sp>
+      <p:sp>
+        <p:nvSpPr>
+          <p:cNvPr id="4" name="Foliennummernplatzhalter 3"/>
+          <p:cNvSpPr>
+            <a:spLocks noGrp="1"/>
+          </p:cNvSpPr>
+          <p:nvPr>
+            <p:ph type="sldNum" sz="quarter" idx="10"/>
+          </p:nvPr>
+        </p:nvSpPr>
+        <p:spPr/>
+        <p:txBody>
+          <a:bodyPr/>
+          <a:lstStyle/>
+          <a:p>
+            <a:fld id="{C093BCC5-7CCA-45E0-AB4A-49099C6DCF85}" type="slidenum">
+              <a:rPr lang="de-CH" smtClean="0"/>
+              <a:t>5</a:t>
+            </a:fld>
+            <a:endParaRPr lang="de-CH"/>
+          </a:p>
+        </p:txBody>
+      </p:sp>
+    </p:spTree>
+    <p:extLst>
+      <p:ext uri="{BB962C8B-B14F-4D97-AF65-F5344CB8AC3E}">
+        <p14:creationId xmlns:p14="http://schemas.microsoft.com/office/powerpoint/2010/main" val="3849429302"/>
+      </p:ext>
+    </p:extLst>
+  </p:cSld>
+  <p:clrMapOvr>
+    <a:masterClrMapping/>
+  </p:clrMapOvr>
+</p:notes>
+</file>
+
+<file path=ppt/notesSlides/notesSlide5.xml><?xml version="1.0" encoding="utf-8"?>
+<p:notes xmlns:a="http://schemas.openxmlformats.org/drawingml/2006/main" xmlns:r="http://schemas.openxmlformats.org/officeDocument/2006/relationships" xmlns:p="http://schemas.openxmlformats.org/presentationml/2006/main">
+  <p:cSld>
+    <p:spTree>
+      <p:nvGrpSpPr>
+        <p:cNvPr id="1" name=""/>
+        <p:cNvGrpSpPr/>
+        <p:nvPr/>
+      </p:nvGrpSpPr>
+      <p:grpSpPr>
+        <a:xfrm>
+          <a:off x="0" y="0"/>
+          <a:ext cx="0" cy="0"/>
+          <a:chOff x="0" y="0"/>
+          <a:chExt cx="0" cy="0"/>
+        </a:xfrm>
+      </p:grpSpPr>
+      <p:sp>
+        <p:nvSpPr>
+          <p:cNvPr id="2" name="Folienbildplatzhalter 1"/>
+          <p:cNvSpPr>
+            <a:spLocks noGrp="1" noRot="1" noChangeAspect="1"/>
+          </p:cNvSpPr>
+          <p:nvPr>
+            <p:ph type="sldImg"/>
+          </p:nvPr>
+        </p:nvSpPr>
+        <p:spPr/>
+      </p:sp>
+      <p:sp>
+        <p:nvSpPr>
+          <p:cNvPr id="3" name="Notizenplatzhalter 2"/>
+          <p:cNvSpPr>
+            <a:spLocks noGrp="1"/>
+          </p:cNvSpPr>
+          <p:nvPr>
+            <p:ph type="body" idx="1"/>
+          </p:nvPr>
+        </p:nvSpPr>
+        <p:spPr/>
+        <p:txBody>
+          <a:bodyPr/>
+          <a:lstStyle/>
+          <a:p>
+            <a:r>
+              <a:rPr lang="de-CH" dirty="0" err="1" smtClean="0"/>
+              <a:t>Direct</a:t>
+            </a:r>
+            <a:r>
+              <a:rPr lang="de-CH" dirty="0" smtClean="0"/>
+              <a:t> Parameter Pages 1 + 2: </a:t>
+            </a:r>
+          </a:p>
+          <a:p>
+            <a:pPr marL="171450" indent="-171450">
+              <a:buFont typeface="Arial" panose="020B0604020202020204" pitchFamily="34" charset="0"/>
+              <a:buChar char="•"/>
+            </a:pPr>
+            <a:r>
+              <a:rPr lang="de-CH" dirty="0" smtClean="0"/>
+              <a:t>Platz für Kommandos und Parameter</a:t>
+            </a:r>
+          </a:p>
+          <a:p>
+            <a:pPr marL="171450" indent="-171450">
+              <a:buFont typeface="Arial" panose="020B0604020202020204" pitchFamily="34" charset="0"/>
+              <a:buChar char="•"/>
+            </a:pPr>
+            <a:r>
+              <a:rPr lang="de-CH" dirty="0" smtClean="0"/>
+              <a:t>Read und </a:t>
+            </a:r>
+            <a:r>
+              <a:rPr lang="de-CH" dirty="0" err="1" smtClean="0"/>
+              <a:t>write</a:t>
+            </a:r>
+            <a:r>
+              <a:rPr lang="de-CH" dirty="0" smtClean="0"/>
+              <a:t> </a:t>
+            </a:r>
+            <a:r>
+              <a:rPr lang="de-CH" dirty="0" err="1" smtClean="0"/>
+              <a:t>access</a:t>
+            </a:r>
+            <a:endParaRPr lang="de-CH" dirty="0" smtClean="0"/>
+          </a:p>
+          <a:p>
+            <a:pPr marL="171450" indent="-171450">
+              <a:buFont typeface="Arial" panose="020B0604020202020204" pitchFamily="34" charset="0"/>
+              <a:buChar char="•"/>
+            </a:pPr>
+            <a:r>
+              <a:rPr lang="de-CH" dirty="0" smtClean="0"/>
+              <a:t>Für kleine Sensoren reichen die </a:t>
+            </a:r>
+            <a:r>
+              <a:rPr lang="de-CH" dirty="0" err="1" smtClean="0"/>
+              <a:t>direct</a:t>
+            </a:r>
+            <a:r>
+              <a:rPr lang="de-CH" dirty="0" smtClean="0"/>
+              <a:t> Parameter Pages</a:t>
+            </a:r>
+          </a:p>
+          <a:p>
+            <a:r>
+              <a:rPr lang="de-CH" dirty="0" err="1" smtClean="0"/>
+              <a:t>0x00</a:t>
+            </a:r>
+            <a:r>
+              <a:rPr lang="de-CH" baseline="0" dirty="0" smtClean="0"/>
+              <a:t> – </a:t>
+            </a:r>
+            <a:r>
+              <a:rPr lang="de-CH" baseline="0" dirty="0" err="1" smtClean="0"/>
+              <a:t>0x10</a:t>
+            </a:r>
+            <a:r>
+              <a:rPr lang="de-CH" baseline="0" dirty="0" smtClean="0"/>
+              <a:t>: </a:t>
+            </a:r>
+            <a:r>
+              <a:rPr lang="de-CH" baseline="0" dirty="0" err="1" smtClean="0"/>
+              <a:t>DirectParameter</a:t>
+            </a:r>
+            <a:r>
+              <a:rPr lang="de-CH" baseline="0" dirty="0" smtClean="0"/>
+              <a:t> </a:t>
+            </a:r>
+            <a:r>
+              <a:rPr lang="de-CH" baseline="0" dirty="0" err="1" smtClean="0"/>
+              <a:t>page</a:t>
+            </a:r>
+            <a:r>
+              <a:rPr lang="de-CH" baseline="0" dirty="0" smtClean="0"/>
+              <a:t> 1</a:t>
+            </a:r>
+          </a:p>
+          <a:p>
+            <a:r>
+              <a:rPr lang="de-CH" baseline="0" dirty="0" err="1" smtClean="0"/>
+              <a:t>0x10</a:t>
+            </a:r>
+            <a:r>
+              <a:rPr lang="de-CH" baseline="0" dirty="0" smtClean="0"/>
+              <a:t> – </a:t>
+            </a:r>
+            <a:r>
+              <a:rPr lang="de-CH" baseline="0" dirty="0" err="1" smtClean="0"/>
+              <a:t>0x1F</a:t>
+            </a:r>
+            <a:r>
+              <a:rPr lang="de-CH" baseline="0" dirty="0" smtClean="0"/>
+              <a:t>: </a:t>
+            </a:r>
+            <a:r>
+              <a:rPr lang="de-CH" baseline="0" dirty="0" err="1" smtClean="0"/>
+              <a:t>DirectParameter</a:t>
+            </a:r>
+            <a:r>
+              <a:rPr lang="de-CH" baseline="0" dirty="0" smtClean="0"/>
+              <a:t> </a:t>
+            </a:r>
+            <a:r>
+              <a:rPr lang="de-CH" baseline="0" dirty="0" err="1" smtClean="0"/>
+              <a:t>page</a:t>
+            </a:r>
+            <a:r>
+              <a:rPr lang="de-CH" baseline="0" dirty="0" smtClean="0"/>
+              <a:t> 2</a:t>
+            </a:r>
+          </a:p>
+          <a:p>
+            <a:endParaRPr lang="de-CH" baseline="0" dirty="0" smtClean="0"/>
+          </a:p>
+          <a:p>
+            <a:r>
+              <a:rPr lang="de-CH" baseline="0" dirty="0" err="1" smtClean="0"/>
+              <a:t>DirectParameter</a:t>
+            </a:r>
+            <a:r>
+              <a:rPr lang="de-CH" baseline="0" dirty="0" smtClean="0"/>
+              <a:t> </a:t>
+            </a:r>
+            <a:r>
+              <a:rPr lang="de-CH" baseline="0" dirty="0" err="1" smtClean="0"/>
+              <a:t>page</a:t>
+            </a:r>
+            <a:r>
+              <a:rPr lang="de-CH" baseline="0" dirty="0" smtClean="0"/>
+              <a:t> 1:</a:t>
+            </a:r>
+          </a:p>
+          <a:p>
+            <a:pPr marL="171450" indent="-171450">
+              <a:buFont typeface="Arial" panose="020B0604020202020204" pitchFamily="34" charset="0"/>
+              <a:buChar char="•"/>
+            </a:pPr>
+            <a:r>
+              <a:rPr lang="de-CH" baseline="0" dirty="0" err="1" smtClean="0"/>
+              <a:t>0x04</a:t>
+            </a:r>
+            <a:r>
+              <a:rPr lang="de-CH" baseline="0" dirty="0" smtClean="0"/>
+              <a:t>: Revisionsnummer</a:t>
+            </a:r>
+          </a:p>
+          <a:p>
+            <a:pPr marL="171450" indent="-171450">
+              <a:buFont typeface="Arial" panose="020B0604020202020204" pitchFamily="34" charset="0"/>
+              <a:buChar char="•"/>
+            </a:pPr>
+            <a:r>
+              <a:rPr lang="de-CH" baseline="0" dirty="0" err="1" smtClean="0"/>
+              <a:t>0x07-0x08</a:t>
+            </a:r>
+            <a:r>
+              <a:rPr lang="de-CH" baseline="0" dirty="0" smtClean="0"/>
+              <a:t>: </a:t>
+            </a:r>
+            <a:r>
+              <a:rPr lang="de-CH" baseline="0" dirty="0" err="1" smtClean="0"/>
+              <a:t>DeviceID</a:t>
+            </a:r>
+            <a:endParaRPr lang="de-CH" baseline="0" dirty="0" smtClean="0"/>
+          </a:p>
+          <a:p>
+            <a:pPr marL="171450" indent="-171450">
+              <a:buFont typeface="Arial" panose="020B0604020202020204" pitchFamily="34" charset="0"/>
+              <a:buChar char="•"/>
+            </a:pPr>
+            <a:endParaRPr lang="de-CH" baseline="0" dirty="0" smtClean="0"/>
+          </a:p>
+          <a:p>
+            <a:pPr marL="0" indent="0">
+              <a:buFont typeface="Arial" panose="020B0604020202020204" pitchFamily="34" charset="0"/>
+              <a:buNone/>
+            </a:pPr>
+            <a:r>
+              <a:rPr lang="de-CH" baseline="0" dirty="0" err="1" smtClean="0"/>
+              <a:t>DirectParameter</a:t>
+            </a:r>
+            <a:r>
+              <a:rPr lang="de-CH" baseline="0" dirty="0" smtClean="0"/>
+              <a:t> </a:t>
+            </a:r>
+            <a:r>
+              <a:rPr lang="de-CH" baseline="0" dirty="0" err="1" smtClean="0"/>
+              <a:t>page</a:t>
+            </a:r>
+            <a:r>
+              <a:rPr lang="de-CH" baseline="0" dirty="0" smtClean="0"/>
+              <a:t> 2:</a:t>
+            </a:r>
+          </a:p>
+          <a:p>
+            <a:pPr marL="171450" indent="-171450">
+              <a:buFont typeface="Arial" panose="020B0604020202020204" pitchFamily="34" charset="0"/>
+              <a:buChar char="•"/>
+            </a:pPr>
+            <a:r>
+              <a:rPr lang="de-CH" baseline="0" dirty="0" err="1" smtClean="0"/>
+              <a:t>0x10</a:t>
+            </a:r>
+            <a:r>
+              <a:rPr lang="de-CH" baseline="0" dirty="0" smtClean="0"/>
+              <a:t>: Status (</a:t>
+            </a:r>
+            <a:r>
+              <a:rPr lang="de-CH" baseline="0" dirty="0" err="1" smtClean="0"/>
+              <a:t>read-only</a:t>
+            </a:r>
+            <a:r>
+              <a:rPr lang="de-CH" baseline="0" dirty="0" smtClean="0"/>
+              <a:t>):</a:t>
+            </a:r>
+          </a:p>
+          <a:p>
+            <a:pPr marL="628650" lvl="1" indent="-171450">
+              <a:buFont typeface="Arial" panose="020B0604020202020204" pitchFamily="34" charset="0"/>
+              <a:buChar char="•"/>
+            </a:pPr>
+            <a:r>
+              <a:rPr lang="de-CH" baseline="0" dirty="0" smtClean="0"/>
+              <a:t>0 = </a:t>
+            </a:r>
+            <a:r>
+              <a:rPr lang="de-CH" baseline="0" dirty="0" err="1" smtClean="0"/>
+              <a:t>error</a:t>
+            </a:r>
+            <a:endParaRPr lang="de-CH" baseline="0" dirty="0" smtClean="0"/>
+          </a:p>
+          <a:p>
+            <a:pPr marL="628650" lvl="1" indent="-171450">
+              <a:buFont typeface="Arial" panose="020B0604020202020204" pitchFamily="34" charset="0"/>
+              <a:buChar char="•"/>
+            </a:pPr>
+            <a:r>
+              <a:rPr lang="de-CH" baseline="0" dirty="0" smtClean="0"/>
+              <a:t>1 = </a:t>
+            </a:r>
+            <a:r>
+              <a:rPr lang="de-CH" baseline="0" dirty="0" err="1" smtClean="0"/>
+              <a:t>operating</a:t>
+            </a:r>
+            <a:endParaRPr lang="de-CH" baseline="0" dirty="0" smtClean="0"/>
+          </a:p>
+          <a:p>
+            <a:pPr marL="628650" lvl="1" indent="-171450">
+              <a:buFont typeface="Arial" panose="020B0604020202020204" pitchFamily="34" charset="0"/>
+              <a:buChar char="•"/>
+            </a:pPr>
+            <a:r>
+              <a:rPr lang="de-CH" baseline="0" dirty="0" smtClean="0"/>
+              <a:t>2 = </a:t>
+            </a:r>
+            <a:r>
+              <a:rPr lang="de-CH" baseline="0" dirty="0" err="1" smtClean="0"/>
+              <a:t>init</a:t>
+            </a:r>
+            <a:endParaRPr lang="de-CH" baseline="0" dirty="0" smtClean="0"/>
+          </a:p>
+          <a:p>
+            <a:pPr marL="171450" lvl="0" indent="-171450">
+              <a:buFont typeface="Arial" panose="020B0604020202020204" pitchFamily="34" charset="0"/>
+              <a:buChar char="•"/>
+            </a:pPr>
+            <a:r>
+              <a:rPr lang="de-CH" baseline="0" dirty="0" err="1" smtClean="0"/>
+              <a:t>0x11</a:t>
+            </a:r>
+            <a:r>
+              <a:rPr lang="de-CH" baseline="0" dirty="0" smtClean="0"/>
+              <a:t>: Sensor wählen</a:t>
+            </a:r>
+          </a:p>
+          <a:p>
+            <a:pPr marL="628650" lvl="1" indent="-171450">
+              <a:buFont typeface="Arial" panose="020B0604020202020204" pitchFamily="34" charset="0"/>
+              <a:buChar char="•"/>
+            </a:pPr>
+            <a:r>
+              <a:rPr lang="de-CH" baseline="0" dirty="0" smtClean="0"/>
+              <a:t>0 = AD-Wandler</a:t>
+            </a:r>
+          </a:p>
+          <a:p>
+            <a:pPr marL="628650" lvl="1" indent="-171450">
+              <a:buFont typeface="Arial" panose="020B0604020202020204" pitchFamily="34" charset="0"/>
+              <a:buChar char="•"/>
+            </a:pPr>
+            <a:r>
+              <a:rPr lang="de-CH" baseline="0" dirty="0" smtClean="0"/>
+              <a:t>1 = Digitaler Wert eines Buttons (</a:t>
+            </a:r>
+            <a:r>
+              <a:rPr lang="de-CH" baseline="0" dirty="0" err="1" smtClean="0"/>
+              <a:t>0x00</a:t>
+            </a:r>
+            <a:r>
+              <a:rPr lang="de-CH" baseline="0" dirty="0" smtClean="0"/>
+              <a:t> oder </a:t>
+            </a:r>
+            <a:r>
+              <a:rPr lang="de-CH" baseline="0" dirty="0" err="1" smtClean="0"/>
+              <a:t>0xFF</a:t>
+            </a:r>
+            <a:r>
+              <a:rPr lang="de-CH" baseline="0" dirty="0" smtClean="0"/>
+              <a:t>)</a:t>
+            </a:r>
+          </a:p>
+          <a:p>
+            <a:pPr marL="171450" indent="-171450">
+              <a:buFont typeface="Arial" panose="020B0604020202020204" pitchFamily="34" charset="0"/>
+              <a:buChar char="•"/>
+            </a:pPr>
+            <a:endParaRPr lang="de-CH" baseline="0" dirty="0" smtClean="0"/>
+          </a:p>
+          <a:p>
+            <a:endParaRPr lang="de-CH" dirty="0"/>
+          </a:p>
+        </p:txBody>
+      </p:sp>
+      <p:sp>
+        <p:nvSpPr>
+          <p:cNvPr id="4" name="Foliennummernplatzhalter 3"/>
+          <p:cNvSpPr>
+            <a:spLocks noGrp="1"/>
+          </p:cNvSpPr>
+          <p:nvPr>
+            <p:ph type="sldNum" sz="quarter" idx="10"/>
+          </p:nvPr>
+        </p:nvSpPr>
+        <p:spPr/>
+        <p:txBody>
+          <a:bodyPr/>
+          <a:lstStyle/>
+          <a:p>
+            <a:fld id="{C093BCC5-7CCA-45E0-AB4A-49099C6DCF85}" type="slidenum">
+              <a:rPr lang="de-CH" smtClean="0"/>
+              <a:t>8</a:t>
+            </a:fld>
+            <a:endParaRPr lang="de-CH"/>
+          </a:p>
+        </p:txBody>
+      </p:sp>
+    </p:spTree>
+    <p:extLst>
+      <p:ext uri="{BB962C8B-B14F-4D97-AF65-F5344CB8AC3E}">
+        <p14:creationId xmlns:p14="http://schemas.microsoft.com/office/powerpoint/2010/main" val="2804992278"/>
+      </p:ext>
+    </p:extLst>
+  </p:cSld>
+  <p:clrMapOvr>
+    <a:masterClrMapping/>
+  </p:clrMapOvr>
+</p:notes>
+</file>
+
+<file path=ppt/notesSlides/notesSlide6.xml><?xml version="1.0" encoding="utf-8"?>
+<p:notes xmlns:a="http://schemas.openxmlformats.org/drawingml/2006/main" xmlns:r="http://schemas.openxmlformats.org/officeDocument/2006/relationships" xmlns:p="http://schemas.openxmlformats.org/presentationml/2006/main">
+  <p:cSld>
+    <p:spTree>
+      <p:nvGrpSpPr>
+        <p:cNvPr id="1" name=""/>
+        <p:cNvGrpSpPr/>
+        <p:nvPr/>
+      </p:nvGrpSpPr>
+      <p:grpSpPr>
+        <a:xfrm>
+          <a:off x="0" y="0"/>
+          <a:ext cx="0" cy="0"/>
+          <a:chOff x="0" y="0"/>
+          <a:chExt cx="0" cy="0"/>
+        </a:xfrm>
+      </p:grpSpPr>
+      <p:sp>
+        <p:nvSpPr>
+          <p:cNvPr id="2" name="Folienbildplatzhalter 1"/>
+          <p:cNvSpPr>
+            <a:spLocks noGrp="1" noRot="1" noChangeAspect="1"/>
+          </p:cNvSpPr>
+          <p:nvPr>
+            <p:ph type="sldImg"/>
+          </p:nvPr>
+        </p:nvSpPr>
+        <p:spPr/>
+      </p:sp>
+      <p:sp>
+        <p:nvSpPr>
+          <p:cNvPr id="3" name="Notizenplatzhalter 2"/>
+          <p:cNvSpPr>
+            <a:spLocks noGrp="1"/>
+          </p:cNvSpPr>
+          <p:nvPr>
+            <p:ph type="body" idx="1"/>
+          </p:nvPr>
+        </p:nvSpPr>
+        <p:spPr/>
+        <p:txBody>
+          <a:bodyPr/>
+          <a:lstStyle/>
+          <a:p>
+            <a:r>
+              <a:rPr lang="de-CH" dirty="0" err="1" smtClean="0"/>
+              <a:t>Physical</a:t>
+            </a:r>
+            <a:r>
+              <a:rPr lang="de-CH" dirty="0" smtClean="0"/>
+              <a:t> </a:t>
+            </a:r>
+            <a:r>
+              <a:rPr lang="de-CH" dirty="0" err="1" smtClean="0"/>
+              <a:t>layer</a:t>
+            </a:r>
+            <a:r>
+              <a:rPr lang="de-CH" dirty="0" smtClean="0"/>
+              <a:t>:</a:t>
+            </a:r>
+          </a:p>
+          <a:p>
+            <a:pPr marL="171450" indent="-171450">
+              <a:buFont typeface="Arial" panose="020B0604020202020204" pitchFamily="34" charset="0"/>
+              <a:buChar char="•"/>
+            </a:pPr>
+            <a:r>
+              <a:rPr lang="de-CH" dirty="0" smtClean="0"/>
+              <a:t>Bitübertragung, Spannungspegel, Übertragungskanal (Kabel, </a:t>
+            </a:r>
+            <a:r>
+              <a:rPr lang="de-CH" dirty="0" err="1" smtClean="0"/>
+              <a:t>wireless</a:t>
+            </a:r>
+            <a:r>
+              <a:rPr lang="de-CH" dirty="0" smtClean="0"/>
+              <a:t>), Modus (</a:t>
+            </a:r>
+            <a:r>
+              <a:rPr lang="de-CH" dirty="0" err="1" smtClean="0"/>
+              <a:t>SIO</a:t>
+            </a:r>
+            <a:r>
+              <a:rPr lang="de-CH" dirty="0" smtClean="0"/>
+              <a:t>, </a:t>
+            </a:r>
+            <a:r>
+              <a:rPr lang="de-CH" dirty="0" err="1" smtClean="0"/>
+              <a:t>IO</a:t>
+            </a:r>
+            <a:r>
+              <a:rPr lang="de-CH" dirty="0" smtClean="0"/>
+              <a:t>-Link Kommunikation)</a:t>
+            </a:r>
+          </a:p>
+          <a:p>
+            <a:pPr marL="0" indent="0">
+              <a:buFont typeface="Arial" panose="020B0604020202020204" pitchFamily="34" charset="0"/>
+              <a:buNone/>
+            </a:pPr>
+            <a:endParaRPr lang="de-CH" dirty="0" smtClean="0"/>
+          </a:p>
+          <a:p>
+            <a:pPr marL="0" indent="0">
+              <a:buFont typeface="Arial" panose="020B0604020202020204" pitchFamily="34" charset="0"/>
+              <a:buNone/>
+            </a:pPr>
+            <a:r>
+              <a:rPr lang="de-CH" dirty="0" smtClean="0"/>
+              <a:t>Data Link Layer:</a:t>
+            </a:r>
+          </a:p>
+          <a:p>
+            <a:pPr marL="171450" indent="-171450">
+              <a:buFont typeface="Arial" panose="020B0604020202020204" pitchFamily="34" charset="0"/>
+              <a:buChar char="•"/>
+            </a:pPr>
+            <a:r>
+              <a:rPr lang="de-CH" dirty="0" smtClean="0"/>
+              <a:t>Prüfsumme, schaut, dass angekommene Bits</a:t>
+            </a:r>
+            <a:r>
+              <a:rPr lang="de-CH" baseline="0" dirty="0" smtClean="0"/>
+              <a:t> stimmen. Bindeglied zwischen Datenverarbeitung und Übertragung</a:t>
+            </a:r>
+          </a:p>
+          <a:p>
+            <a:pPr marL="0" indent="0">
+              <a:buFont typeface="Arial" panose="020B0604020202020204" pitchFamily="34" charset="0"/>
+              <a:buNone/>
+            </a:pPr>
+            <a:endParaRPr lang="de-CH" baseline="0" dirty="0" smtClean="0"/>
+          </a:p>
+          <a:p>
+            <a:pPr marL="0" indent="0">
+              <a:buFont typeface="Arial" panose="020B0604020202020204" pitchFamily="34" charset="0"/>
+              <a:buNone/>
+            </a:pPr>
+            <a:r>
+              <a:rPr lang="de-CH" baseline="0" dirty="0" err="1" smtClean="0"/>
+              <a:t>Application</a:t>
+            </a:r>
+            <a:r>
+              <a:rPr lang="de-CH" baseline="0" dirty="0" smtClean="0"/>
+              <a:t> Layer:</a:t>
+            </a:r>
+          </a:p>
+          <a:p>
+            <a:pPr marL="171450" indent="-171450">
+              <a:buFont typeface="Arial" panose="020B0604020202020204" pitchFamily="34" charset="0"/>
+              <a:buChar char="•"/>
+            </a:pPr>
+            <a:r>
+              <a:rPr lang="de-CH" baseline="0" dirty="0" smtClean="0"/>
+              <a:t>Verbindet Protokoll mit Usersoftware. </a:t>
+            </a:r>
+            <a:r>
+              <a:rPr lang="de-CH" baseline="0" dirty="0" err="1" smtClean="0"/>
+              <a:t>Schnittstellle</a:t>
+            </a:r>
+            <a:r>
+              <a:rPr lang="de-CH" baseline="0" dirty="0" smtClean="0"/>
+              <a:t> zum Benutzer</a:t>
+            </a:r>
+            <a:endParaRPr lang="de-CH" dirty="0"/>
+          </a:p>
+        </p:txBody>
+      </p:sp>
+      <p:sp>
+        <p:nvSpPr>
+          <p:cNvPr id="4" name="Foliennummernplatzhalter 3"/>
+          <p:cNvSpPr>
+            <a:spLocks noGrp="1"/>
+          </p:cNvSpPr>
+          <p:nvPr>
+            <p:ph type="sldNum" sz="quarter" idx="10"/>
+          </p:nvPr>
+        </p:nvSpPr>
+        <p:spPr/>
+        <p:txBody>
+          <a:bodyPr/>
+          <a:lstStyle/>
+          <a:p>
+            <a:fld id="{C093BCC5-7CCA-45E0-AB4A-49099C6DCF85}" type="slidenum">
+              <a:rPr lang="de-CH" smtClean="0"/>
+              <a:t>9</a:t>
+            </a:fld>
+            <a:endParaRPr lang="de-CH"/>
+          </a:p>
+        </p:txBody>
+      </p:sp>
+    </p:spTree>
+    <p:extLst>
+      <p:ext uri="{BB962C8B-B14F-4D97-AF65-F5344CB8AC3E}">
+        <p14:creationId xmlns:p14="http://schemas.microsoft.com/office/powerpoint/2010/main" val="4098516859"/>
+      </p:ext>
+    </p:extLst>
+  </p:cSld>
+  <p:clrMapOvr>
+    <a:masterClrMapping/>
+  </p:clrMapOvr>
+</p:notes>
+</file>
+
+<file path=ppt/notesSlides/notesSlide7.xml><?xml version="1.0" encoding="utf-8"?>
+<p:notes xmlns:a="http://schemas.openxmlformats.org/drawingml/2006/main" xmlns:r="http://schemas.openxmlformats.org/officeDocument/2006/relationships" xmlns:p="http://schemas.openxmlformats.org/presentationml/2006/main">
+  <p:cSld>
+    <p:spTree>
+      <p:nvGrpSpPr>
+        <p:cNvPr id="1" name=""/>
+        <p:cNvGrpSpPr/>
+        <p:nvPr/>
+      </p:nvGrpSpPr>
+      <p:grpSpPr>
+        <a:xfrm>
+          <a:off x="0" y="0"/>
+          <a:ext cx="0" cy="0"/>
+          <a:chOff x="0" y="0"/>
+          <a:chExt cx="0" cy="0"/>
+        </a:xfrm>
+      </p:grpSpPr>
+      <p:sp>
+        <p:nvSpPr>
+          <p:cNvPr id="2" name="Folienbildplatzhalter 1"/>
+          <p:cNvSpPr>
+            <a:spLocks noGrp="1" noRot="1" noChangeAspect="1"/>
+          </p:cNvSpPr>
+          <p:nvPr>
+            <p:ph type="sldImg"/>
+          </p:nvPr>
+        </p:nvSpPr>
+        <p:spPr/>
+      </p:sp>
+      <p:sp>
+        <p:nvSpPr>
+          <p:cNvPr id="3" name="Notizenplatzhalter 2"/>
+          <p:cNvSpPr>
+            <a:spLocks noGrp="1"/>
+          </p:cNvSpPr>
+          <p:nvPr>
+            <p:ph type="body" idx="1"/>
+          </p:nvPr>
+        </p:nvSpPr>
+        <p:spPr/>
+        <p:txBody>
+          <a:bodyPr/>
+          <a:lstStyle/>
+          <a:p>
+            <a:r>
+              <a:rPr lang="de-CH" dirty="0" err="1" smtClean="0"/>
+              <a:t>Process</a:t>
+            </a:r>
+            <a:r>
+              <a:rPr lang="de-CH" dirty="0" smtClean="0"/>
+              <a:t> Data Handler: zyklische Daten</a:t>
+            </a:r>
+          </a:p>
+          <a:p>
+            <a:r>
+              <a:rPr lang="de-CH" dirty="0" smtClean="0"/>
+              <a:t>On-</a:t>
+            </a:r>
+            <a:r>
+              <a:rPr lang="de-CH" dirty="0" err="1" smtClean="0"/>
+              <a:t>request</a:t>
+            </a:r>
+            <a:r>
+              <a:rPr lang="de-CH" dirty="0" smtClean="0"/>
+              <a:t> Data Handler:</a:t>
+            </a:r>
+            <a:r>
+              <a:rPr lang="de-CH" baseline="0" dirty="0" smtClean="0"/>
+              <a:t> azyklische Daten</a:t>
+            </a:r>
+            <a:endParaRPr lang="de-CH" dirty="0"/>
+          </a:p>
+        </p:txBody>
+      </p:sp>
+      <p:sp>
+        <p:nvSpPr>
+          <p:cNvPr id="4" name="Foliennummernplatzhalter 3"/>
+          <p:cNvSpPr>
+            <a:spLocks noGrp="1"/>
+          </p:cNvSpPr>
+          <p:nvPr>
+            <p:ph type="sldNum" sz="quarter" idx="10"/>
+          </p:nvPr>
+        </p:nvSpPr>
+        <p:spPr/>
+        <p:txBody>
+          <a:bodyPr/>
+          <a:lstStyle/>
+          <a:p>
+            <a:fld id="{C093BCC5-7CCA-45E0-AB4A-49099C6DCF85}" type="slidenum">
+              <a:rPr lang="de-CH" smtClean="0"/>
+              <a:t>10</a:t>
+            </a:fld>
+            <a:endParaRPr lang="de-CH"/>
+          </a:p>
+        </p:txBody>
+      </p:sp>
+    </p:spTree>
+    <p:extLst>
+      <p:ext uri="{BB962C8B-B14F-4D97-AF65-F5344CB8AC3E}">
+        <p14:creationId xmlns:p14="http://schemas.microsoft.com/office/powerpoint/2010/main" val="260092094"/>
+      </p:ext>
+    </p:extLst>
+  </p:cSld>
+  <p:clrMapOvr>
+    <a:masterClrMapping/>
+  </p:clrMapOvr>
+</p:notes>
+</file>
+
+<file path=ppt/notesSlides/notesSlide8.xml><?xml version="1.0" encoding="utf-8"?>
+<p:notes xmlns:a="http://schemas.openxmlformats.org/drawingml/2006/main" xmlns:r="http://schemas.openxmlformats.org/officeDocument/2006/relationships" xmlns:p="http://schemas.openxmlformats.org/presentationml/2006/main">
+  <p:cSld>
+    <p:spTree>
+      <p:nvGrpSpPr>
+        <p:cNvPr id="1" name=""/>
+        <p:cNvGrpSpPr/>
+        <p:nvPr/>
+      </p:nvGrpSpPr>
+      <p:grpSpPr>
+        <a:xfrm>
+          <a:off x="0" y="0"/>
+          <a:ext cx="0" cy="0"/>
+          <a:chOff x="0" y="0"/>
+          <a:chExt cx="0" cy="0"/>
+        </a:xfrm>
+      </p:grpSpPr>
+      <p:sp>
+        <p:nvSpPr>
+          <p:cNvPr id="2" name="Folienbildplatzhalter 1"/>
+          <p:cNvSpPr>
+            <a:spLocks noGrp="1" noRot="1" noChangeAspect="1"/>
+          </p:cNvSpPr>
+          <p:nvPr>
+            <p:ph type="sldImg"/>
+          </p:nvPr>
+        </p:nvSpPr>
+        <p:spPr/>
+      </p:sp>
+      <p:sp>
+        <p:nvSpPr>
+          <p:cNvPr id="3" name="Notizenplatzhalter 2"/>
+          <p:cNvSpPr>
+            <a:spLocks noGrp="1"/>
+          </p:cNvSpPr>
+          <p:nvPr>
+            <p:ph type="body" idx="1"/>
+          </p:nvPr>
+        </p:nvSpPr>
+        <p:spPr/>
+        <p:txBody>
+          <a:bodyPr/>
+          <a:lstStyle/>
+          <a:p>
+            <a:r>
+              <a:rPr lang="de-CH" dirty="0" smtClean="0"/>
+              <a:t>Leistungsmessung (</a:t>
+            </a:r>
+            <a:r>
+              <a:rPr lang="de-CH" dirty="0" err="1" smtClean="0"/>
+              <a:t>I2C</a:t>
+            </a:r>
+            <a:r>
+              <a:rPr lang="de-CH" dirty="0" smtClean="0"/>
+              <a:t>):</a:t>
+            </a:r>
+          </a:p>
+          <a:p>
+            <a:pPr marL="171450" indent="-171450">
+              <a:buFont typeface="Arial" panose="020B0604020202020204" pitchFamily="34" charset="0"/>
+              <a:buChar char="•"/>
+            </a:pPr>
+            <a:r>
+              <a:rPr lang="de-CH" dirty="0" smtClean="0"/>
+              <a:t>AD Wandler mit Übertragung</a:t>
+            </a:r>
+            <a:r>
+              <a:rPr lang="de-CH" baseline="0" dirty="0" smtClean="0"/>
+              <a:t> via </a:t>
+            </a:r>
+            <a:r>
+              <a:rPr lang="de-CH" baseline="0" dirty="0" err="1" smtClean="0"/>
+              <a:t>I2C</a:t>
+            </a:r>
+            <a:endParaRPr lang="de-CH" baseline="0" dirty="0" smtClean="0"/>
+          </a:p>
+          <a:p>
+            <a:pPr marL="171450" indent="-171450">
+              <a:buFont typeface="Arial" panose="020B0604020202020204" pitchFamily="34" charset="0"/>
+              <a:buChar char="•"/>
+            </a:pPr>
+            <a:endParaRPr lang="de-CH" baseline="0" dirty="0" smtClean="0"/>
+          </a:p>
+          <a:p>
+            <a:pPr marL="0" indent="0">
+              <a:buFont typeface="Arial" panose="020B0604020202020204" pitchFamily="34" charset="0"/>
+              <a:buNone/>
+            </a:pPr>
+            <a:r>
+              <a:rPr lang="de-CH" baseline="0" dirty="0" smtClean="0"/>
+              <a:t>Pyrometer:</a:t>
+            </a:r>
+          </a:p>
+          <a:p>
+            <a:pPr marL="171450" indent="-171450">
+              <a:buFont typeface="Arial" panose="020B0604020202020204" pitchFamily="34" charset="0"/>
+              <a:buChar char="•"/>
+            </a:pPr>
+            <a:r>
+              <a:rPr lang="de-CH" baseline="0" dirty="0" smtClean="0"/>
+              <a:t>Mikrocontroller</a:t>
+            </a:r>
+          </a:p>
+          <a:p>
+            <a:pPr marL="171450" indent="-171450">
+              <a:buFont typeface="Arial" panose="020B0604020202020204" pitchFamily="34" charset="0"/>
+              <a:buChar char="•"/>
+            </a:pPr>
+            <a:r>
+              <a:rPr lang="de-CH" baseline="0" dirty="0" smtClean="0"/>
+              <a:t>Eigene Kommandos</a:t>
+            </a:r>
+            <a:endParaRPr lang="de-CH" dirty="0"/>
+          </a:p>
+        </p:txBody>
+      </p:sp>
+      <p:sp>
+        <p:nvSpPr>
+          <p:cNvPr id="4" name="Foliennummernplatzhalter 3"/>
+          <p:cNvSpPr>
+            <a:spLocks noGrp="1"/>
+          </p:cNvSpPr>
+          <p:nvPr>
+            <p:ph type="sldNum" sz="quarter" idx="10"/>
+          </p:nvPr>
+        </p:nvSpPr>
+        <p:spPr/>
+        <p:txBody>
+          <a:bodyPr/>
+          <a:lstStyle/>
+          <a:p>
+            <a:fld id="{C093BCC5-7CCA-45E0-AB4A-49099C6DCF85}" type="slidenum">
+              <a:rPr lang="de-CH" smtClean="0"/>
+              <a:t>14</a:t>
+            </a:fld>
+            <a:endParaRPr lang="de-CH"/>
+          </a:p>
+        </p:txBody>
+      </p:sp>
+    </p:spTree>
+    <p:extLst>
+      <p:ext uri="{BB962C8B-B14F-4D97-AF65-F5344CB8AC3E}">
+        <p14:creationId xmlns:p14="http://schemas.microsoft.com/office/powerpoint/2010/main" val="2163642137"/>
+      </p:ext>
+    </p:extLst>
+  </p:cSld>
+  <p:clrMapOvr>
+    <a:masterClrMapping/>
+  </p:clrMapOvr>
+</p:notes>
+</file>
+
+<file path=ppt/notesSlides/notesSlide9.xml><?xml version="1.0" encoding="utf-8"?>
+<p:notes xmlns:a="http://schemas.openxmlformats.org/drawingml/2006/main" xmlns:r="http://schemas.openxmlformats.org/officeDocument/2006/relationships" xmlns:p="http://schemas.openxmlformats.org/presentationml/2006/main">
+  <p:cSld>
+    <p:spTree>
+      <p:nvGrpSpPr>
+        <p:cNvPr id="1" name=""/>
+        <p:cNvGrpSpPr/>
+        <p:nvPr/>
+      </p:nvGrpSpPr>
+      <p:grpSpPr>
+        <a:xfrm>
+          <a:off x="0" y="0"/>
+          <a:ext cx="0" cy="0"/>
+          <a:chOff x="0" y="0"/>
+          <a:chExt cx="0" cy="0"/>
+        </a:xfrm>
+      </p:grpSpPr>
+      <p:sp>
+        <p:nvSpPr>
+          <p:cNvPr id="2" name="Folienbildplatzhalter 1"/>
+          <p:cNvSpPr>
+            <a:spLocks noGrp="1" noRot="1" noChangeAspect="1"/>
+          </p:cNvSpPr>
+          <p:nvPr>
+            <p:ph type="sldImg"/>
+          </p:nvPr>
+        </p:nvSpPr>
+        <p:spPr/>
+      </p:sp>
+      <p:sp>
+        <p:nvSpPr>
+          <p:cNvPr id="3" name="Notizenplatzhalter 2"/>
+          <p:cNvSpPr>
+            <a:spLocks noGrp="1"/>
+          </p:cNvSpPr>
+          <p:nvPr>
+            <p:ph type="body" idx="1"/>
+          </p:nvPr>
+        </p:nvSpPr>
+        <p:spPr/>
+        <p:txBody>
+          <a:bodyPr/>
+          <a:lstStyle/>
           <a:p>
             <a:endParaRPr lang="de-CH" dirty="0"/>
           </a:p>
@@ -663,7 +2280,7 @@
     </p:spTree>
     <p:extLst>
       <p:ext uri="{BB962C8B-B14F-4D97-AF65-F5344CB8AC3E}">
-        <p14:creationId xmlns:p14="http://schemas.microsoft.com/office/powerpoint/2010/main" val="2241776792"/>
+        <p14:creationId xmlns:p14="http://schemas.microsoft.com/office/powerpoint/2010/main" val="2193535740"/>
       </p:ext>
     </p:extLst>
   </p:cSld>
@@ -918,7 +2535,7 @@
           <a:p>
             <a:fld id="{5B480CB3-2242-4E1F-AF86-30BAE334200A}" type="datetimeFigureOut">
               <a:rPr lang="de-CH" smtClean="0"/>
-              <a:t>21.04.2016</a:t>
+              <a:t>26.04.2016</a:t>
             </a:fld>
             <a:endParaRPr lang="de-CH"/>
           </a:p>
@@ -1180,7 +2797,7 @@
           <a:p>
             <a:fld id="{5B480CB3-2242-4E1F-AF86-30BAE334200A}" type="datetimeFigureOut">
               <a:rPr lang="de-CH" smtClean="0"/>
-              <a:t>21.04.2016</a:t>
+              <a:t>26.04.2016</a:t>
             </a:fld>
             <a:endParaRPr lang="de-CH"/>
           </a:p>
@@ -1415,7 +3032,7 @@
           <a:p>
             <a:fld id="{5B480CB3-2242-4E1F-AF86-30BAE334200A}" type="datetimeFigureOut">
               <a:rPr lang="de-CH" smtClean="0"/>
-              <a:t>21.04.2016</a:t>
+              <a:t>26.04.2016</a:t>
             </a:fld>
             <a:endParaRPr lang="de-CH"/>
           </a:p>
@@ -1655,7 +3272,7 @@
           <a:p>
             <a:fld id="{5B480CB3-2242-4E1F-AF86-30BAE334200A}" type="datetimeFigureOut">
               <a:rPr lang="de-CH" smtClean="0"/>
-              <a:t>21.04.2016</a:t>
+              <a:t>26.04.2016</a:t>
             </a:fld>
             <a:endParaRPr lang="de-CH"/>
           </a:p>
@@ -1962,7 +3579,7 @@
           <a:p>
             <a:fld id="{5B480CB3-2242-4E1F-AF86-30BAE334200A}" type="datetimeFigureOut">
               <a:rPr lang="de-CH" smtClean="0"/>
-              <a:t>21.04.2016</a:t>
+              <a:t>26.04.2016</a:t>
             </a:fld>
             <a:endParaRPr lang="de-CH"/>
           </a:p>
@@ -2264,7 +3881,7 @@
           <a:p>
             <a:fld id="{5B480CB3-2242-4E1F-AF86-30BAE334200A}" type="datetimeFigureOut">
               <a:rPr lang="de-CH" smtClean="0"/>
-              <a:t>21.04.2016</a:t>
+              <a:t>26.04.2016</a:t>
             </a:fld>
             <a:endParaRPr lang="de-CH"/>
           </a:p>
@@ -2686,7 +4303,7 @@
           <a:p>
             <a:fld id="{5B480CB3-2242-4E1F-AF86-30BAE334200A}" type="datetimeFigureOut">
               <a:rPr lang="de-CH" smtClean="0"/>
-              <a:t>21.04.2016</a:t>
+              <a:t>26.04.2016</a:t>
             </a:fld>
             <a:endParaRPr lang="de-CH"/>
           </a:p>
@@ -2848,7 +4465,7 @@
           <a:p>
             <a:fld id="{5B480CB3-2242-4E1F-AF86-30BAE334200A}" type="datetimeFigureOut">
               <a:rPr lang="de-CH" smtClean="0"/>
-              <a:t>21.04.2016</a:t>
+              <a:t>26.04.2016</a:t>
             </a:fld>
             <a:endParaRPr lang="de-CH"/>
           </a:p>
@@ -2943,7 +4560,7 @@
           <a:p>
             <a:fld id="{5B480CB3-2242-4E1F-AF86-30BAE334200A}" type="datetimeFigureOut">
               <a:rPr lang="de-CH" smtClean="0"/>
-              <a:t>21.04.2016</a:t>
+              <a:t>26.04.2016</a:t>
             </a:fld>
             <a:endParaRPr lang="de-CH"/>
           </a:p>
@@ -3321,7 +4938,7 @@
           <a:p>
             <a:fld id="{5B480CB3-2242-4E1F-AF86-30BAE334200A}" type="datetimeFigureOut">
               <a:rPr lang="de-CH" smtClean="0"/>
-              <a:t>21.04.2016</a:t>
+              <a:t>26.04.2016</a:t>
             </a:fld>
             <a:endParaRPr lang="de-CH"/>
           </a:p>
@@ -3610,7 +5227,7 @@
           <a:p>
             <a:fld id="{5B480CB3-2242-4E1F-AF86-30BAE334200A}" type="datetimeFigureOut">
               <a:rPr lang="de-CH" smtClean="0"/>
-              <a:t>21.04.2016</a:t>
+              <a:t>26.04.2016</a:t>
             </a:fld>
             <a:endParaRPr lang="de-CH"/>
           </a:p>
@@ -3821,7 +5438,7 @@
           <a:p>
             <a:fld id="{5B480CB3-2242-4E1F-AF86-30BAE334200A}" type="datetimeFigureOut">
               <a:rPr lang="de-CH" smtClean="0"/>
-              <a:t>21.04.2016</a:t>
+              <a:t>26.04.2016</a:t>
             </a:fld>
             <a:endParaRPr lang="de-CH"/>
           </a:p>
@@ -4486,6 +6103,13 @@
   <p:clrMapOvr>
     <a:masterClrMapping/>
   </p:clrMapOvr>
+  <p:timing>
+    <p:tnLst>
+      <p:par>
+        <p:cTn id="1" dur="indefinite" restart="never" nodeType="tmRoot"/>
+      </p:par>
+    </p:tnLst>
+  </p:timing>
 </p:sld>
 </file>
 
@@ -4522,8 +6146,1816 @@
           <a:lstStyle/>
           <a:p>
             <a:r>
+              <a:rPr lang="de-CH" dirty="0" err="1" smtClean="0"/>
+              <a:t>IO</a:t>
+            </a:r>
+            <a:r>
               <a:rPr lang="de-CH" dirty="0" smtClean="0"/>
-              <a:t>Sensoren</a:t>
+              <a:t>-Link Stack</a:t>
+            </a:r>
+            <a:endParaRPr lang="de-CH" dirty="0"/>
+          </a:p>
+        </p:txBody>
+      </p:sp>
+      <p:sp>
+        <p:nvSpPr>
+          <p:cNvPr id="3" name="Inhaltsplatzhalter 2"/>
+          <p:cNvSpPr>
+            <a:spLocks noGrp="1"/>
+          </p:cNvSpPr>
+          <p:nvPr>
+            <p:ph idx="1"/>
+          </p:nvPr>
+        </p:nvSpPr>
+        <p:spPr/>
+        <p:txBody>
+          <a:bodyPr/>
+          <a:lstStyle/>
+          <a:p>
+            <a:pPr marL="0" indent="0">
+              <a:buNone/>
+            </a:pPr>
+            <a:endParaRPr lang="de-CH" dirty="0"/>
+          </a:p>
+        </p:txBody>
+      </p:sp>
+      <p:pic>
+        <p:nvPicPr>
+          <p:cNvPr id="4" name="Grafik 3"/>
+          <p:cNvPicPr/>
+          <p:nvPr/>
+        </p:nvPicPr>
+        <p:blipFill rotWithShape="1">
+          <a:blip r:embed="rId3" cstate="print">
+            <a:extLst>
+              <a:ext uri="{28A0092B-C50C-407E-A947-70E740481C1C}">
+                <a14:useLocalDpi xmlns:a14="http://schemas.microsoft.com/office/drawing/2010/main" val="0"/>
+              </a:ext>
+            </a:extLst>
+          </a:blip>
+          <a:srcRect l="12027" t="19319" r="12551" b="34142"/>
+          <a:stretch/>
+        </p:blipFill>
+        <p:spPr bwMode="auto">
+          <a:xfrm>
+            <a:off x="4094329" y="107387"/>
+            <a:ext cx="7737143" cy="6750613"/>
+          </a:xfrm>
+          <a:prstGeom prst="rect">
+            <a:avLst/>
+          </a:prstGeom>
+          <a:ln>
+            <a:noFill/>
+          </a:ln>
+          <a:extLst>
+            <a:ext uri="{53640926-AAD7-44D8-BBD7-CCE9431645EC}">
+              <a14:shadowObscured xmlns:a14="http://schemas.microsoft.com/office/drawing/2010/main"/>
+            </a:ext>
+          </a:extLst>
+        </p:spPr>
+      </p:pic>
+    </p:spTree>
+    <p:extLst>
+      <p:ext uri="{BB962C8B-B14F-4D97-AF65-F5344CB8AC3E}">
+        <p14:creationId xmlns:p14="http://schemas.microsoft.com/office/powerpoint/2010/main" val="3115262937"/>
+      </p:ext>
+    </p:extLst>
+  </p:cSld>
+  <p:clrMapOvr>
+    <a:masterClrMapping/>
+  </p:clrMapOvr>
+  <mc:AlternateContent xmlns:mc="http://schemas.openxmlformats.org/markup-compatibility/2006" xmlns:p14="http://schemas.microsoft.com/office/powerpoint/2010/main">
+    <mc:Choice Requires="p14">
+      <p:transition spd="slow" p14:dur="2000"/>
+    </mc:Choice>
+    <mc:Fallback xmlns="">
+      <p:transition spd="slow"/>
+    </mc:Fallback>
+  </mc:AlternateContent>
+  <p:timing>
+    <p:tnLst>
+      <p:par>
+        <p:cTn id="1" dur="indefinite" restart="never" nodeType="tmRoot"/>
+      </p:par>
+    </p:tnLst>
+  </p:timing>
+</p:sld>
+</file>
+
+<file path=ppt/slides/slide11.xml><?xml version="1.0" encoding="utf-8"?>
+<p:sld xmlns:a="http://schemas.openxmlformats.org/drawingml/2006/main" xmlns:r="http://schemas.openxmlformats.org/officeDocument/2006/relationships" xmlns:p="http://schemas.openxmlformats.org/presentationml/2006/main">
+  <p:cSld>
+    <p:spTree>
+      <p:nvGrpSpPr>
+        <p:cNvPr id="1" name=""/>
+        <p:cNvGrpSpPr/>
+        <p:nvPr/>
+      </p:nvGrpSpPr>
+      <p:grpSpPr>
+        <a:xfrm>
+          <a:off x="0" y="0"/>
+          <a:ext cx="0" cy="0"/>
+          <a:chOff x="0" y="0"/>
+          <a:chExt cx="0" cy="0"/>
+        </a:xfrm>
+      </p:grpSpPr>
+      <p:sp>
+        <p:nvSpPr>
+          <p:cNvPr id="2" name="Titel 1"/>
+          <p:cNvSpPr>
+            <a:spLocks noGrp="1"/>
+          </p:cNvSpPr>
+          <p:nvPr>
+            <p:ph type="title"/>
+          </p:nvPr>
+        </p:nvSpPr>
+        <p:spPr/>
+        <p:txBody>
+          <a:bodyPr/>
+          <a:lstStyle/>
+          <a:p>
+            <a:r>
+              <a:rPr lang="de-CH" dirty="0" smtClean="0"/>
+              <a:t>Aufgabenstellung</a:t>
+            </a:r>
+            <a:endParaRPr lang="de-CH" dirty="0"/>
+          </a:p>
+        </p:txBody>
+      </p:sp>
+      <p:sp>
+        <p:nvSpPr>
+          <p:cNvPr id="3" name="Inhaltsplatzhalter 2"/>
+          <p:cNvSpPr>
+            <a:spLocks noGrp="1"/>
+          </p:cNvSpPr>
+          <p:nvPr>
+            <p:ph idx="1"/>
+          </p:nvPr>
+        </p:nvSpPr>
+        <p:spPr/>
+        <p:txBody>
+          <a:bodyPr/>
+          <a:lstStyle/>
+          <a:p>
+            <a:pPr marL="0" indent="0">
+              <a:buNone/>
+            </a:pPr>
+            <a:endParaRPr lang="de-CH" dirty="0" smtClean="0"/>
+          </a:p>
+          <a:p>
+            <a:pPr marL="0" indent="0">
+              <a:buNone/>
+            </a:pPr>
+            <a:endParaRPr lang="de-CH" dirty="0"/>
+          </a:p>
+          <a:p>
+            <a:pPr marL="0" indent="0">
+              <a:buNone/>
+            </a:pPr>
+            <a:endParaRPr lang="de-CH" dirty="0" smtClean="0"/>
+          </a:p>
+          <a:p>
+            <a:pPr marL="0" indent="0">
+              <a:buNone/>
+            </a:pPr>
+            <a:endParaRPr lang="de-CH" dirty="0"/>
+          </a:p>
+          <a:p>
+            <a:pPr marL="0" indent="0">
+              <a:buNone/>
+            </a:pPr>
+            <a:endParaRPr lang="de-CH" dirty="0" smtClean="0"/>
+          </a:p>
+          <a:p>
+            <a:pPr marL="0" indent="0">
+              <a:buNone/>
+            </a:pPr>
+            <a:endParaRPr lang="de-CH" dirty="0"/>
+          </a:p>
+          <a:p>
+            <a:pPr marL="0" indent="0">
+              <a:buNone/>
+            </a:pPr>
+            <a:endParaRPr lang="de-CH" dirty="0" smtClean="0"/>
+          </a:p>
+        </p:txBody>
+      </p:sp>
+      <p:sp>
+        <p:nvSpPr>
+          <p:cNvPr id="23" name="Inhaltsplatzhalter 2"/>
+          <p:cNvSpPr txBox="1">
+            <a:spLocks/>
+          </p:cNvSpPr>
+          <p:nvPr/>
+        </p:nvSpPr>
+        <p:spPr>
+          <a:xfrm>
+            <a:off x="733592" y="2332896"/>
+            <a:ext cx="11029615" cy="3678303"/>
+          </a:xfrm>
+          <a:prstGeom prst="rect">
+            <a:avLst/>
+          </a:prstGeom>
+        </p:spPr>
+        <p:txBody>
+          <a:bodyPr vert="horz" lIns="91440" tIns="45720" rIns="91440" bIns="45720" rtlCol="0" anchor="ctr">
+            <a:normAutofit/>
+          </a:bodyPr>
+          <a:lstStyle>
+            <a:lvl1pPr marL="306000" indent="-306000" algn="l" defTabSz="457200" rtl="0" eaLnBrk="1" latinLnBrk="0" hangingPunct="1">
+              <a:spcBef>
+                <a:spcPct val="20000"/>
+              </a:spcBef>
+              <a:spcAft>
+                <a:spcPts val="600"/>
+              </a:spcAft>
+              <a:buClr>
+                <a:schemeClr val="accent2"/>
+              </a:buClr>
+              <a:buSzPct val="92000"/>
+              <a:buFont typeface="Wingdings 2" panose="05020102010507070707" pitchFamily="18" charset="2"/>
+              <a:buChar char=""/>
+              <a:defRPr sz="1800" kern="1200">
+                <a:solidFill>
+                  <a:schemeClr val="tx2"/>
+                </a:solidFill>
+                <a:latin typeface="+mn-lt"/>
+                <a:ea typeface="+mn-ea"/>
+                <a:cs typeface="+mn-cs"/>
+              </a:defRPr>
+            </a:lvl1pPr>
+            <a:lvl2pPr marL="630000" indent="-306000" algn="l" defTabSz="457200" rtl="0" eaLnBrk="1" latinLnBrk="0" hangingPunct="1">
+              <a:spcBef>
+                <a:spcPct val="20000"/>
+              </a:spcBef>
+              <a:spcAft>
+                <a:spcPts val="600"/>
+              </a:spcAft>
+              <a:buClr>
+                <a:schemeClr val="accent2"/>
+              </a:buClr>
+              <a:buSzPct val="92000"/>
+              <a:buFont typeface="Wingdings 2" panose="05020102010507070707" pitchFamily="18" charset="2"/>
+              <a:buChar char=""/>
+              <a:defRPr sz="1600" kern="1200">
+                <a:solidFill>
+                  <a:schemeClr val="tx2"/>
+                </a:solidFill>
+                <a:latin typeface="+mn-lt"/>
+                <a:ea typeface="+mn-ea"/>
+                <a:cs typeface="+mn-cs"/>
+              </a:defRPr>
+            </a:lvl2pPr>
+            <a:lvl3pPr marL="900000" indent="-270000" algn="l" defTabSz="457200" rtl="0" eaLnBrk="1" latinLnBrk="0" hangingPunct="1">
+              <a:spcBef>
+                <a:spcPct val="20000"/>
+              </a:spcBef>
+              <a:spcAft>
+                <a:spcPts val="600"/>
+              </a:spcAft>
+              <a:buClr>
+                <a:schemeClr val="accent2"/>
+              </a:buClr>
+              <a:buSzPct val="92000"/>
+              <a:buFont typeface="Wingdings 2" panose="05020102010507070707" pitchFamily="18" charset="2"/>
+              <a:buChar char=""/>
+              <a:defRPr sz="1400" kern="1200">
+                <a:solidFill>
+                  <a:schemeClr val="tx2"/>
+                </a:solidFill>
+                <a:latin typeface="+mn-lt"/>
+                <a:ea typeface="+mn-ea"/>
+                <a:cs typeface="+mn-cs"/>
+              </a:defRPr>
+            </a:lvl3pPr>
+            <a:lvl4pPr marL="1242000" indent="-234000" algn="l" defTabSz="457200" rtl="0" eaLnBrk="1" latinLnBrk="0" hangingPunct="1">
+              <a:spcBef>
+                <a:spcPct val="20000"/>
+              </a:spcBef>
+              <a:spcAft>
+                <a:spcPts val="600"/>
+              </a:spcAft>
+              <a:buClr>
+                <a:schemeClr val="accent2"/>
+              </a:buClr>
+              <a:buSzPct val="92000"/>
+              <a:buFont typeface="Wingdings 2" panose="05020102010507070707" pitchFamily="18" charset="2"/>
+              <a:buChar char=""/>
+              <a:defRPr sz="1200" kern="1200">
+                <a:solidFill>
+                  <a:schemeClr val="tx2"/>
+                </a:solidFill>
+                <a:latin typeface="+mn-lt"/>
+                <a:ea typeface="+mn-ea"/>
+                <a:cs typeface="+mn-cs"/>
+              </a:defRPr>
+            </a:lvl4pPr>
+            <a:lvl5pPr marL="1602000" indent="-234000" algn="l" defTabSz="457200" rtl="0" eaLnBrk="1" latinLnBrk="0" hangingPunct="1">
+              <a:spcBef>
+                <a:spcPct val="20000"/>
+              </a:spcBef>
+              <a:spcAft>
+                <a:spcPts val="600"/>
+              </a:spcAft>
+              <a:buClr>
+                <a:schemeClr val="accent2"/>
+              </a:buClr>
+              <a:buSzPct val="92000"/>
+              <a:buFont typeface="Wingdings 2" panose="05020102010507070707" pitchFamily="18" charset="2"/>
+              <a:buChar char=""/>
+              <a:defRPr sz="1200" kern="1200">
+                <a:solidFill>
+                  <a:schemeClr val="tx2"/>
+                </a:solidFill>
+                <a:latin typeface="+mn-lt"/>
+                <a:ea typeface="+mn-ea"/>
+                <a:cs typeface="+mn-cs"/>
+              </a:defRPr>
+            </a:lvl5pPr>
+            <a:lvl6pPr marL="1900000" indent="-228600" algn="l" defTabSz="457200" rtl="0" eaLnBrk="1" latinLnBrk="0" hangingPunct="1">
+              <a:spcBef>
+                <a:spcPct val="20000"/>
+              </a:spcBef>
+              <a:spcAft>
+                <a:spcPts val="600"/>
+              </a:spcAft>
+              <a:buClr>
+                <a:schemeClr val="accent2"/>
+              </a:buClr>
+              <a:buSzPct val="92000"/>
+              <a:buFont typeface="Wingdings 2" panose="05020102010507070707" pitchFamily="18" charset="2"/>
+              <a:buChar char=""/>
+              <a:defRPr sz="1200" kern="1200">
+                <a:solidFill>
+                  <a:schemeClr val="tx2"/>
+                </a:solidFill>
+                <a:latin typeface="+mn-lt"/>
+                <a:ea typeface="+mn-ea"/>
+                <a:cs typeface="+mn-cs"/>
+              </a:defRPr>
+            </a:lvl6pPr>
+            <a:lvl7pPr marL="2200000" indent="-228600" algn="l" defTabSz="457200" rtl="0" eaLnBrk="1" latinLnBrk="0" hangingPunct="1">
+              <a:spcBef>
+                <a:spcPct val="20000"/>
+              </a:spcBef>
+              <a:spcAft>
+                <a:spcPts val="600"/>
+              </a:spcAft>
+              <a:buClr>
+                <a:schemeClr val="accent2"/>
+              </a:buClr>
+              <a:buSzPct val="92000"/>
+              <a:buFont typeface="Wingdings 2" panose="05020102010507070707" pitchFamily="18" charset="2"/>
+              <a:buChar char=""/>
+              <a:defRPr sz="1200" kern="1200">
+                <a:solidFill>
+                  <a:schemeClr val="tx2"/>
+                </a:solidFill>
+                <a:latin typeface="+mn-lt"/>
+                <a:ea typeface="+mn-ea"/>
+                <a:cs typeface="+mn-cs"/>
+              </a:defRPr>
+            </a:lvl7pPr>
+            <a:lvl8pPr marL="2500000" indent="-228600" algn="l" defTabSz="457200" rtl="0" eaLnBrk="1" latinLnBrk="0" hangingPunct="1">
+              <a:spcBef>
+                <a:spcPct val="20000"/>
+              </a:spcBef>
+              <a:spcAft>
+                <a:spcPts val="600"/>
+              </a:spcAft>
+              <a:buClr>
+                <a:schemeClr val="accent2"/>
+              </a:buClr>
+              <a:buSzPct val="92000"/>
+              <a:buFont typeface="Wingdings 2" panose="05020102010507070707" pitchFamily="18" charset="2"/>
+              <a:buChar char=""/>
+              <a:defRPr sz="1200" kern="1200">
+                <a:solidFill>
+                  <a:schemeClr val="tx2"/>
+                </a:solidFill>
+                <a:latin typeface="+mn-lt"/>
+                <a:ea typeface="+mn-ea"/>
+                <a:cs typeface="+mn-cs"/>
+              </a:defRPr>
+            </a:lvl8pPr>
+            <a:lvl9pPr marL="2800000" indent="-228600" algn="l" defTabSz="457200" rtl="0" eaLnBrk="1" latinLnBrk="0" hangingPunct="1">
+              <a:spcBef>
+                <a:spcPct val="20000"/>
+              </a:spcBef>
+              <a:spcAft>
+                <a:spcPts val="600"/>
+              </a:spcAft>
+              <a:buClr>
+                <a:schemeClr val="accent2"/>
+              </a:buClr>
+              <a:buSzPct val="92000"/>
+              <a:buFont typeface="Wingdings 2" panose="05020102010507070707" pitchFamily="18" charset="2"/>
+              <a:buChar char=""/>
+              <a:defRPr sz="1200" kern="1200">
+                <a:solidFill>
+                  <a:schemeClr val="tx2"/>
+                </a:solidFill>
+                <a:latin typeface="+mn-lt"/>
+                <a:ea typeface="+mn-ea"/>
+                <a:cs typeface="+mn-cs"/>
+              </a:defRPr>
+            </a:lvl9pPr>
+          </a:lstStyle>
+          <a:p>
+            <a:r>
+              <a:rPr lang="de-CH" sz="2800" dirty="0" smtClean="0"/>
+              <a:t>Laserschweisssystem</a:t>
+            </a:r>
+          </a:p>
+          <a:p>
+            <a:r>
+              <a:rPr lang="de-CH" sz="2800" dirty="0" smtClean="0"/>
+              <a:t>Sensordaten zentral auslesbar</a:t>
+            </a:r>
+          </a:p>
+          <a:p>
+            <a:r>
+              <a:rPr lang="de-CH" sz="2800" dirty="0" smtClean="0"/>
+              <a:t>Pyrometer und Leistungsmessung</a:t>
+            </a:r>
+          </a:p>
+          <a:p>
+            <a:r>
+              <a:rPr lang="de-CH" sz="2800" dirty="0" smtClean="0"/>
+              <a:t>Sensorwerte auslesen mit 2 kHz</a:t>
+            </a:r>
+          </a:p>
+        </p:txBody>
+      </p:sp>
+    </p:spTree>
+    <p:extLst>
+      <p:ext uri="{BB962C8B-B14F-4D97-AF65-F5344CB8AC3E}">
+        <p14:creationId xmlns:p14="http://schemas.microsoft.com/office/powerpoint/2010/main" val="1558236421"/>
+      </p:ext>
+    </p:extLst>
+  </p:cSld>
+  <p:clrMapOvr>
+    <a:masterClrMapping/>
+  </p:clrMapOvr>
+  <p:timing>
+    <p:tnLst>
+      <p:par>
+        <p:cTn id="1" dur="indefinite" restart="never" nodeType="tmRoot"/>
+      </p:par>
+    </p:tnLst>
+  </p:timing>
+</p:sld>
+</file>
+
+<file path=ppt/slides/slide12.xml><?xml version="1.0" encoding="utf-8"?>
+<p:sld xmlns:a="http://schemas.openxmlformats.org/drawingml/2006/main" xmlns:r="http://schemas.openxmlformats.org/officeDocument/2006/relationships" xmlns:p="http://schemas.openxmlformats.org/presentationml/2006/main">
+  <p:cSld>
+    <p:spTree>
+      <p:nvGrpSpPr>
+        <p:cNvPr id="1" name=""/>
+        <p:cNvGrpSpPr/>
+        <p:nvPr/>
+      </p:nvGrpSpPr>
+      <p:grpSpPr>
+        <a:xfrm>
+          <a:off x="0" y="0"/>
+          <a:ext cx="0" cy="0"/>
+          <a:chOff x="0" y="0"/>
+          <a:chExt cx="0" cy="0"/>
+        </a:xfrm>
+      </p:grpSpPr>
+      <p:sp>
+        <p:nvSpPr>
+          <p:cNvPr id="2" name="Titel 1"/>
+          <p:cNvSpPr>
+            <a:spLocks noGrp="1"/>
+          </p:cNvSpPr>
+          <p:nvPr>
+            <p:ph type="title"/>
+          </p:nvPr>
+        </p:nvSpPr>
+        <p:spPr/>
+        <p:txBody>
+          <a:bodyPr/>
+          <a:lstStyle/>
+          <a:p>
+            <a:r>
+              <a:rPr lang="de-CH" dirty="0" smtClean="0"/>
+              <a:t>Hardwareanforderungen</a:t>
+            </a:r>
+            <a:endParaRPr lang="de-CH" dirty="0"/>
+          </a:p>
+        </p:txBody>
+      </p:sp>
+      <p:sp>
+        <p:nvSpPr>
+          <p:cNvPr id="3" name="Inhaltsplatzhalter 2"/>
+          <p:cNvSpPr>
+            <a:spLocks noGrp="1"/>
+          </p:cNvSpPr>
+          <p:nvPr>
+            <p:ph idx="1"/>
+          </p:nvPr>
+        </p:nvSpPr>
+        <p:spPr>
+          <a:xfrm>
+            <a:off x="574142" y="1869625"/>
+            <a:ext cx="11029615" cy="3176456"/>
+          </a:xfrm>
+        </p:spPr>
+        <p:txBody>
+          <a:bodyPr/>
+          <a:lstStyle/>
+          <a:p>
+            <a:pPr marL="0" indent="0">
+              <a:buNone/>
+            </a:pPr>
+            <a:endParaRPr lang="de-CH" dirty="0" smtClean="0"/>
+          </a:p>
+          <a:p>
+            <a:pPr marL="0" indent="0">
+              <a:buNone/>
+            </a:pPr>
+            <a:endParaRPr lang="de-CH" dirty="0"/>
+          </a:p>
+          <a:p>
+            <a:pPr marL="0" indent="0">
+              <a:buNone/>
+            </a:pPr>
+            <a:endParaRPr lang="de-CH" dirty="0" smtClean="0"/>
+          </a:p>
+          <a:p>
+            <a:pPr marL="0" indent="0">
+              <a:buNone/>
+            </a:pPr>
+            <a:endParaRPr lang="de-CH" dirty="0"/>
+          </a:p>
+          <a:p>
+            <a:pPr marL="0" indent="0">
+              <a:buNone/>
+            </a:pPr>
+            <a:endParaRPr lang="de-CH" dirty="0" smtClean="0"/>
+          </a:p>
+          <a:p>
+            <a:pPr marL="0" indent="0">
+              <a:buNone/>
+            </a:pPr>
+            <a:endParaRPr lang="de-CH" dirty="0"/>
+          </a:p>
+          <a:p>
+            <a:pPr marL="0" indent="0">
+              <a:buNone/>
+            </a:pPr>
+            <a:endParaRPr lang="de-CH" dirty="0" smtClean="0"/>
+          </a:p>
+        </p:txBody>
+      </p:sp>
+      <p:grpSp>
+        <p:nvGrpSpPr>
+          <p:cNvPr id="4" name="Gruppieren 3"/>
+          <p:cNvGrpSpPr/>
+          <p:nvPr/>
+        </p:nvGrpSpPr>
+        <p:grpSpPr>
+          <a:xfrm>
+            <a:off x="574142" y="1995042"/>
+            <a:ext cx="11345617" cy="2925621"/>
+            <a:chOff x="0" y="0"/>
+            <a:chExt cx="6534150" cy="1752600"/>
+          </a:xfrm>
+        </p:grpSpPr>
+        <p:grpSp>
+          <p:nvGrpSpPr>
+            <p:cNvPr id="5" name="Gruppieren 4"/>
+            <p:cNvGrpSpPr/>
+            <p:nvPr/>
+          </p:nvGrpSpPr>
+          <p:grpSpPr>
+            <a:xfrm>
+              <a:off x="0" y="0"/>
+              <a:ext cx="6534150" cy="1752600"/>
+              <a:chOff x="-209550" y="0"/>
+              <a:chExt cx="6534150" cy="1752600"/>
+            </a:xfrm>
+          </p:grpSpPr>
+          <p:grpSp>
+            <p:nvGrpSpPr>
+              <p:cNvPr id="8" name="Gruppieren 7"/>
+              <p:cNvGrpSpPr/>
+              <p:nvPr/>
+            </p:nvGrpSpPr>
+            <p:grpSpPr>
+              <a:xfrm>
+                <a:off x="-209550" y="0"/>
+                <a:ext cx="6534150" cy="1752600"/>
+                <a:chOff x="-209550" y="0"/>
+                <a:chExt cx="6534150" cy="1752600"/>
+              </a:xfrm>
+            </p:grpSpPr>
+            <p:grpSp>
+              <p:nvGrpSpPr>
+                <p:cNvPr id="14" name="Gruppieren 13"/>
+                <p:cNvGrpSpPr/>
+                <p:nvPr/>
+              </p:nvGrpSpPr>
+              <p:grpSpPr>
+                <a:xfrm>
+                  <a:off x="-209550" y="0"/>
+                  <a:ext cx="6534150" cy="1752600"/>
+                  <a:chOff x="-209550" y="0"/>
+                  <a:chExt cx="6534150" cy="1752600"/>
+                </a:xfrm>
+              </p:grpSpPr>
+              <p:sp>
+                <p:nvSpPr>
+                  <p:cNvPr id="17" name="Rechteck 16"/>
+                  <p:cNvSpPr/>
+                  <p:nvPr/>
+                </p:nvSpPr>
+                <p:spPr>
+                  <a:xfrm>
+                    <a:off x="-209550" y="304800"/>
+                    <a:ext cx="923925" cy="314325"/>
+                  </a:xfrm>
+                  <a:prstGeom prst="rect">
+                    <a:avLst/>
+                  </a:prstGeom>
+                </p:spPr>
+                <p:style>
+                  <a:lnRef idx="2">
+                    <a:schemeClr val="accent1">
+                      <a:shade val="50000"/>
+                    </a:schemeClr>
+                  </a:lnRef>
+                  <a:fillRef idx="1">
+                    <a:schemeClr val="accent1"/>
+                  </a:fillRef>
+                  <a:effectRef idx="0">
+                    <a:schemeClr val="accent1"/>
+                  </a:effectRef>
+                  <a:fontRef idx="minor">
+                    <a:schemeClr val="lt1"/>
+                  </a:fontRef>
+                </p:style>
+                <p:txBody>
+                  <a:bodyPr rot="0" spcFirstLastPara="0" vert="horz" wrap="square" lIns="91440" tIns="45720" rIns="91440" bIns="45720" numCol="1" spcCol="0" rtlCol="0" fromWordArt="0" anchor="ctr" anchorCtr="0" forceAA="0" compatLnSpc="1">
+                    <a:prstTxWarp prst="textNoShape">
+                      <a:avLst/>
+                    </a:prstTxWarp>
+                    <a:noAutofit/>
+                  </a:bodyPr>
+                  <a:lstStyle/>
+                  <a:p>
+                    <a:pPr algn="ctr">
+                      <a:lnSpc>
+                        <a:spcPct val="130000"/>
+                      </a:lnSpc>
+                      <a:spcAft>
+                        <a:spcPts val="1000"/>
+                      </a:spcAft>
+                    </a:pPr>
+                    <a:r>
+                      <a:rPr lang="de-CH" sz="1600" dirty="0">
+                        <a:effectLst/>
+                        <a:latin typeface="Verdana" panose="020B0604030504040204" pitchFamily="34" charset="0"/>
+                        <a:ea typeface="Calibri" panose="020F0502020204030204" pitchFamily="34" charset="0"/>
+                        <a:cs typeface="Times New Roman" panose="02020603050405020304" pitchFamily="18" charset="0"/>
+                      </a:rPr>
+                      <a:t>Pyrometer</a:t>
+                    </a:r>
+                  </a:p>
+                </p:txBody>
+              </p:sp>
+              <p:sp>
+                <p:nvSpPr>
+                  <p:cNvPr id="18" name="Rechteck 17"/>
+                  <p:cNvSpPr/>
+                  <p:nvPr/>
+                </p:nvSpPr>
+                <p:spPr>
+                  <a:xfrm>
+                    <a:off x="-200025" y="809625"/>
+                    <a:ext cx="923925" cy="495300"/>
+                  </a:xfrm>
+                  <a:prstGeom prst="rect">
+                    <a:avLst/>
+                  </a:prstGeom>
+                </p:spPr>
+                <p:style>
+                  <a:lnRef idx="2">
+                    <a:schemeClr val="accent1">
+                      <a:shade val="50000"/>
+                    </a:schemeClr>
+                  </a:lnRef>
+                  <a:fillRef idx="1">
+                    <a:schemeClr val="accent1"/>
+                  </a:fillRef>
+                  <a:effectRef idx="0">
+                    <a:schemeClr val="accent1"/>
+                  </a:effectRef>
+                  <a:fontRef idx="minor">
+                    <a:schemeClr val="lt1"/>
+                  </a:fontRef>
+                </p:style>
+                <p:txBody>
+                  <a:bodyPr rot="0" spcFirstLastPara="0" vert="horz" wrap="square" lIns="91440" tIns="45720" rIns="91440" bIns="45720" numCol="1" spcCol="0" rtlCol="0" fromWordArt="0" anchor="ctr" anchorCtr="0" forceAA="0" compatLnSpc="1">
+                    <a:prstTxWarp prst="textNoShape">
+                      <a:avLst/>
+                    </a:prstTxWarp>
+                    <a:noAutofit/>
+                  </a:bodyPr>
+                  <a:lstStyle/>
+                  <a:p>
+                    <a:pPr algn="ctr">
+                      <a:lnSpc>
+                        <a:spcPct val="130000"/>
+                      </a:lnSpc>
+                      <a:spcAft>
+                        <a:spcPts val="1000"/>
+                      </a:spcAft>
+                    </a:pPr>
+                    <a:r>
+                      <a:rPr lang="de-CH" sz="1600" dirty="0">
+                        <a:effectLst/>
+                        <a:latin typeface="Verdana" panose="020B0604030504040204" pitchFamily="34" charset="0"/>
+                        <a:ea typeface="Calibri" panose="020F0502020204030204" pitchFamily="34" charset="0"/>
+                        <a:cs typeface="Times New Roman" panose="02020603050405020304" pitchFamily="18" charset="0"/>
+                      </a:rPr>
+                      <a:t>Leistungs-messung</a:t>
+                    </a:r>
+                  </a:p>
+                </p:txBody>
+              </p:sp>
+              <p:sp>
+                <p:nvSpPr>
+                  <p:cNvPr id="19" name="Rechteck 18"/>
+                  <p:cNvSpPr/>
+                  <p:nvPr/>
+                </p:nvSpPr>
+                <p:spPr>
+                  <a:xfrm>
+                    <a:off x="1152525" y="0"/>
+                    <a:ext cx="3162666" cy="1752600"/>
+                  </a:xfrm>
+                  <a:prstGeom prst="rect">
+                    <a:avLst/>
+                  </a:prstGeom>
+                  <a:noFill/>
+                </p:spPr>
+                <p:style>
+                  <a:lnRef idx="2">
+                    <a:schemeClr val="accent1">
+                      <a:shade val="50000"/>
+                    </a:schemeClr>
+                  </a:lnRef>
+                  <a:fillRef idx="1">
+                    <a:schemeClr val="accent1"/>
+                  </a:fillRef>
+                  <a:effectRef idx="0">
+                    <a:schemeClr val="accent1"/>
+                  </a:effectRef>
+                  <a:fontRef idx="minor">
+                    <a:schemeClr val="lt1"/>
+                  </a:fontRef>
+                </p:style>
+                <p:txBody>
+                  <a:bodyPr rot="0" spcFirstLastPara="0" vert="horz" wrap="square" lIns="91440" tIns="45720" rIns="91440" bIns="45720" numCol="1" spcCol="0" rtlCol="0" fromWordArt="0" anchor="ctr" anchorCtr="0" forceAA="0" compatLnSpc="1">
+                    <a:prstTxWarp prst="textNoShape">
+                      <a:avLst/>
+                    </a:prstTxWarp>
+                    <a:noAutofit/>
+                  </a:bodyPr>
+                  <a:lstStyle/>
+                  <a:p>
+                    <a:pPr algn="ctr">
+                      <a:lnSpc>
+                        <a:spcPct val="130000"/>
+                      </a:lnSpc>
+                      <a:spcAft>
+                        <a:spcPts val="1000"/>
+                      </a:spcAft>
+                    </a:pPr>
+                    <a:r>
+                      <a:rPr lang="de-CH" sz="1000">
+                        <a:effectLst/>
+                        <a:latin typeface="Verdana" panose="020B0604030504040204" pitchFamily="34" charset="0"/>
+                        <a:ea typeface="Calibri" panose="020F0502020204030204" pitchFamily="34" charset="0"/>
+                        <a:cs typeface="Times New Roman" panose="02020603050405020304" pitchFamily="18" charset="0"/>
+                      </a:rPr>
+                      <a:t> </a:t>
+                    </a:r>
+                  </a:p>
+                </p:txBody>
+              </p:sp>
+              <p:sp>
+                <p:nvSpPr>
+                  <p:cNvPr id="20" name="Rechteck 19"/>
+                  <p:cNvSpPr/>
+                  <p:nvPr/>
+                </p:nvSpPr>
+                <p:spPr>
+                  <a:xfrm>
+                    <a:off x="1381125" y="314325"/>
+                    <a:ext cx="1162050" cy="1000125"/>
+                  </a:xfrm>
+                  <a:prstGeom prst="rect">
+                    <a:avLst/>
+                  </a:prstGeom>
+                </p:spPr>
+                <p:style>
+                  <a:lnRef idx="2">
+                    <a:schemeClr val="accent1">
+                      <a:shade val="50000"/>
+                    </a:schemeClr>
+                  </a:lnRef>
+                  <a:fillRef idx="1">
+                    <a:schemeClr val="accent1"/>
+                  </a:fillRef>
+                  <a:effectRef idx="0">
+                    <a:schemeClr val="accent1"/>
+                  </a:effectRef>
+                  <a:fontRef idx="minor">
+                    <a:schemeClr val="lt1"/>
+                  </a:fontRef>
+                </p:style>
+                <p:txBody>
+                  <a:bodyPr rot="0" spcFirstLastPara="0" vert="horz" wrap="square" lIns="91440" tIns="45720" rIns="91440" bIns="45720" numCol="1" spcCol="0" rtlCol="0" fromWordArt="0" anchor="ctr" anchorCtr="0" forceAA="0" compatLnSpc="1">
+                    <a:prstTxWarp prst="textNoShape">
+                      <a:avLst/>
+                    </a:prstTxWarp>
+                    <a:noAutofit/>
+                  </a:bodyPr>
+                  <a:lstStyle/>
+                  <a:p>
+                    <a:pPr algn="ctr">
+                      <a:lnSpc>
+                        <a:spcPct val="130000"/>
+                      </a:lnSpc>
+                      <a:spcAft>
+                        <a:spcPts val="1000"/>
+                      </a:spcAft>
+                    </a:pPr>
+                    <a:r>
+                      <a:rPr lang="de-CH" sz="1900" dirty="0">
+                        <a:effectLst/>
+                        <a:latin typeface="Verdana" panose="020B0604030504040204" pitchFamily="34" charset="0"/>
+                        <a:ea typeface="Calibri" panose="020F0502020204030204" pitchFamily="34" charset="0"/>
+                        <a:cs typeface="Times New Roman" panose="02020603050405020304" pitchFamily="18" charset="0"/>
+                      </a:rPr>
+                      <a:t>Mikrocontroller</a:t>
+                    </a:r>
+                  </a:p>
+                </p:txBody>
+              </p:sp>
+              <p:sp>
+                <p:nvSpPr>
+                  <p:cNvPr id="21" name="Rechteck 20"/>
+                  <p:cNvSpPr/>
+                  <p:nvPr/>
+                </p:nvSpPr>
+                <p:spPr>
+                  <a:xfrm>
+                    <a:off x="2867025" y="314325"/>
+                    <a:ext cx="1162050" cy="1000125"/>
+                  </a:xfrm>
+                  <a:prstGeom prst="rect">
+                    <a:avLst/>
+                  </a:prstGeom>
+                </p:spPr>
+                <p:style>
+                  <a:lnRef idx="2">
+                    <a:schemeClr val="accent1">
+                      <a:shade val="50000"/>
+                    </a:schemeClr>
+                  </a:lnRef>
+                  <a:fillRef idx="1">
+                    <a:schemeClr val="accent1"/>
+                  </a:fillRef>
+                  <a:effectRef idx="0">
+                    <a:schemeClr val="accent1"/>
+                  </a:effectRef>
+                  <a:fontRef idx="minor">
+                    <a:schemeClr val="lt1"/>
+                  </a:fontRef>
+                </p:style>
+                <p:txBody>
+                  <a:bodyPr rot="0" spcFirstLastPara="0" vert="horz" wrap="square" lIns="91440" tIns="45720" rIns="91440" bIns="45720" numCol="1" spcCol="0" rtlCol="0" fromWordArt="0" anchor="ctr" anchorCtr="0" forceAA="0" compatLnSpc="1">
+                    <a:prstTxWarp prst="textNoShape">
+                      <a:avLst/>
+                    </a:prstTxWarp>
+                    <a:noAutofit/>
+                  </a:bodyPr>
+                  <a:lstStyle/>
+                  <a:p>
+                    <a:pPr algn="ctr">
+                      <a:lnSpc>
+                        <a:spcPct val="130000"/>
+                      </a:lnSpc>
+                      <a:spcAft>
+                        <a:spcPts val="1000"/>
+                      </a:spcAft>
+                    </a:pPr>
+                    <a:r>
+                      <a:rPr lang="de-CH" sz="1900" dirty="0" err="1">
+                        <a:effectLst/>
+                        <a:latin typeface="Verdana" panose="020B0604030504040204" pitchFamily="34" charset="0"/>
+                        <a:ea typeface="Calibri" panose="020F0502020204030204" pitchFamily="34" charset="0"/>
+                        <a:cs typeface="Times New Roman" panose="02020603050405020304" pitchFamily="18" charset="0"/>
+                      </a:rPr>
+                      <a:t>PHY</a:t>
+                    </a:r>
+                    <a:endParaRPr lang="de-CH" sz="1900" dirty="0">
+                      <a:effectLst/>
+                      <a:latin typeface="Verdana" panose="020B0604030504040204" pitchFamily="34" charset="0"/>
+                      <a:ea typeface="Calibri" panose="020F0502020204030204" pitchFamily="34" charset="0"/>
+                      <a:cs typeface="Times New Roman" panose="02020603050405020304" pitchFamily="18" charset="0"/>
+                    </a:endParaRPr>
+                  </a:p>
+                </p:txBody>
+              </p:sp>
+              <p:sp>
+                <p:nvSpPr>
+                  <p:cNvPr id="22" name="Rechteck 21"/>
+                  <p:cNvSpPr/>
+                  <p:nvPr/>
+                </p:nvSpPr>
+                <p:spPr>
+                  <a:xfrm>
+                    <a:off x="5162550" y="323850"/>
+                    <a:ext cx="1162050" cy="1000125"/>
+                  </a:xfrm>
+                  <a:prstGeom prst="rect">
+                    <a:avLst/>
+                  </a:prstGeom>
+                </p:spPr>
+                <p:style>
+                  <a:lnRef idx="2">
+                    <a:schemeClr val="accent1">
+                      <a:shade val="50000"/>
+                    </a:schemeClr>
+                  </a:lnRef>
+                  <a:fillRef idx="1">
+                    <a:schemeClr val="accent1"/>
+                  </a:fillRef>
+                  <a:effectRef idx="0">
+                    <a:schemeClr val="accent1"/>
+                  </a:effectRef>
+                  <a:fontRef idx="minor">
+                    <a:schemeClr val="lt1"/>
+                  </a:fontRef>
+                </p:style>
+                <p:txBody>
+                  <a:bodyPr rot="0" spcFirstLastPara="0" vert="horz" wrap="square" lIns="91440" tIns="45720" rIns="91440" bIns="45720" numCol="1" spcCol="0" rtlCol="0" fromWordArt="0" anchor="ctr" anchorCtr="0" forceAA="0" compatLnSpc="1">
+                    <a:prstTxWarp prst="textNoShape">
+                      <a:avLst/>
+                    </a:prstTxWarp>
+                    <a:noAutofit/>
+                  </a:bodyPr>
+                  <a:lstStyle/>
+                  <a:p>
+                    <a:pPr algn="ctr">
+                      <a:lnSpc>
+                        <a:spcPct val="130000"/>
+                      </a:lnSpc>
+                      <a:spcAft>
+                        <a:spcPts val="1000"/>
+                      </a:spcAft>
+                    </a:pPr>
+                    <a:r>
+                      <a:rPr lang="de-CH" sz="2000" dirty="0" err="1">
+                        <a:effectLst/>
+                        <a:latin typeface="Verdana" panose="020B0604030504040204" pitchFamily="34" charset="0"/>
+                        <a:ea typeface="Calibri" panose="020F0502020204030204" pitchFamily="34" charset="0"/>
+                        <a:cs typeface="Times New Roman" panose="02020603050405020304" pitchFamily="18" charset="0"/>
+                      </a:rPr>
+                      <a:t>IO</a:t>
+                    </a:r>
+                    <a:r>
+                      <a:rPr lang="de-CH" sz="2000" dirty="0">
+                        <a:effectLst/>
+                        <a:latin typeface="Verdana" panose="020B0604030504040204" pitchFamily="34" charset="0"/>
+                        <a:ea typeface="Calibri" panose="020F0502020204030204" pitchFamily="34" charset="0"/>
+                        <a:cs typeface="Times New Roman" panose="02020603050405020304" pitchFamily="18" charset="0"/>
+                      </a:rPr>
+                      <a:t>-Link Master</a:t>
+                    </a:r>
+                  </a:p>
+                </p:txBody>
+              </p:sp>
+            </p:grpSp>
+            <p:cxnSp>
+              <p:nvCxnSpPr>
+                <p:cNvPr id="15" name="Gerader Verbinder 14"/>
+                <p:cNvCxnSpPr/>
+                <p:nvPr/>
+              </p:nvCxnSpPr>
+              <p:spPr>
+                <a:xfrm flipV="1">
+                  <a:off x="2543175" y="819150"/>
+                  <a:ext cx="323850" cy="4763"/>
+                </a:xfrm>
+                <a:prstGeom prst="line">
+                  <a:avLst/>
+                </a:prstGeom>
+                <a:ln w="25400"/>
+              </p:spPr>
+              <p:style>
+                <a:lnRef idx="1">
+                  <a:schemeClr val="accent1"/>
+                </a:lnRef>
+                <a:fillRef idx="0">
+                  <a:schemeClr val="accent1"/>
+                </a:fillRef>
+                <a:effectRef idx="0">
+                  <a:schemeClr val="accent1"/>
+                </a:effectRef>
+                <a:fontRef idx="minor">
+                  <a:schemeClr val="tx1"/>
+                </a:fontRef>
+              </p:style>
+            </p:cxnSp>
+            <p:cxnSp>
+              <p:nvCxnSpPr>
+                <p:cNvPr id="16" name="Gerader Verbinder 15"/>
+                <p:cNvCxnSpPr>
+                  <a:endCxn id="22" idx="1"/>
+                </p:cNvCxnSpPr>
+                <p:nvPr/>
+              </p:nvCxnSpPr>
+              <p:spPr>
+                <a:xfrm>
+                  <a:off x="4029075" y="809625"/>
+                  <a:ext cx="1133475" cy="14288"/>
+                </a:xfrm>
+                <a:prstGeom prst="line">
+                  <a:avLst/>
+                </a:prstGeom>
+                <a:ln w="25400"/>
+              </p:spPr>
+              <p:style>
+                <a:lnRef idx="1">
+                  <a:schemeClr val="accent1"/>
+                </a:lnRef>
+                <a:fillRef idx="0">
+                  <a:schemeClr val="accent1"/>
+                </a:fillRef>
+                <a:effectRef idx="0">
+                  <a:schemeClr val="accent1"/>
+                </a:effectRef>
+                <a:fontRef idx="minor">
+                  <a:schemeClr val="tx1"/>
+                </a:fontRef>
+              </p:style>
+            </p:cxnSp>
+          </p:grpSp>
+          <p:sp>
+            <p:nvSpPr>
+              <p:cNvPr id="9" name="Textfeld 28"/>
+              <p:cNvSpPr txBox="1"/>
+              <p:nvPr/>
+            </p:nvSpPr>
+            <p:spPr>
+              <a:xfrm>
+                <a:off x="2266950" y="19050"/>
+                <a:ext cx="1238250" cy="285750"/>
+              </a:xfrm>
+              <a:prstGeom prst="rect">
+                <a:avLst/>
+              </a:prstGeom>
+              <a:noFill/>
+              <a:ln w="6350">
+                <a:noFill/>
+              </a:ln>
+              <a:effectLst/>
+            </p:spPr>
+            <p:style>
+              <a:lnRef idx="0">
+                <a:schemeClr val="accent1"/>
+              </a:lnRef>
+              <a:fillRef idx="0">
+                <a:schemeClr val="accent1"/>
+              </a:fillRef>
+              <a:effectRef idx="0">
+                <a:schemeClr val="accent1"/>
+              </a:effectRef>
+              <a:fontRef idx="minor">
+                <a:schemeClr val="dk1"/>
+              </a:fontRef>
+            </p:style>
+            <p:txBody>
+              <a:bodyPr rot="0" spcFirstLastPara="0" vert="horz" wrap="square" lIns="91440" tIns="45720" rIns="91440" bIns="45720" numCol="1" spcCol="0" rtlCol="0" fromWordArt="0" anchor="t" anchorCtr="0" forceAA="0" compatLnSpc="1">
+                <a:prstTxWarp prst="textNoShape">
+                  <a:avLst/>
+                </a:prstTxWarp>
+                <a:noAutofit/>
+              </a:bodyPr>
+              <a:lstStyle/>
+              <a:p>
+                <a:pPr>
+                  <a:lnSpc>
+                    <a:spcPct val="130000"/>
+                  </a:lnSpc>
+                  <a:spcAft>
+                    <a:spcPts val="1000"/>
+                  </a:spcAft>
+                </a:pPr>
+                <a:r>
+                  <a:rPr lang="de-CH" sz="2000" dirty="0">
+                    <a:solidFill>
+                      <a:srgbClr val="365F91"/>
+                    </a:solidFill>
+                    <a:effectLst/>
+                    <a:latin typeface="Verdana" panose="020B0604030504040204" pitchFamily="34" charset="0"/>
+                    <a:ea typeface="Calibri" panose="020F0502020204030204" pitchFamily="34" charset="0"/>
+                    <a:cs typeface="Times New Roman" panose="02020603050405020304" pitchFamily="18" charset="0"/>
+                  </a:rPr>
+                  <a:t>Demoboard</a:t>
+                </a:r>
+                <a:endParaRPr lang="de-CH" sz="2000" dirty="0">
+                  <a:effectLst/>
+                  <a:latin typeface="Verdana" panose="020B0604030504040204" pitchFamily="34" charset="0"/>
+                  <a:ea typeface="Calibri" panose="020F0502020204030204" pitchFamily="34" charset="0"/>
+                  <a:cs typeface="Times New Roman" panose="02020603050405020304" pitchFamily="18" charset="0"/>
+                </a:endParaRPr>
+              </a:p>
+            </p:txBody>
+          </p:sp>
+          <p:sp>
+            <p:nvSpPr>
+              <p:cNvPr id="10" name="Textfeld 29"/>
+              <p:cNvSpPr txBox="1"/>
+              <p:nvPr/>
+            </p:nvSpPr>
+            <p:spPr>
+              <a:xfrm>
+                <a:off x="2531670" y="583320"/>
+                <a:ext cx="533400" cy="371475"/>
+              </a:xfrm>
+              <a:prstGeom prst="rect">
+                <a:avLst/>
+              </a:prstGeom>
+              <a:noFill/>
+              <a:ln w="6350">
+                <a:noFill/>
+              </a:ln>
+              <a:effectLst/>
+            </p:spPr>
+            <p:style>
+              <a:lnRef idx="0">
+                <a:schemeClr val="accent1"/>
+              </a:lnRef>
+              <a:fillRef idx="0">
+                <a:schemeClr val="accent1"/>
+              </a:fillRef>
+              <a:effectRef idx="0">
+                <a:schemeClr val="accent1"/>
+              </a:effectRef>
+              <a:fontRef idx="minor">
+                <a:schemeClr val="dk1"/>
+              </a:fontRef>
+            </p:style>
+            <p:txBody>
+              <a:bodyPr rot="0" spcFirstLastPara="0" vert="horz" wrap="square" lIns="91440" tIns="45720" rIns="91440" bIns="45720" numCol="1" spcCol="0" rtlCol="0" fromWordArt="0" anchor="t" anchorCtr="0" forceAA="0" compatLnSpc="1">
+                <a:prstTxWarp prst="textNoShape">
+                  <a:avLst/>
+                </a:prstTxWarp>
+                <a:noAutofit/>
+              </a:bodyPr>
+              <a:lstStyle/>
+              <a:p>
+                <a:pPr>
+                  <a:lnSpc>
+                    <a:spcPct val="130000"/>
+                  </a:lnSpc>
+                  <a:spcAft>
+                    <a:spcPts val="1000"/>
+                  </a:spcAft>
+                </a:pPr>
+                <a:r>
+                  <a:rPr lang="de-CH" sz="1600" dirty="0" err="1">
+                    <a:solidFill>
+                      <a:srgbClr val="365F91"/>
+                    </a:solidFill>
+                    <a:effectLst/>
+                    <a:latin typeface="Verdana" panose="020B0604030504040204" pitchFamily="34" charset="0"/>
+                    <a:ea typeface="Calibri" panose="020F0502020204030204" pitchFamily="34" charset="0"/>
+                    <a:cs typeface="Times New Roman" panose="02020603050405020304" pitchFamily="18" charset="0"/>
+                  </a:rPr>
+                  <a:t>3.3V</a:t>
+                </a:r>
+                <a:endParaRPr lang="de-CH" sz="1600" dirty="0">
+                  <a:effectLst/>
+                  <a:latin typeface="Verdana" panose="020B0604030504040204" pitchFamily="34" charset="0"/>
+                  <a:ea typeface="Calibri" panose="020F0502020204030204" pitchFamily="34" charset="0"/>
+                  <a:cs typeface="Times New Roman" panose="02020603050405020304" pitchFamily="18" charset="0"/>
+                </a:endParaRPr>
+              </a:p>
+            </p:txBody>
+          </p:sp>
+          <p:sp>
+            <p:nvSpPr>
+              <p:cNvPr id="11" name="Textfeld 30"/>
+              <p:cNvSpPr txBox="1"/>
+              <p:nvPr/>
+            </p:nvSpPr>
+            <p:spPr>
+              <a:xfrm>
+                <a:off x="4467224" y="563920"/>
+                <a:ext cx="533400" cy="371475"/>
+              </a:xfrm>
+              <a:prstGeom prst="rect">
+                <a:avLst/>
+              </a:prstGeom>
+              <a:noFill/>
+              <a:ln w="6350">
+                <a:noFill/>
+              </a:ln>
+              <a:effectLst/>
+            </p:spPr>
+            <p:style>
+              <a:lnRef idx="0">
+                <a:schemeClr val="accent1"/>
+              </a:lnRef>
+              <a:fillRef idx="0">
+                <a:schemeClr val="accent1"/>
+              </a:fillRef>
+              <a:effectRef idx="0">
+                <a:schemeClr val="accent1"/>
+              </a:effectRef>
+              <a:fontRef idx="minor">
+                <a:schemeClr val="dk1"/>
+              </a:fontRef>
+            </p:style>
+            <p:txBody>
+              <a:bodyPr rot="0" spcFirstLastPara="0" vert="horz" wrap="square" lIns="91440" tIns="45720" rIns="91440" bIns="45720" numCol="1" spcCol="0" rtlCol="0" fromWordArt="0" anchor="t" anchorCtr="0" forceAA="0" compatLnSpc="1">
+                <a:prstTxWarp prst="textNoShape">
+                  <a:avLst/>
+                </a:prstTxWarp>
+                <a:noAutofit/>
+              </a:bodyPr>
+              <a:lstStyle/>
+              <a:p>
+                <a:pPr>
+                  <a:lnSpc>
+                    <a:spcPct val="130000"/>
+                  </a:lnSpc>
+                  <a:spcAft>
+                    <a:spcPts val="1000"/>
+                  </a:spcAft>
+                </a:pPr>
+                <a:r>
+                  <a:rPr lang="de-CH" sz="2000" dirty="0" err="1">
+                    <a:solidFill>
+                      <a:srgbClr val="365F91"/>
+                    </a:solidFill>
+                    <a:effectLst/>
+                    <a:latin typeface="Verdana" panose="020B0604030504040204" pitchFamily="34" charset="0"/>
+                    <a:ea typeface="Calibri" panose="020F0502020204030204" pitchFamily="34" charset="0"/>
+                    <a:cs typeface="Times New Roman" panose="02020603050405020304" pitchFamily="18" charset="0"/>
+                  </a:rPr>
+                  <a:t>24V</a:t>
+                </a:r>
+                <a:endParaRPr lang="de-CH" sz="2000" dirty="0">
+                  <a:effectLst/>
+                  <a:latin typeface="Verdana" panose="020B0604030504040204" pitchFamily="34" charset="0"/>
+                  <a:ea typeface="Calibri" panose="020F0502020204030204" pitchFamily="34" charset="0"/>
+                  <a:cs typeface="Times New Roman" panose="02020603050405020304" pitchFamily="18" charset="0"/>
+                </a:endParaRPr>
+              </a:p>
+            </p:txBody>
+          </p:sp>
+          <p:sp>
+            <p:nvSpPr>
+              <p:cNvPr id="12" name="Textfeld 31"/>
+              <p:cNvSpPr txBox="1"/>
+              <p:nvPr/>
+            </p:nvSpPr>
+            <p:spPr>
+              <a:xfrm>
+                <a:off x="723900" y="214413"/>
+                <a:ext cx="504825" cy="238125"/>
+              </a:xfrm>
+              <a:prstGeom prst="rect">
+                <a:avLst/>
+              </a:prstGeom>
+              <a:noFill/>
+              <a:ln w="6350">
+                <a:noFill/>
+              </a:ln>
+              <a:effectLst/>
+            </p:spPr>
+            <p:style>
+              <a:lnRef idx="0">
+                <a:schemeClr val="accent1"/>
+              </a:lnRef>
+              <a:fillRef idx="0">
+                <a:schemeClr val="accent1"/>
+              </a:fillRef>
+              <a:effectRef idx="0">
+                <a:schemeClr val="accent1"/>
+              </a:effectRef>
+              <a:fontRef idx="minor">
+                <a:schemeClr val="dk1"/>
+              </a:fontRef>
+            </p:style>
+            <p:txBody>
+              <a:bodyPr rot="0" spcFirstLastPara="0" vert="horz" wrap="square" lIns="91440" tIns="45720" rIns="91440" bIns="45720" numCol="1" spcCol="0" rtlCol="0" fromWordArt="0" anchor="t" anchorCtr="0" forceAA="0" compatLnSpc="1">
+                <a:prstTxWarp prst="textNoShape">
+                  <a:avLst/>
+                </a:prstTxWarp>
+                <a:noAutofit/>
+              </a:bodyPr>
+              <a:lstStyle/>
+              <a:p>
+                <a:pPr>
+                  <a:lnSpc>
+                    <a:spcPct val="130000"/>
+                  </a:lnSpc>
+                  <a:spcAft>
+                    <a:spcPts val="1000"/>
+                  </a:spcAft>
+                </a:pPr>
+                <a:r>
+                  <a:rPr lang="de-CH" sz="1600" dirty="0" err="1">
+                    <a:solidFill>
+                      <a:srgbClr val="365F91"/>
+                    </a:solidFill>
+                    <a:effectLst/>
+                    <a:latin typeface="Verdana" panose="020B0604030504040204" pitchFamily="34" charset="0"/>
+                    <a:ea typeface="Calibri" panose="020F0502020204030204" pitchFamily="34" charset="0"/>
+                    <a:cs typeface="Times New Roman" panose="02020603050405020304" pitchFamily="18" charset="0"/>
+                  </a:rPr>
+                  <a:t>3.3V</a:t>
+                </a:r>
+                <a:endParaRPr lang="de-CH" sz="1600" dirty="0">
+                  <a:effectLst/>
+                  <a:latin typeface="Verdana" panose="020B0604030504040204" pitchFamily="34" charset="0"/>
+                  <a:ea typeface="Calibri" panose="020F0502020204030204" pitchFamily="34" charset="0"/>
+                  <a:cs typeface="Times New Roman" panose="02020603050405020304" pitchFamily="18" charset="0"/>
+                </a:endParaRPr>
+              </a:p>
+            </p:txBody>
+          </p:sp>
+          <p:sp>
+            <p:nvSpPr>
+              <p:cNvPr id="13" name="Textfeld 32"/>
+              <p:cNvSpPr txBox="1"/>
+              <p:nvPr/>
+            </p:nvSpPr>
+            <p:spPr>
+              <a:xfrm>
+                <a:off x="704850" y="810658"/>
+                <a:ext cx="504825" cy="238125"/>
+              </a:xfrm>
+              <a:prstGeom prst="rect">
+                <a:avLst/>
+              </a:prstGeom>
+              <a:noFill/>
+              <a:ln w="6350">
+                <a:noFill/>
+              </a:ln>
+              <a:effectLst/>
+            </p:spPr>
+            <p:style>
+              <a:lnRef idx="0">
+                <a:schemeClr val="accent1"/>
+              </a:lnRef>
+              <a:fillRef idx="0">
+                <a:schemeClr val="accent1"/>
+              </a:fillRef>
+              <a:effectRef idx="0">
+                <a:schemeClr val="accent1"/>
+              </a:effectRef>
+              <a:fontRef idx="minor">
+                <a:schemeClr val="dk1"/>
+              </a:fontRef>
+            </p:style>
+            <p:txBody>
+              <a:bodyPr rot="0" spcFirstLastPara="0" vert="horz" wrap="square" lIns="91440" tIns="45720" rIns="91440" bIns="45720" numCol="1" spcCol="0" rtlCol="0" fromWordArt="0" anchor="t" anchorCtr="0" forceAA="0" compatLnSpc="1">
+                <a:prstTxWarp prst="textNoShape">
+                  <a:avLst/>
+                </a:prstTxWarp>
+                <a:noAutofit/>
+              </a:bodyPr>
+              <a:lstStyle/>
+              <a:p>
+                <a:pPr>
+                  <a:lnSpc>
+                    <a:spcPct val="130000"/>
+                  </a:lnSpc>
+                  <a:spcAft>
+                    <a:spcPts val="1000"/>
+                  </a:spcAft>
+                </a:pPr>
+                <a:r>
+                  <a:rPr lang="de-CH" sz="1600" dirty="0" err="1">
+                    <a:solidFill>
+                      <a:srgbClr val="365F91"/>
+                    </a:solidFill>
+                    <a:effectLst/>
+                    <a:latin typeface="Verdana" panose="020B0604030504040204" pitchFamily="34" charset="0"/>
+                    <a:ea typeface="Calibri" panose="020F0502020204030204" pitchFamily="34" charset="0"/>
+                    <a:cs typeface="Times New Roman" panose="02020603050405020304" pitchFamily="18" charset="0"/>
+                  </a:rPr>
+                  <a:t>3.3V</a:t>
+                </a:r>
+                <a:endParaRPr lang="de-CH" sz="1600" dirty="0">
+                  <a:effectLst/>
+                  <a:latin typeface="Verdana" panose="020B0604030504040204" pitchFamily="34" charset="0"/>
+                  <a:ea typeface="Calibri" panose="020F0502020204030204" pitchFamily="34" charset="0"/>
+                  <a:cs typeface="Times New Roman" panose="02020603050405020304" pitchFamily="18" charset="0"/>
+                </a:endParaRPr>
+              </a:p>
+            </p:txBody>
+          </p:sp>
+        </p:grpSp>
+        <p:cxnSp>
+          <p:nvCxnSpPr>
+            <p:cNvPr id="6" name="Gerader Verbinder 5"/>
+            <p:cNvCxnSpPr/>
+            <p:nvPr/>
+          </p:nvCxnSpPr>
+          <p:spPr>
+            <a:xfrm>
+              <a:off x="942975" y="485775"/>
+              <a:ext cx="657225" cy="0"/>
+            </a:xfrm>
+            <a:prstGeom prst="line">
+              <a:avLst/>
+            </a:prstGeom>
+            <a:ln w="28575"/>
+          </p:spPr>
+          <p:style>
+            <a:lnRef idx="1">
+              <a:schemeClr val="accent1"/>
+            </a:lnRef>
+            <a:fillRef idx="0">
+              <a:schemeClr val="accent1"/>
+            </a:fillRef>
+            <a:effectRef idx="0">
+              <a:schemeClr val="accent1"/>
+            </a:effectRef>
+            <a:fontRef idx="minor">
+              <a:schemeClr val="tx1"/>
+            </a:fontRef>
+          </p:style>
+        </p:cxnSp>
+        <p:cxnSp>
+          <p:nvCxnSpPr>
+            <p:cNvPr id="7" name="Gerader Verbinder 6"/>
+            <p:cNvCxnSpPr/>
+            <p:nvPr/>
+          </p:nvCxnSpPr>
+          <p:spPr>
+            <a:xfrm>
+              <a:off x="923925" y="1066800"/>
+              <a:ext cx="657225" cy="0"/>
+            </a:xfrm>
+            <a:prstGeom prst="line">
+              <a:avLst/>
+            </a:prstGeom>
+            <a:ln w="28575"/>
+          </p:spPr>
+          <p:style>
+            <a:lnRef idx="1">
+              <a:schemeClr val="accent1"/>
+            </a:lnRef>
+            <a:fillRef idx="0">
+              <a:schemeClr val="accent1"/>
+            </a:fillRef>
+            <a:effectRef idx="0">
+              <a:schemeClr val="accent1"/>
+            </a:effectRef>
+            <a:fontRef idx="minor">
+              <a:schemeClr val="tx1"/>
+            </a:fontRef>
+          </p:style>
+        </p:cxnSp>
+      </p:grpSp>
+      <p:sp>
+        <p:nvSpPr>
+          <p:cNvPr id="24" name="Inhaltsplatzhalter 2"/>
+          <p:cNvSpPr txBox="1">
+            <a:spLocks/>
+          </p:cNvSpPr>
+          <p:nvPr/>
+        </p:nvSpPr>
+        <p:spPr>
+          <a:xfrm>
+            <a:off x="733592" y="5061982"/>
+            <a:ext cx="11029615" cy="1796018"/>
+          </a:xfrm>
+          <a:prstGeom prst="rect">
+            <a:avLst/>
+          </a:prstGeom>
+        </p:spPr>
+        <p:txBody>
+          <a:bodyPr vert="horz" lIns="91440" tIns="45720" rIns="91440" bIns="45720" rtlCol="0" anchor="ctr">
+            <a:normAutofit/>
+          </a:bodyPr>
+          <a:lstStyle>
+            <a:lvl1pPr marL="306000" indent="-306000" algn="l" defTabSz="457200" rtl="0" eaLnBrk="1" latinLnBrk="0" hangingPunct="1">
+              <a:spcBef>
+                <a:spcPct val="20000"/>
+              </a:spcBef>
+              <a:spcAft>
+                <a:spcPts val="600"/>
+              </a:spcAft>
+              <a:buClr>
+                <a:schemeClr val="accent2"/>
+              </a:buClr>
+              <a:buSzPct val="92000"/>
+              <a:buFont typeface="Wingdings 2" panose="05020102010507070707" pitchFamily="18" charset="2"/>
+              <a:buChar char=""/>
+              <a:defRPr sz="1800" kern="1200">
+                <a:solidFill>
+                  <a:schemeClr val="tx2"/>
+                </a:solidFill>
+                <a:latin typeface="+mn-lt"/>
+                <a:ea typeface="+mn-ea"/>
+                <a:cs typeface="+mn-cs"/>
+              </a:defRPr>
+            </a:lvl1pPr>
+            <a:lvl2pPr marL="630000" indent="-306000" algn="l" defTabSz="457200" rtl="0" eaLnBrk="1" latinLnBrk="0" hangingPunct="1">
+              <a:spcBef>
+                <a:spcPct val="20000"/>
+              </a:spcBef>
+              <a:spcAft>
+                <a:spcPts val="600"/>
+              </a:spcAft>
+              <a:buClr>
+                <a:schemeClr val="accent2"/>
+              </a:buClr>
+              <a:buSzPct val="92000"/>
+              <a:buFont typeface="Wingdings 2" panose="05020102010507070707" pitchFamily="18" charset="2"/>
+              <a:buChar char=""/>
+              <a:defRPr sz="1600" kern="1200">
+                <a:solidFill>
+                  <a:schemeClr val="tx2"/>
+                </a:solidFill>
+                <a:latin typeface="+mn-lt"/>
+                <a:ea typeface="+mn-ea"/>
+                <a:cs typeface="+mn-cs"/>
+              </a:defRPr>
+            </a:lvl2pPr>
+            <a:lvl3pPr marL="900000" indent="-270000" algn="l" defTabSz="457200" rtl="0" eaLnBrk="1" latinLnBrk="0" hangingPunct="1">
+              <a:spcBef>
+                <a:spcPct val="20000"/>
+              </a:spcBef>
+              <a:spcAft>
+                <a:spcPts val="600"/>
+              </a:spcAft>
+              <a:buClr>
+                <a:schemeClr val="accent2"/>
+              </a:buClr>
+              <a:buSzPct val="92000"/>
+              <a:buFont typeface="Wingdings 2" panose="05020102010507070707" pitchFamily="18" charset="2"/>
+              <a:buChar char=""/>
+              <a:defRPr sz="1400" kern="1200">
+                <a:solidFill>
+                  <a:schemeClr val="tx2"/>
+                </a:solidFill>
+                <a:latin typeface="+mn-lt"/>
+                <a:ea typeface="+mn-ea"/>
+                <a:cs typeface="+mn-cs"/>
+              </a:defRPr>
+            </a:lvl3pPr>
+            <a:lvl4pPr marL="1242000" indent="-234000" algn="l" defTabSz="457200" rtl="0" eaLnBrk="1" latinLnBrk="0" hangingPunct="1">
+              <a:spcBef>
+                <a:spcPct val="20000"/>
+              </a:spcBef>
+              <a:spcAft>
+                <a:spcPts val="600"/>
+              </a:spcAft>
+              <a:buClr>
+                <a:schemeClr val="accent2"/>
+              </a:buClr>
+              <a:buSzPct val="92000"/>
+              <a:buFont typeface="Wingdings 2" panose="05020102010507070707" pitchFamily="18" charset="2"/>
+              <a:buChar char=""/>
+              <a:defRPr sz="1200" kern="1200">
+                <a:solidFill>
+                  <a:schemeClr val="tx2"/>
+                </a:solidFill>
+                <a:latin typeface="+mn-lt"/>
+                <a:ea typeface="+mn-ea"/>
+                <a:cs typeface="+mn-cs"/>
+              </a:defRPr>
+            </a:lvl4pPr>
+            <a:lvl5pPr marL="1602000" indent="-234000" algn="l" defTabSz="457200" rtl="0" eaLnBrk="1" latinLnBrk="0" hangingPunct="1">
+              <a:spcBef>
+                <a:spcPct val="20000"/>
+              </a:spcBef>
+              <a:spcAft>
+                <a:spcPts val="600"/>
+              </a:spcAft>
+              <a:buClr>
+                <a:schemeClr val="accent2"/>
+              </a:buClr>
+              <a:buSzPct val="92000"/>
+              <a:buFont typeface="Wingdings 2" panose="05020102010507070707" pitchFamily="18" charset="2"/>
+              <a:buChar char=""/>
+              <a:defRPr sz="1200" kern="1200">
+                <a:solidFill>
+                  <a:schemeClr val="tx2"/>
+                </a:solidFill>
+                <a:latin typeface="+mn-lt"/>
+                <a:ea typeface="+mn-ea"/>
+                <a:cs typeface="+mn-cs"/>
+              </a:defRPr>
+            </a:lvl5pPr>
+            <a:lvl6pPr marL="1900000" indent="-228600" algn="l" defTabSz="457200" rtl="0" eaLnBrk="1" latinLnBrk="0" hangingPunct="1">
+              <a:spcBef>
+                <a:spcPct val="20000"/>
+              </a:spcBef>
+              <a:spcAft>
+                <a:spcPts val="600"/>
+              </a:spcAft>
+              <a:buClr>
+                <a:schemeClr val="accent2"/>
+              </a:buClr>
+              <a:buSzPct val="92000"/>
+              <a:buFont typeface="Wingdings 2" panose="05020102010507070707" pitchFamily="18" charset="2"/>
+              <a:buChar char=""/>
+              <a:defRPr sz="1200" kern="1200">
+                <a:solidFill>
+                  <a:schemeClr val="tx2"/>
+                </a:solidFill>
+                <a:latin typeface="+mn-lt"/>
+                <a:ea typeface="+mn-ea"/>
+                <a:cs typeface="+mn-cs"/>
+              </a:defRPr>
+            </a:lvl6pPr>
+            <a:lvl7pPr marL="2200000" indent="-228600" algn="l" defTabSz="457200" rtl="0" eaLnBrk="1" latinLnBrk="0" hangingPunct="1">
+              <a:spcBef>
+                <a:spcPct val="20000"/>
+              </a:spcBef>
+              <a:spcAft>
+                <a:spcPts val="600"/>
+              </a:spcAft>
+              <a:buClr>
+                <a:schemeClr val="accent2"/>
+              </a:buClr>
+              <a:buSzPct val="92000"/>
+              <a:buFont typeface="Wingdings 2" panose="05020102010507070707" pitchFamily="18" charset="2"/>
+              <a:buChar char=""/>
+              <a:defRPr sz="1200" kern="1200">
+                <a:solidFill>
+                  <a:schemeClr val="tx2"/>
+                </a:solidFill>
+                <a:latin typeface="+mn-lt"/>
+                <a:ea typeface="+mn-ea"/>
+                <a:cs typeface="+mn-cs"/>
+              </a:defRPr>
+            </a:lvl7pPr>
+            <a:lvl8pPr marL="2500000" indent="-228600" algn="l" defTabSz="457200" rtl="0" eaLnBrk="1" latinLnBrk="0" hangingPunct="1">
+              <a:spcBef>
+                <a:spcPct val="20000"/>
+              </a:spcBef>
+              <a:spcAft>
+                <a:spcPts val="600"/>
+              </a:spcAft>
+              <a:buClr>
+                <a:schemeClr val="accent2"/>
+              </a:buClr>
+              <a:buSzPct val="92000"/>
+              <a:buFont typeface="Wingdings 2" panose="05020102010507070707" pitchFamily="18" charset="2"/>
+              <a:buChar char=""/>
+              <a:defRPr sz="1200" kern="1200">
+                <a:solidFill>
+                  <a:schemeClr val="tx2"/>
+                </a:solidFill>
+                <a:latin typeface="+mn-lt"/>
+                <a:ea typeface="+mn-ea"/>
+                <a:cs typeface="+mn-cs"/>
+              </a:defRPr>
+            </a:lvl8pPr>
+            <a:lvl9pPr marL="2800000" indent="-228600" algn="l" defTabSz="457200" rtl="0" eaLnBrk="1" latinLnBrk="0" hangingPunct="1">
+              <a:spcBef>
+                <a:spcPct val="20000"/>
+              </a:spcBef>
+              <a:spcAft>
+                <a:spcPts val="600"/>
+              </a:spcAft>
+              <a:buClr>
+                <a:schemeClr val="accent2"/>
+              </a:buClr>
+              <a:buSzPct val="92000"/>
+              <a:buFont typeface="Wingdings 2" panose="05020102010507070707" pitchFamily="18" charset="2"/>
+              <a:buChar char=""/>
+              <a:defRPr sz="1200" kern="1200">
+                <a:solidFill>
+                  <a:schemeClr val="tx2"/>
+                </a:solidFill>
+                <a:latin typeface="+mn-lt"/>
+                <a:ea typeface="+mn-ea"/>
+                <a:cs typeface="+mn-cs"/>
+              </a:defRPr>
+            </a:lvl9pPr>
+          </a:lstStyle>
+          <a:p>
+            <a:r>
+              <a:rPr lang="de-CH" sz="2800" dirty="0" err="1" smtClean="0"/>
+              <a:t>GPIO</a:t>
+            </a:r>
+            <a:r>
+              <a:rPr lang="de-CH" sz="2800" dirty="0" smtClean="0"/>
+              <a:t> Pins als Stiftleiste herausgeführt</a:t>
+            </a:r>
+          </a:p>
+          <a:p>
+            <a:r>
+              <a:rPr lang="de-CH" sz="2800" dirty="0" err="1" smtClean="0"/>
+              <a:t>SPI</a:t>
+            </a:r>
+            <a:r>
+              <a:rPr lang="de-CH" sz="2800" dirty="0" smtClean="0"/>
+              <a:t> und </a:t>
+            </a:r>
+            <a:r>
+              <a:rPr lang="de-CH" sz="2800" dirty="0" err="1" smtClean="0"/>
+              <a:t>I2C</a:t>
+            </a:r>
+            <a:r>
+              <a:rPr lang="de-CH" sz="2800" dirty="0" smtClean="0"/>
+              <a:t> Interface</a:t>
+            </a:r>
+          </a:p>
+          <a:p>
+            <a:r>
+              <a:rPr lang="de-CH" sz="2800" dirty="0" err="1" smtClean="0"/>
+              <a:t>IO</a:t>
+            </a:r>
+            <a:r>
+              <a:rPr lang="de-CH" sz="2800" dirty="0" smtClean="0"/>
+              <a:t>-Link Stack</a:t>
+            </a:r>
+          </a:p>
+        </p:txBody>
+      </p:sp>
+    </p:spTree>
+    <p:extLst>
+      <p:ext uri="{BB962C8B-B14F-4D97-AF65-F5344CB8AC3E}">
+        <p14:creationId xmlns:p14="http://schemas.microsoft.com/office/powerpoint/2010/main" val="1764410062"/>
+      </p:ext>
+    </p:extLst>
+  </p:cSld>
+  <p:clrMapOvr>
+    <a:masterClrMapping/>
+  </p:clrMapOvr>
+  <p:timing>
+    <p:tnLst>
+      <p:par>
+        <p:cTn id="1" dur="indefinite" restart="never" nodeType="tmRoot"/>
+      </p:par>
+    </p:tnLst>
+  </p:timing>
+</p:sld>
+</file>
+
+<file path=ppt/slides/slide13.xml><?xml version="1.0" encoding="utf-8"?>
+<p:sld xmlns:a="http://schemas.openxmlformats.org/drawingml/2006/main" xmlns:r="http://schemas.openxmlformats.org/officeDocument/2006/relationships" xmlns:p="http://schemas.openxmlformats.org/presentationml/2006/main">
+  <p:cSld>
+    <p:spTree>
+      <p:nvGrpSpPr>
+        <p:cNvPr id="1" name=""/>
+        <p:cNvGrpSpPr/>
+        <p:nvPr/>
+      </p:nvGrpSpPr>
+      <p:grpSpPr>
+        <a:xfrm>
+          <a:off x="0" y="0"/>
+          <a:ext cx="0" cy="0"/>
+          <a:chOff x="0" y="0"/>
+          <a:chExt cx="0" cy="0"/>
+        </a:xfrm>
+      </p:grpSpPr>
+      <p:sp>
+        <p:nvSpPr>
+          <p:cNvPr id="2" name="Titel 1"/>
+          <p:cNvSpPr>
+            <a:spLocks noGrp="1"/>
+          </p:cNvSpPr>
+          <p:nvPr>
+            <p:ph type="title"/>
+          </p:nvPr>
+        </p:nvSpPr>
+        <p:spPr/>
+        <p:txBody>
+          <a:bodyPr/>
+          <a:lstStyle/>
+          <a:p>
+            <a:r>
+              <a:rPr lang="de-CH" dirty="0" smtClean="0"/>
+              <a:t>Genie Explorer  </a:t>
+            </a:r>
+            <a:r>
+              <a:rPr lang="de-CH" dirty="0" err="1" smtClean="0"/>
+              <a:t>TM96.1</a:t>
+            </a:r>
+            <a:r>
+              <a:rPr lang="de-CH" dirty="0" smtClean="0"/>
+              <a:t> Var B</a:t>
             </a:r>
             <a:endParaRPr lang="de-CH" dirty="0"/>
           </a:p>
@@ -4539,7 +7971,7 @@
             <p:ph idx="1"/>
           </p:nvPr>
         </p:nvPicPr>
-        <p:blipFill>
+        <p:blipFill rotWithShape="1">
           <a:blip r:embed="rId2">
             <a:extLst>
               <a:ext uri="{28A0092B-C50C-407E-A947-70E740481C1C}">
@@ -4547,14 +7979,13 @@
               </a:ext>
             </a:extLst>
           </a:blip>
-          <a:stretch>
-            <a:fillRect/>
-          </a:stretch>
+          <a:srcRect b="1816"/>
+          <a:stretch/>
         </p:blipFill>
         <p:spPr>
           <a:xfrm>
-            <a:off x="4885898" y="255943"/>
-            <a:ext cx="8215999" cy="6163568"/>
+            <a:off x="6096000" y="1825625"/>
+            <a:ext cx="5289498" cy="4845024"/>
           </a:xfrm>
         </p:spPr>
       </p:pic>
@@ -4568,8 +7999,8 @@
         </p:nvSpPr>
         <p:spPr>
           <a:xfrm>
-            <a:off x="838200" y="1825625"/>
-            <a:ext cx="10515600" cy="4351338"/>
+            <a:off x="838200" y="2362199"/>
+            <a:ext cx="10515600" cy="3814763"/>
           </a:xfrm>
           <a:prstGeom prst="rect">
             <a:avLst/>
@@ -4745,41 +8176,66 @@
           </a:lstStyle>
           <a:p>
             <a:r>
+              <a:rPr lang="de-CH" dirty="0" err="1" smtClean="0"/>
+              <a:t>AtMega32</a:t>
+            </a:r>
+            <a:endParaRPr lang="de-CH" dirty="0" smtClean="0"/>
+          </a:p>
+          <a:p>
+            <a:r>
+              <a:rPr lang="de-CH" dirty="0" err="1" smtClean="0"/>
+              <a:t>PHY</a:t>
+            </a:r>
+            <a:r>
               <a:rPr lang="de-CH" dirty="0" smtClean="0"/>
-              <a:t>3.3 V</a:t>
-            </a:r>
-          </a:p>
-          <a:p>
+              <a:t> von </a:t>
+            </a:r>
             <a:r>
               <a:rPr lang="de-CH" dirty="0" err="1" smtClean="0"/>
-              <a:t>20mA</a:t>
+              <a:t>HMT</a:t>
+            </a:r>
+            <a:endParaRPr lang="de-CH" dirty="0" smtClean="0"/>
+          </a:p>
+          <a:p>
+            <a:r>
+              <a:rPr lang="de-CH" dirty="0" err="1" smtClean="0"/>
+              <a:t>IO</a:t>
             </a:r>
             <a:r>
               <a:rPr lang="de-CH" dirty="0" smtClean="0"/>
-              <a:t> resp. </a:t>
-            </a:r>
-            <a:r>
-              <a:rPr lang="de-CH" dirty="0" err="1" smtClean="0"/>
-              <a:t>10mA</a:t>
-            </a:r>
-            <a:endParaRPr lang="de-CH" dirty="0" smtClean="0"/>
+              <a:t>-Link Stack lizenzfrei</a:t>
+            </a:r>
+            <a:endParaRPr lang="de-CH" dirty="0"/>
+          </a:p>
+          <a:p>
+            <a:r>
+              <a:rPr lang="de-CH" dirty="0" smtClean="0"/>
+              <a:t>Inkl. Demoprogramm</a:t>
+            </a:r>
           </a:p>
         </p:txBody>
       </p:sp>
     </p:spTree>
     <p:extLst>
       <p:ext uri="{BB962C8B-B14F-4D97-AF65-F5344CB8AC3E}">
-        <p14:creationId xmlns:p14="http://schemas.microsoft.com/office/powerpoint/2010/main" val="583081493"/>
+        <p14:creationId xmlns:p14="http://schemas.microsoft.com/office/powerpoint/2010/main" val="1504970743"/>
       </p:ext>
     </p:extLst>
   </p:cSld>
   <p:clrMapOvr>
     <a:masterClrMapping/>
   </p:clrMapOvr>
+  <p:timing>
+    <p:tnLst>
+      <p:par>
+        <p:cTn id="1" dur="indefinite" restart="never" nodeType="tmRoot"/>
+      </p:par>
+    </p:tnLst>
+  </p:timing>
 </p:sld>
 </file>
 
-<file path=ppt/slides/slide11.xml><?xml version="1.0" encoding="utf-8"?>
+<file path=ppt/slides/slide14.xml><?xml version="1.0" encoding="utf-8"?>
 <p:sld xmlns:a="http://schemas.openxmlformats.org/drawingml/2006/main" xmlns:r="http://schemas.openxmlformats.org/officeDocument/2006/relationships" xmlns:p="http://schemas.openxmlformats.org/presentationml/2006/main">
   <p:cSld>
     <p:spTree>
@@ -4813,1034 +8269,12 @@
           <a:p>
             <a:r>
               <a:rPr lang="de-CH" dirty="0" smtClean="0"/>
-              <a:t>Hardware</a:t>
+              <a:t>Sensoren</a:t>
             </a:r>
             <a:endParaRPr lang="de-CH" dirty="0"/>
           </a:p>
         </p:txBody>
       </p:sp>
-      <p:sp>
-        <p:nvSpPr>
-          <p:cNvPr id="3" name="Inhaltsplatzhalter 2"/>
-          <p:cNvSpPr>
-            <a:spLocks noGrp="1"/>
-          </p:cNvSpPr>
-          <p:nvPr>
-            <p:ph idx="1"/>
-          </p:nvPr>
-        </p:nvSpPr>
-        <p:spPr/>
-        <p:txBody>
-          <a:bodyPr/>
-          <a:lstStyle/>
-          <a:p>
-            <a:pPr marL="0" indent="0">
-              <a:buNone/>
-            </a:pPr>
-            <a:r>
-              <a:rPr lang="de-CH" dirty="0" err="1" smtClean="0"/>
-              <a:t>asdf</a:t>
-            </a:r>
-            <a:endParaRPr lang="de-CH" dirty="0"/>
-          </a:p>
-        </p:txBody>
-      </p:sp>
-      <p:grpSp>
-        <p:nvGrpSpPr>
-          <p:cNvPr id="4" name="Gruppieren 3"/>
-          <p:cNvGrpSpPr/>
-          <p:nvPr/>
-        </p:nvGrpSpPr>
-        <p:grpSpPr>
-          <a:xfrm>
-            <a:off x="1145674" y="2345781"/>
-            <a:ext cx="9900652" cy="2553017"/>
-            <a:chOff x="0" y="0"/>
-            <a:chExt cx="6534150" cy="1752600"/>
-          </a:xfrm>
-        </p:grpSpPr>
-        <p:grpSp>
-          <p:nvGrpSpPr>
-            <p:cNvPr id="5" name="Gruppieren 4"/>
-            <p:cNvGrpSpPr/>
-            <p:nvPr/>
-          </p:nvGrpSpPr>
-          <p:grpSpPr>
-            <a:xfrm>
-              <a:off x="0" y="0"/>
-              <a:ext cx="6534150" cy="1752600"/>
-              <a:chOff x="-209550" y="0"/>
-              <a:chExt cx="6534150" cy="1752600"/>
-            </a:xfrm>
-          </p:grpSpPr>
-          <p:grpSp>
-            <p:nvGrpSpPr>
-              <p:cNvPr id="8" name="Gruppieren 7"/>
-              <p:cNvGrpSpPr/>
-              <p:nvPr/>
-            </p:nvGrpSpPr>
-            <p:grpSpPr>
-              <a:xfrm>
-                <a:off x="-209550" y="0"/>
-                <a:ext cx="6534150" cy="1752600"/>
-                <a:chOff x="-209550" y="0"/>
-                <a:chExt cx="6534150" cy="1752600"/>
-              </a:xfrm>
-            </p:grpSpPr>
-            <p:grpSp>
-              <p:nvGrpSpPr>
-                <p:cNvPr id="14" name="Gruppieren 13"/>
-                <p:cNvGrpSpPr/>
-                <p:nvPr/>
-              </p:nvGrpSpPr>
-              <p:grpSpPr>
-                <a:xfrm>
-                  <a:off x="-209550" y="0"/>
-                  <a:ext cx="6534150" cy="1752600"/>
-                  <a:chOff x="-209550" y="0"/>
-                  <a:chExt cx="6534150" cy="1752600"/>
-                </a:xfrm>
-              </p:grpSpPr>
-              <p:sp>
-                <p:nvSpPr>
-                  <p:cNvPr id="17" name="Rechteck 16"/>
-                  <p:cNvSpPr/>
-                  <p:nvPr/>
-                </p:nvSpPr>
-                <p:spPr>
-                  <a:xfrm>
-                    <a:off x="-209550" y="304800"/>
-                    <a:ext cx="923925" cy="314325"/>
-                  </a:xfrm>
-                  <a:prstGeom prst="rect">
-                    <a:avLst/>
-                  </a:prstGeom>
-                </p:spPr>
-                <p:style>
-                  <a:lnRef idx="2">
-                    <a:schemeClr val="accent1">
-                      <a:shade val="50000"/>
-                    </a:schemeClr>
-                  </a:lnRef>
-                  <a:fillRef idx="1">
-                    <a:schemeClr val="accent1"/>
-                  </a:fillRef>
-                  <a:effectRef idx="0">
-                    <a:schemeClr val="accent1"/>
-                  </a:effectRef>
-                  <a:fontRef idx="minor">
-                    <a:schemeClr val="lt1"/>
-                  </a:fontRef>
-                </p:style>
-                <p:txBody>
-                  <a:bodyPr rot="0" spcFirstLastPara="0" vert="horz" wrap="square" lIns="91440" tIns="45720" rIns="91440" bIns="45720" numCol="1" spcCol="0" rtlCol="0" fromWordArt="0" anchor="ctr" anchorCtr="0" forceAA="0" compatLnSpc="1">
-                    <a:prstTxWarp prst="textNoShape">
-                      <a:avLst/>
-                    </a:prstTxWarp>
-                    <a:noAutofit/>
-                  </a:bodyPr>
-                  <a:lstStyle/>
-                  <a:p>
-                    <a:pPr algn="ctr">
-                      <a:lnSpc>
-                        <a:spcPct val="130000"/>
-                      </a:lnSpc>
-                      <a:spcAft>
-                        <a:spcPts val="1000"/>
-                      </a:spcAft>
-                    </a:pPr>
-                    <a:r>
-                      <a:rPr lang="de-CH" sz="1000">
-                        <a:effectLst/>
-                        <a:latin typeface="Verdana" panose="020B0604030504040204" pitchFamily="34" charset="0"/>
-                        <a:ea typeface="Calibri" panose="020F0502020204030204" pitchFamily="34" charset="0"/>
-                        <a:cs typeface="Times New Roman" panose="02020603050405020304" pitchFamily="18" charset="0"/>
-                      </a:rPr>
-                      <a:t>Pyrometer</a:t>
-                    </a:r>
-                  </a:p>
-                </p:txBody>
-              </p:sp>
-              <p:sp>
-                <p:nvSpPr>
-                  <p:cNvPr id="18" name="Rechteck 17"/>
-                  <p:cNvSpPr/>
-                  <p:nvPr/>
-                </p:nvSpPr>
-                <p:spPr>
-                  <a:xfrm>
-                    <a:off x="-200025" y="809625"/>
-                    <a:ext cx="923925" cy="495300"/>
-                  </a:xfrm>
-                  <a:prstGeom prst="rect">
-                    <a:avLst/>
-                  </a:prstGeom>
-                </p:spPr>
-                <p:style>
-                  <a:lnRef idx="2">
-                    <a:schemeClr val="accent1">
-                      <a:shade val="50000"/>
-                    </a:schemeClr>
-                  </a:lnRef>
-                  <a:fillRef idx="1">
-                    <a:schemeClr val="accent1"/>
-                  </a:fillRef>
-                  <a:effectRef idx="0">
-                    <a:schemeClr val="accent1"/>
-                  </a:effectRef>
-                  <a:fontRef idx="minor">
-                    <a:schemeClr val="lt1"/>
-                  </a:fontRef>
-                </p:style>
-                <p:txBody>
-                  <a:bodyPr rot="0" spcFirstLastPara="0" vert="horz" wrap="square" lIns="91440" tIns="45720" rIns="91440" bIns="45720" numCol="1" spcCol="0" rtlCol="0" fromWordArt="0" anchor="ctr" anchorCtr="0" forceAA="0" compatLnSpc="1">
-                    <a:prstTxWarp prst="textNoShape">
-                      <a:avLst/>
-                    </a:prstTxWarp>
-                    <a:noAutofit/>
-                  </a:bodyPr>
-                  <a:lstStyle/>
-                  <a:p>
-                    <a:pPr algn="ctr">
-                      <a:lnSpc>
-                        <a:spcPct val="130000"/>
-                      </a:lnSpc>
-                      <a:spcAft>
-                        <a:spcPts val="1000"/>
-                      </a:spcAft>
-                    </a:pPr>
-                    <a:r>
-                      <a:rPr lang="de-CH" sz="1000">
-                        <a:effectLst/>
-                        <a:latin typeface="Verdana" panose="020B0604030504040204" pitchFamily="34" charset="0"/>
-                        <a:ea typeface="Calibri" panose="020F0502020204030204" pitchFamily="34" charset="0"/>
-                        <a:cs typeface="Times New Roman" panose="02020603050405020304" pitchFamily="18" charset="0"/>
-                      </a:rPr>
-                      <a:t>Leistungs-messung</a:t>
-                    </a:r>
-                  </a:p>
-                </p:txBody>
-              </p:sp>
-              <p:sp>
-                <p:nvSpPr>
-                  <p:cNvPr id="19" name="Rechteck 18"/>
-                  <p:cNvSpPr/>
-                  <p:nvPr/>
-                </p:nvSpPr>
-                <p:spPr>
-                  <a:xfrm>
-                    <a:off x="1152525" y="0"/>
-                    <a:ext cx="3162666" cy="1752600"/>
-                  </a:xfrm>
-                  <a:prstGeom prst="rect">
-                    <a:avLst/>
-                  </a:prstGeom>
-                  <a:noFill/>
-                </p:spPr>
-                <p:style>
-                  <a:lnRef idx="2">
-                    <a:schemeClr val="accent1">
-                      <a:shade val="50000"/>
-                    </a:schemeClr>
-                  </a:lnRef>
-                  <a:fillRef idx="1">
-                    <a:schemeClr val="accent1"/>
-                  </a:fillRef>
-                  <a:effectRef idx="0">
-                    <a:schemeClr val="accent1"/>
-                  </a:effectRef>
-                  <a:fontRef idx="minor">
-                    <a:schemeClr val="lt1"/>
-                  </a:fontRef>
-                </p:style>
-                <p:txBody>
-                  <a:bodyPr rot="0" spcFirstLastPara="0" vert="horz" wrap="square" lIns="91440" tIns="45720" rIns="91440" bIns="45720" numCol="1" spcCol="0" rtlCol="0" fromWordArt="0" anchor="ctr" anchorCtr="0" forceAA="0" compatLnSpc="1">
-                    <a:prstTxWarp prst="textNoShape">
-                      <a:avLst/>
-                    </a:prstTxWarp>
-                    <a:noAutofit/>
-                  </a:bodyPr>
-                  <a:lstStyle/>
-                  <a:p>
-                    <a:pPr algn="ctr">
-                      <a:lnSpc>
-                        <a:spcPct val="130000"/>
-                      </a:lnSpc>
-                      <a:spcAft>
-                        <a:spcPts val="1000"/>
-                      </a:spcAft>
-                    </a:pPr>
-                    <a:r>
-                      <a:rPr lang="de-CH" sz="1000">
-                        <a:effectLst/>
-                        <a:latin typeface="Verdana" panose="020B0604030504040204" pitchFamily="34" charset="0"/>
-                        <a:ea typeface="Calibri" panose="020F0502020204030204" pitchFamily="34" charset="0"/>
-                        <a:cs typeface="Times New Roman" panose="02020603050405020304" pitchFamily="18" charset="0"/>
-                      </a:rPr>
-                      <a:t> </a:t>
-                    </a:r>
-                  </a:p>
-                </p:txBody>
-              </p:sp>
-              <p:sp>
-                <p:nvSpPr>
-                  <p:cNvPr id="20" name="Rechteck 19"/>
-                  <p:cNvSpPr/>
-                  <p:nvPr/>
-                </p:nvSpPr>
-                <p:spPr>
-                  <a:xfrm>
-                    <a:off x="1381125" y="314325"/>
-                    <a:ext cx="1162050" cy="1000125"/>
-                  </a:xfrm>
-                  <a:prstGeom prst="rect">
-                    <a:avLst/>
-                  </a:prstGeom>
-                </p:spPr>
-                <p:style>
-                  <a:lnRef idx="2">
-                    <a:schemeClr val="accent1">
-                      <a:shade val="50000"/>
-                    </a:schemeClr>
-                  </a:lnRef>
-                  <a:fillRef idx="1">
-                    <a:schemeClr val="accent1"/>
-                  </a:fillRef>
-                  <a:effectRef idx="0">
-                    <a:schemeClr val="accent1"/>
-                  </a:effectRef>
-                  <a:fontRef idx="minor">
-                    <a:schemeClr val="lt1"/>
-                  </a:fontRef>
-                </p:style>
-                <p:txBody>
-                  <a:bodyPr rot="0" spcFirstLastPara="0" vert="horz" wrap="square" lIns="91440" tIns="45720" rIns="91440" bIns="45720" numCol="1" spcCol="0" rtlCol="0" fromWordArt="0" anchor="ctr" anchorCtr="0" forceAA="0" compatLnSpc="1">
-                    <a:prstTxWarp prst="textNoShape">
-                      <a:avLst/>
-                    </a:prstTxWarp>
-                    <a:noAutofit/>
-                  </a:bodyPr>
-                  <a:lstStyle/>
-                  <a:p>
-                    <a:pPr algn="ctr">
-                      <a:lnSpc>
-                        <a:spcPct val="130000"/>
-                      </a:lnSpc>
-                      <a:spcAft>
-                        <a:spcPts val="1000"/>
-                      </a:spcAft>
-                    </a:pPr>
-                    <a:r>
-                      <a:rPr lang="de-CH" sz="1000">
-                        <a:effectLst/>
-                        <a:latin typeface="Verdana" panose="020B0604030504040204" pitchFamily="34" charset="0"/>
-                        <a:ea typeface="Calibri" panose="020F0502020204030204" pitchFamily="34" charset="0"/>
-                        <a:cs typeface="Times New Roman" panose="02020603050405020304" pitchFamily="18" charset="0"/>
-                      </a:rPr>
-                      <a:t>Mikrocontroller</a:t>
-                    </a:r>
-                  </a:p>
-                </p:txBody>
-              </p:sp>
-              <p:sp>
-                <p:nvSpPr>
-                  <p:cNvPr id="21" name="Rechteck 20"/>
-                  <p:cNvSpPr/>
-                  <p:nvPr/>
-                </p:nvSpPr>
-                <p:spPr>
-                  <a:xfrm>
-                    <a:off x="2867025" y="314325"/>
-                    <a:ext cx="1162050" cy="1000125"/>
-                  </a:xfrm>
-                  <a:prstGeom prst="rect">
-                    <a:avLst/>
-                  </a:prstGeom>
-                </p:spPr>
-                <p:style>
-                  <a:lnRef idx="2">
-                    <a:schemeClr val="accent1">
-                      <a:shade val="50000"/>
-                    </a:schemeClr>
-                  </a:lnRef>
-                  <a:fillRef idx="1">
-                    <a:schemeClr val="accent1"/>
-                  </a:fillRef>
-                  <a:effectRef idx="0">
-                    <a:schemeClr val="accent1"/>
-                  </a:effectRef>
-                  <a:fontRef idx="minor">
-                    <a:schemeClr val="lt1"/>
-                  </a:fontRef>
-                </p:style>
-                <p:txBody>
-                  <a:bodyPr rot="0" spcFirstLastPara="0" vert="horz" wrap="square" lIns="91440" tIns="45720" rIns="91440" bIns="45720" numCol="1" spcCol="0" rtlCol="0" fromWordArt="0" anchor="ctr" anchorCtr="0" forceAA="0" compatLnSpc="1">
-                    <a:prstTxWarp prst="textNoShape">
-                      <a:avLst/>
-                    </a:prstTxWarp>
-                    <a:noAutofit/>
-                  </a:bodyPr>
-                  <a:lstStyle/>
-                  <a:p>
-                    <a:pPr algn="ctr">
-                      <a:lnSpc>
-                        <a:spcPct val="130000"/>
-                      </a:lnSpc>
-                      <a:spcAft>
-                        <a:spcPts val="1000"/>
-                      </a:spcAft>
-                    </a:pPr>
-                    <a:r>
-                      <a:rPr lang="de-CH" sz="1000">
-                        <a:effectLst/>
-                        <a:latin typeface="Verdana" panose="020B0604030504040204" pitchFamily="34" charset="0"/>
-                        <a:ea typeface="Calibri" panose="020F0502020204030204" pitchFamily="34" charset="0"/>
-                        <a:cs typeface="Times New Roman" panose="02020603050405020304" pitchFamily="18" charset="0"/>
-                      </a:rPr>
-                      <a:t>PHY</a:t>
-                    </a:r>
-                  </a:p>
-                </p:txBody>
-              </p:sp>
-              <p:sp>
-                <p:nvSpPr>
-                  <p:cNvPr id="22" name="Rechteck 21"/>
-                  <p:cNvSpPr/>
-                  <p:nvPr/>
-                </p:nvSpPr>
-                <p:spPr>
-                  <a:xfrm>
-                    <a:off x="5162550" y="323850"/>
-                    <a:ext cx="1162050" cy="1000125"/>
-                  </a:xfrm>
-                  <a:prstGeom prst="rect">
-                    <a:avLst/>
-                  </a:prstGeom>
-                </p:spPr>
-                <p:style>
-                  <a:lnRef idx="2">
-                    <a:schemeClr val="accent1">
-                      <a:shade val="50000"/>
-                    </a:schemeClr>
-                  </a:lnRef>
-                  <a:fillRef idx="1">
-                    <a:schemeClr val="accent1"/>
-                  </a:fillRef>
-                  <a:effectRef idx="0">
-                    <a:schemeClr val="accent1"/>
-                  </a:effectRef>
-                  <a:fontRef idx="minor">
-                    <a:schemeClr val="lt1"/>
-                  </a:fontRef>
-                </p:style>
-                <p:txBody>
-                  <a:bodyPr rot="0" spcFirstLastPara="0" vert="horz" wrap="square" lIns="91440" tIns="45720" rIns="91440" bIns="45720" numCol="1" spcCol="0" rtlCol="0" fromWordArt="0" anchor="ctr" anchorCtr="0" forceAA="0" compatLnSpc="1">
-                    <a:prstTxWarp prst="textNoShape">
-                      <a:avLst/>
-                    </a:prstTxWarp>
-                    <a:noAutofit/>
-                  </a:bodyPr>
-                  <a:lstStyle/>
-                  <a:p>
-                    <a:pPr algn="ctr">
-                      <a:lnSpc>
-                        <a:spcPct val="130000"/>
-                      </a:lnSpc>
-                      <a:spcAft>
-                        <a:spcPts val="1000"/>
-                      </a:spcAft>
-                    </a:pPr>
-                    <a:r>
-                      <a:rPr lang="de-CH" sz="1000">
-                        <a:effectLst/>
-                        <a:latin typeface="Verdana" panose="020B0604030504040204" pitchFamily="34" charset="0"/>
-                        <a:ea typeface="Calibri" panose="020F0502020204030204" pitchFamily="34" charset="0"/>
-                        <a:cs typeface="Times New Roman" panose="02020603050405020304" pitchFamily="18" charset="0"/>
-                      </a:rPr>
-                      <a:t>IO-Link Master</a:t>
-                    </a:r>
-                  </a:p>
-                </p:txBody>
-              </p:sp>
-            </p:grpSp>
-            <p:cxnSp>
-              <p:nvCxnSpPr>
-                <p:cNvPr id="15" name="Gerader Verbinder 14"/>
-                <p:cNvCxnSpPr/>
-                <p:nvPr/>
-              </p:nvCxnSpPr>
-              <p:spPr>
-                <a:xfrm>
-                  <a:off x="2419350" y="819150"/>
-                  <a:ext cx="447675" cy="0"/>
-                </a:xfrm>
-                <a:prstGeom prst="line">
-                  <a:avLst/>
-                </a:prstGeom>
-                <a:ln w="25400"/>
-              </p:spPr>
-              <p:style>
-                <a:lnRef idx="1">
-                  <a:schemeClr val="accent1"/>
-                </a:lnRef>
-                <a:fillRef idx="0">
-                  <a:schemeClr val="accent1"/>
-                </a:fillRef>
-                <a:effectRef idx="0">
-                  <a:schemeClr val="accent1"/>
-                </a:effectRef>
-                <a:fontRef idx="minor">
-                  <a:schemeClr val="tx1"/>
-                </a:fontRef>
-              </p:style>
-            </p:cxnSp>
-            <p:cxnSp>
-              <p:nvCxnSpPr>
-                <p:cNvPr id="16" name="Gerader Verbinder 15"/>
-                <p:cNvCxnSpPr>
-                  <a:endCxn id="22" idx="1"/>
-                </p:cNvCxnSpPr>
-                <p:nvPr/>
-              </p:nvCxnSpPr>
-              <p:spPr>
-                <a:xfrm>
-                  <a:off x="4029075" y="809625"/>
-                  <a:ext cx="1133475" cy="14288"/>
-                </a:xfrm>
-                <a:prstGeom prst="line">
-                  <a:avLst/>
-                </a:prstGeom>
-                <a:ln w="25400"/>
-              </p:spPr>
-              <p:style>
-                <a:lnRef idx="1">
-                  <a:schemeClr val="accent1"/>
-                </a:lnRef>
-                <a:fillRef idx="0">
-                  <a:schemeClr val="accent1"/>
-                </a:fillRef>
-                <a:effectRef idx="0">
-                  <a:schemeClr val="accent1"/>
-                </a:effectRef>
-                <a:fontRef idx="minor">
-                  <a:schemeClr val="tx1"/>
-                </a:fontRef>
-              </p:style>
-            </p:cxnSp>
-          </p:grpSp>
-          <p:sp>
-            <p:nvSpPr>
-              <p:cNvPr id="9" name="Textfeld 28"/>
-              <p:cNvSpPr txBox="1"/>
-              <p:nvPr/>
-            </p:nvSpPr>
-            <p:spPr>
-              <a:xfrm>
-                <a:off x="2266950" y="19050"/>
-                <a:ext cx="1238250" cy="285750"/>
-              </a:xfrm>
-              <a:prstGeom prst="rect">
-                <a:avLst/>
-              </a:prstGeom>
-              <a:noFill/>
-              <a:ln w="6350">
-                <a:noFill/>
-              </a:ln>
-              <a:effectLst/>
-            </p:spPr>
-            <p:style>
-              <a:lnRef idx="0">
-                <a:schemeClr val="accent1"/>
-              </a:lnRef>
-              <a:fillRef idx="0">
-                <a:schemeClr val="accent1"/>
-              </a:fillRef>
-              <a:effectRef idx="0">
-                <a:schemeClr val="accent1"/>
-              </a:effectRef>
-              <a:fontRef idx="minor">
-                <a:schemeClr val="dk1"/>
-              </a:fontRef>
-            </p:style>
-            <p:txBody>
-              <a:bodyPr rot="0" spcFirstLastPara="0" vert="horz" wrap="square" lIns="91440" tIns="45720" rIns="91440" bIns="45720" numCol="1" spcCol="0" rtlCol="0" fromWordArt="0" anchor="t" anchorCtr="0" forceAA="0" compatLnSpc="1">
-                <a:prstTxWarp prst="textNoShape">
-                  <a:avLst/>
-                </a:prstTxWarp>
-                <a:noAutofit/>
-              </a:bodyPr>
-              <a:lstStyle/>
-              <a:p>
-                <a:pPr>
-                  <a:lnSpc>
-                    <a:spcPct val="130000"/>
-                  </a:lnSpc>
-                  <a:spcAft>
-                    <a:spcPts val="1000"/>
-                  </a:spcAft>
-                </a:pPr>
-                <a:r>
-                  <a:rPr lang="de-CH" sz="1000">
-                    <a:solidFill>
-                      <a:srgbClr val="365F91"/>
-                    </a:solidFill>
-                    <a:effectLst/>
-                    <a:latin typeface="Verdana" panose="020B0604030504040204" pitchFamily="34" charset="0"/>
-                    <a:ea typeface="Calibri" panose="020F0502020204030204" pitchFamily="34" charset="0"/>
-                    <a:cs typeface="Times New Roman" panose="02020603050405020304" pitchFamily="18" charset="0"/>
-                  </a:rPr>
-                  <a:t>Demoboard</a:t>
-                </a:r>
-                <a:endParaRPr lang="de-CH" sz="1000">
-                  <a:effectLst/>
-                  <a:latin typeface="Verdana" panose="020B0604030504040204" pitchFamily="34" charset="0"/>
-                  <a:ea typeface="Calibri" panose="020F0502020204030204" pitchFamily="34" charset="0"/>
-                  <a:cs typeface="Times New Roman" panose="02020603050405020304" pitchFamily="18" charset="0"/>
-                </a:endParaRPr>
-              </a:p>
-            </p:txBody>
-          </p:sp>
-          <p:sp>
-            <p:nvSpPr>
-              <p:cNvPr id="10" name="Textfeld 29"/>
-              <p:cNvSpPr txBox="1"/>
-              <p:nvPr/>
-            </p:nvSpPr>
-            <p:spPr>
-              <a:xfrm>
-                <a:off x="2531670" y="583320"/>
-                <a:ext cx="533400" cy="371475"/>
-              </a:xfrm>
-              <a:prstGeom prst="rect">
-                <a:avLst/>
-              </a:prstGeom>
-              <a:noFill/>
-              <a:ln w="6350">
-                <a:noFill/>
-              </a:ln>
-              <a:effectLst/>
-            </p:spPr>
-            <p:style>
-              <a:lnRef idx="0">
-                <a:schemeClr val="accent1"/>
-              </a:lnRef>
-              <a:fillRef idx="0">
-                <a:schemeClr val="accent1"/>
-              </a:fillRef>
-              <a:effectRef idx="0">
-                <a:schemeClr val="accent1"/>
-              </a:effectRef>
-              <a:fontRef idx="minor">
-                <a:schemeClr val="dk1"/>
-              </a:fontRef>
-            </p:style>
-            <p:txBody>
-              <a:bodyPr rot="0" spcFirstLastPara="0" vert="horz" wrap="square" lIns="91440" tIns="45720" rIns="91440" bIns="45720" numCol="1" spcCol="0" rtlCol="0" fromWordArt="0" anchor="t" anchorCtr="0" forceAA="0" compatLnSpc="1">
-                <a:prstTxWarp prst="textNoShape">
-                  <a:avLst/>
-                </a:prstTxWarp>
-                <a:noAutofit/>
-              </a:bodyPr>
-              <a:lstStyle/>
-              <a:p>
-                <a:pPr>
-                  <a:lnSpc>
-                    <a:spcPct val="130000"/>
-                  </a:lnSpc>
-                  <a:spcAft>
-                    <a:spcPts val="1000"/>
-                  </a:spcAft>
-                </a:pPr>
-                <a:r>
-                  <a:rPr lang="de-CH" sz="1000" dirty="0" err="1">
-                    <a:solidFill>
-                      <a:srgbClr val="365F91"/>
-                    </a:solidFill>
-                    <a:effectLst/>
-                    <a:latin typeface="Verdana" panose="020B0604030504040204" pitchFamily="34" charset="0"/>
-                    <a:ea typeface="Calibri" panose="020F0502020204030204" pitchFamily="34" charset="0"/>
-                    <a:cs typeface="Times New Roman" panose="02020603050405020304" pitchFamily="18" charset="0"/>
-                  </a:rPr>
-                  <a:t>3.3V</a:t>
-                </a:r>
-                <a:endParaRPr lang="de-CH" sz="1000" dirty="0">
-                  <a:effectLst/>
-                  <a:latin typeface="Verdana" panose="020B0604030504040204" pitchFamily="34" charset="0"/>
-                  <a:ea typeface="Calibri" panose="020F0502020204030204" pitchFamily="34" charset="0"/>
-                  <a:cs typeface="Times New Roman" panose="02020603050405020304" pitchFamily="18" charset="0"/>
-                </a:endParaRPr>
-              </a:p>
-            </p:txBody>
-          </p:sp>
-          <p:sp>
-            <p:nvSpPr>
-              <p:cNvPr id="11" name="Textfeld 30"/>
-              <p:cNvSpPr txBox="1"/>
-              <p:nvPr/>
-            </p:nvSpPr>
-            <p:spPr>
-              <a:xfrm>
-                <a:off x="4467224" y="563920"/>
-                <a:ext cx="533400" cy="371475"/>
-              </a:xfrm>
-              <a:prstGeom prst="rect">
-                <a:avLst/>
-              </a:prstGeom>
-              <a:noFill/>
-              <a:ln w="6350">
-                <a:noFill/>
-              </a:ln>
-              <a:effectLst/>
-            </p:spPr>
-            <p:style>
-              <a:lnRef idx="0">
-                <a:schemeClr val="accent1"/>
-              </a:lnRef>
-              <a:fillRef idx="0">
-                <a:schemeClr val="accent1"/>
-              </a:fillRef>
-              <a:effectRef idx="0">
-                <a:schemeClr val="accent1"/>
-              </a:effectRef>
-              <a:fontRef idx="minor">
-                <a:schemeClr val="dk1"/>
-              </a:fontRef>
-            </p:style>
-            <p:txBody>
-              <a:bodyPr rot="0" spcFirstLastPara="0" vert="horz" wrap="square" lIns="91440" tIns="45720" rIns="91440" bIns="45720" numCol="1" spcCol="0" rtlCol="0" fromWordArt="0" anchor="t" anchorCtr="0" forceAA="0" compatLnSpc="1">
-                <a:prstTxWarp prst="textNoShape">
-                  <a:avLst/>
-                </a:prstTxWarp>
-                <a:noAutofit/>
-              </a:bodyPr>
-              <a:lstStyle/>
-              <a:p>
-                <a:pPr>
-                  <a:lnSpc>
-                    <a:spcPct val="130000"/>
-                  </a:lnSpc>
-                  <a:spcAft>
-                    <a:spcPts val="1000"/>
-                  </a:spcAft>
-                </a:pPr>
-                <a:r>
-                  <a:rPr lang="de-CH" sz="1000">
-                    <a:solidFill>
-                      <a:srgbClr val="365F91"/>
-                    </a:solidFill>
-                    <a:effectLst/>
-                    <a:latin typeface="Verdana" panose="020B0604030504040204" pitchFamily="34" charset="0"/>
-                    <a:ea typeface="Calibri" panose="020F0502020204030204" pitchFamily="34" charset="0"/>
-                    <a:cs typeface="Times New Roman" panose="02020603050405020304" pitchFamily="18" charset="0"/>
-                  </a:rPr>
-                  <a:t>24V</a:t>
-                </a:r>
-                <a:endParaRPr lang="de-CH" sz="1000">
-                  <a:effectLst/>
-                  <a:latin typeface="Verdana" panose="020B0604030504040204" pitchFamily="34" charset="0"/>
-                  <a:ea typeface="Calibri" panose="020F0502020204030204" pitchFamily="34" charset="0"/>
-                  <a:cs typeface="Times New Roman" panose="02020603050405020304" pitchFamily="18" charset="0"/>
-                </a:endParaRPr>
-              </a:p>
-            </p:txBody>
-          </p:sp>
-          <p:sp>
-            <p:nvSpPr>
-              <p:cNvPr id="12" name="Textfeld 31"/>
-              <p:cNvSpPr txBox="1"/>
-              <p:nvPr/>
-            </p:nvSpPr>
-            <p:spPr>
-              <a:xfrm>
-                <a:off x="723900" y="214413"/>
-                <a:ext cx="504825" cy="238125"/>
-              </a:xfrm>
-              <a:prstGeom prst="rect">
-                <a:avLst/>
-              </a:prstGeom>
-              <a:noFill/>
-              <a:ln w="6350">
-                <a:noFill/>
-              </a:ln>
-              <a:effectLst/>
-            </p:spPr>
-            <p:style>
-              <a:lnRef idx="0">
-                <a:schemeClr val="accent1"/>
-              </a:lnRef>
-              <a:fillRef idx="0">
-                <a:schemeClr val="accent1"/>
-              </a:fillRef>
-              <a:effectRef idx="0">
-                <a:schemeClr val="accent1"/>
-              </a:effectRef>
-              <a:fontRef idx="minor">
-                <a:schemeClr val="dk1"/>
-              </a:fontRef>
-            </p:style>
-            <p:txBody>
-              <a:bodyPr rot="0" spcFirstLastPara="0" vert="horz" wrap="square" lIns="91440" tIns="45720" rIns="91440" bIns="45720" numCol="1" spcCol="0" rtlCol="0" fromWordArt="0" anchor="t" anchorCtr="0" forceAA="0" compatLnSpc="1">
-                <a:prstTxWarp prst="textNoShape">
-                  <a:avLst/>
-                </a:prstTxWarp>
-                <a:noAutofit/>
-              </a:bodyPr>
-              <a:lstStyle/>
-              <a:p>
-                <a:pPr>
-                  <a:lnSpc>
-                    <a:spcPct val="130000"/>
-                  </a:lnSpc>
-                  <a:spcAft>
-                    <a:spcPts val="1000"/>
-                  </a:spcAft>
-                </a:pPr>
-                <a:r>
-                  <a:rPr lang="de-CH" sz="1000">
-                    <a:solidFill>
-                      <a:srgbClr val="365F91"/>
-                    </a:solidFill>
-                    <a:effectLst/>
-                    <a:latin typeface="Verdana" panose="020B0604030504040204" pitchFamily="34" charset="0"/>
-                    <a:ea typeface="Calibri" panose="020F0502020204030204" pitchFamily="34" charset="0"/>
-                    <a:cs typeface="Times New Roman" panose="02020603050405020304" pitchFamily="18" charset="0"/>
-                  </a:rPr>
-                  <a:t>3.3V</a:t>
-                </a:r>
-                <a:endParaRPr lang="de-CH" sz="1000">
-                  <a:effectLst/>
-                  <a:latin typeface="Verdana" panose="020B0604030504040204" pitchFamily="34" charset="0"/>
-                  <a:ea typeface="Calibri" panose="020F0502020204030204" pitchFamily="34" charset="0"/>
-                  <a:cs typeface="Times New Roman" panose="02020603050405020304" pitchFamily="18" charset="0"/>
-                </a:endParaRPr>
-              </a:p>
-            </p:txBody>
-          </p:sp>
-          <p:sp>
-            <p:nvSpPr>
-              <p:cNvPr id="13" name="Textfeld 32"/>
-              <p:cNvSpPr txBox="1"/>
-              <p:nvPr/>
-            </p:nvSpPr>
-            <p:spPr>
-              <a:xfrm>
-                <a:off x="704850" y="810658"/>
-                <a:ext cx="504825" cy="238125"/>
-              </a:xfrm>
-              <a:prstGeom prst="rect">
-                <a:avLst/>
-              </a:prstGeom>
-              <a:noFill/>
-              <a:ln w="6350">
-                <a:noFill/>
-              </a:ln>
-              <a:effectLst/>
-            </p:spPr>
-            <p:style>
-              <a:lnRef idx="0">
-                <a:schemeClr val="accent1"/>
-              </a:lnRef>
-              <a:fillRef idx="0">
-                <a:schemeClr val="accent1"/>
-              </a:fillRef>
-              <a:effectRef idx="0">
-                <a:schemeClr val="accent1"/>
-              </a:effectRef>
-              <a:fontRef idx="minor">
-                <a:schemeClr val="dk1"/>
-              </a:fontRef>
-            </p:style>
-            <p:txBody>
-              <a:bodyPr rot="0" spcFirstLastPara="0" vert="horz" wrap="square" lIns="91440" tIns="45720" rIns="91440" bIns="45720" numCol="1" spcCol="0" rtlCol="0" fromWordArt="0" anchor="t" anchorCtr="0" forceAA="0" compatLnSpc="1">
-                <a:prstTxWarp prst="textNoShape">
-                  <a:avLst/>
-                </a:prstTxWarp>
-                <a:noAutofit/>
-              </a:bodyPr>
-              <a:lstStyle/>
-              <a:p>
-                <a:pPr>
-                  <a:lnSpc>
-                    <a:spcPct val="130000"/>
-                  </a:lnSpc>
-                  <a:spcAft>
-                    <a:spcPts val="1000"/>
-                  </a:spcAft>
-                </a:pPr>
-                <a:r>
-                  <a:rPr lang="de-CH" sz="1000">
-                    <a:solidFill>
-                      <a:srgbClr val="365F91"/>
-                    </a:solidFill>
-                    <a:effectLst/>
-                    <a:latin typeface="Verdana" panose="020B0604030504040204" pitchFamily="34" charset="0"/>
-                    <a:ea typeface="Calibri" panose="020F0502020204030204" pitchFamily="34" charset="0"/>
-                    <a:cs typeface="Times New Roman" panose="02020603050405020304" pitchFamily="18" charset="0"/>
-                  </a:rPr>
-                  <a:t>3.3V</a:t>
-                </a:r>
-                <a:endParaRPr lang="de-CH" sz="1000">
-                  <a:effectLst/>
-                  <a:latin typeface="Verdana" panose="020B0604030504040204" pitchFamily="34" charset="0"/>
-                  <a:ea typeface="Calibri" panose="020F0502020204030204" pitchFamily="34" charset="0"/>
-                  <a:cs typeface="Times New Roman" panose="02020603050405020304" pitchFamily="18" charset="0"/>
-                </a:endParaRPr>
-              </a:p>
-            </p:txBody>
-          </p:sp>
-        </p:grpSp>
-        <p:cxnSp>
-          <p:nvCxnSpPr>
-            <p:cNvPr id="6" name="Gerader Verbinder 5"/>
-            <p:cNvCxnSpPr/>
-            <p:nvPr/>
-          </p:nvCxnSpPr>
-          <p:spPr>
-            <a:xfrm>
-              <a:off x="942975" y="485775"/>
-              <a:ext cx="657225" cy="0"/>
-            </a:xfrm>
-            <a:prstGeom prst="line">
-              <a:avLst/>
-            </a:prstGeom>
-            <a:ln w="28575"/>
-          </p:spPr>
-          <p:style>
-            <a:lnRef idx="1">
-              <a:schemeClr val="accent1"/>
-            </a:lnRef>
-            <a:fillRef idx="0">
-              <a:schemeClr val="accent1"/>
-            </a:fillRef>
-            <a:effectRef idx="0">
-              <a:schemeClr val="accent1"/>
-            </a:effectRef>
-            <a:fontRef idx="minor">
-              <a:schemeClr val="tx1"/>
-            </a:fontRef>
-          </p:style>
-        </p:cxnSp>
-        <p:cxnSp>
-          <p:nvCxnSpPr>
-            <p:cNvPr id="7" name="Gerader Verbinder 6"/>
-            <p:cNvCxnSpPr/>
-            <p:nvPr/>
-          </p:nvCxnSpPr>
-          <p:spPr>
-            <a:xfrm>
-              <a:off x="923925" y="1066800"/>
-              <a:ext cx="657225" cy="0"/>
-            </a:xfrm>
-            <a:prstGeom prst="line">
-              <a:avLst/>
-            </a:prstGeom>
-            <a:ln w="28575"/>
-          </p:spPr>
-          <p:style>
-            <a:lnRef idx="1">
-              <a:schemeClr val="accent1"/>
-            </a:lnRef>
-            <a:fillRef idx="0">
-              <a:schemeClr val="accent1"/>
-            </a:fillRef>
-            <a:effectRef idx="0">
-              <a:schemeClr val="accent1"/>
-            </a:effectRef>
-            <a:fontRef idx="minor">
-              <a:schemeClr val="tx1"/>
-            </a:fontRef>
-          </p:style>
-        </p:cxnSp>
-      </p:grpSp>
-    </p:spTree>
-    <p:extLst>
-      <p:ext uri="{BB962C8B-B14F-4D97-AF65-F5344CB8AC3E}">
-        <p14:creationId xmlns:p14="http://schemas.microsoft.com/office/powerpoint/2010/main" val="1764410062"/>
-      </p:ext>
-    </p:extLst>
-  </p:cSld>
-  <p:clrMapOvr>
-    <a:masterClrMapping/>
-  </p:clrMapOvr>
-</p:sld>
-</file>
-
-<file path=ppt/slides/slide12.xml><?xml version="1.0" encoding="utf-8"?>
-<p:sld xmlns:a="http://schemas.openxmlformats.org/drawingml/2006/main" xmlns:r="http://schemas.openxmlformats.org/officeDocument/2006/relationships" xmlns:p="http://schemas.openxmlformats.org/presentationml/2006/main">
-  <p:cSld>
-    <p:spTree>
-      <p:nvGrpSpPr>
-        <p:cNvPr id="1" name=""/>
-        <p:cNvGrpSpPr/>
-        <p:nvPr/>
-      </p:nvGrpSpPr>
-      <p:grpSpPr>
-        <a:xfrm>
-          <a:off x="0" y="0"/>
-          <a:ext cx="0" cy="0"/>
-          <a:chOff x="0" y="0"/>
-          <a:chExt cx="0" cy="0"/>
-        </a:xfrm>
-      </p:grpSpPr>
-      <p:sp>
-        <p:nvSpPr>
-          <p:cNvPr id="2" name="Titel 1"/>
-          <p:cNvSpPr>
-            <a:spLocks noGrp="1"/>
-          </p:cNvSpPr>
-          <p:nvPr>
-            <p:ph type="title"/>
-          </p:nvPr>
-        </p:nvSpPr>
-        <p:spPr/>
-        <p:txBody>
-          <a:bodyPr/>
-          <a:lstStyle/>
-          <a:p>
-            <a:r>
-              <a:rPr lang="de-CH" dirty="0" smtClean="0"/>
-              <a:t>Genie Explorer </a:t>
-            </a:r>
-            <a:r>
-              <a:rPr lang="de-CH" dirty="0" err="1" smtClean="0"/>
-              <a:t>TM96.1</a:t>
-            </a:r>
-            <a:r>
-              <a:rPr lang="de-CH" dirty="0" smtClean="0"/>
-              <a:t> Var B</a:t>
-            </a:r>
-            <a:endParaRPr lang="de-CH" dirty="0"/>
-          </a:p>
-        </p:txBody>
-      </p:sp>
-      <p:pic>
-        <p:nvPicPr>
-          <p:cNvPr id="4" name="Inhaltsplatzhalter 3"/>
-          <p:cNvPicPr>
-            <a:picLocks noGrp="1" noChangeAspect="1"/>
-          </p:cNvPicPr>
-          <p:nvPr>
-            <p:ph idx="1"/>
-          </p:nvPr>
-        </p:nvPicPr>
-        <p:blipFill rotWithShape="1">
-          <a:blip r:embed="rId2">
-            <a:extLst>
-              <a:ext uri="{28A0092B-C50C-407E-A947-70E740481C1C}">
-                <a14:useLocalDpi xmlns:a14="http://schemas.microsoft.com/office/drawing/2010/main" val="0"/>
-              </a:ext>
-            </a:extLst>
-          </a:blip>
-          <a:srcRect b="1816"/>
-          <a:stretch/>
-        </p:blipFill>
-        <p:spPr>
-          <a:xfrm>
-            <a:off x="6096000" y="1825625"/>
-            <a:ext cx="5289498" cy="4845024"/>
-          </a:xfrm>
-        </p:spPr>
-      </p:pic>
       <p:sp>
         <p:nvSpPr>
           <p:cNvPr id="5" name="Inhaltsplatzhalter 2"/>
@@ -5851,8 +8285,8 @@
         </p:nvSpPr>
         <p:spPr>
           <a:xfrm>
-            <a:off x="838200" y="1825625"/>
-            <a:ext cx="10515600" cy="4351338"/>
+            <a:off x="838200" y="2162169"/>
+            <a:ext cx="10515600" cy="4447178"/>
           </a:xfrm>
           <a:prstGeom prst="rect">
             <a:avLst/>
@@ -6027,54 +8461,182 @@
             </a:lvl9pPr>
           </a:lstStyle>
           <a:p>
+            <a:pPr marL="0" indent="0">
+              <a:buNone/>
+            </a:pPr>
+            <a:r>
+              <a:rPr lang="de-CH" dirty="0" smtClean="0"/>
+              <a:t>Leistungsmessung </a:t>
+            </a:r>
+            <a:r>
+              <a:rPr lang="de-CH" dirty="0" smtClean="0"/>
+              <a:t>(</a:t>
+            </a:r>
             <a:r>
               <a:rPr lang="de-CH" dirty="0" err="1" smtClean="0"/>
-              <a:t>AtMega32</a:t>
-            </a:r>
+              <a:t>I</a:t>
+            </a:r>
+            <a:r>
+              <a:rPr lang="de-CH" baseline="30000" dirty="0" err="1" smtClean="0"/>
+              <a:t>2</a:t>
+            </a:r>
+            <a:r>
+              <a:rPr lang="de-CH" dirty="0" err="1" smtClean="0"/>
+              <a:t>C</a:t>
+            </a:r>
+            <a:r>
+              <a:rPr lang="de-CH" dirty="0" smtClean="0"/>
+              <a:t>)</a:t>
+            </a:r>
+          </a:p>
+          <a:p>
+            <a:r>
+              <a:rPr lang="de-CH" sz="2600" dirty="0" err="1" smtClean="0"/>
+              <a:t>ADC</a:t>
+            </a:r>
+            <a:r>
+              <a:rPr lang="de-CH" sz="2600" dirty="0" smtClean="0"/>
+              <a:t> Wert über </a:t>
+            </a:r>
+            <a:r>
+              <a:rPr lang="de-CH" sz="2600" dirty="0" err="1" smtClean="0"/>
+              <a:t>I</a:t>
+            </a:r>
+            <a:r>
+              <a:rPr lang="de-CH" sz="2600" baseline="30000" dirty="0" err="1" smtClean="0"/>
+              <a:t>2</a:t>
+            </a:r>
+            <a:r>
+              <a:rPr lang="de-CH" sz="2600" dirty="0" err="1" smtClean="0"/>
+              <a:t>C</a:t>
+            </a:r>
+            <a:endParaRPr lang="de-CH" sz="2600" dirty="0" smtClean="0"/>
+          </a:p>
+          <a:p>
             <a:endParaRPr lang="de-CH" dirty="0" smtClean="0"/>
           </a:p>
           <a:p>
+            <a:endParaRPr lang="de-CH" dirty="0"/>
+          </a:p>
+          <a:p>
+            <a:pPr marL="0" indent="0">
+              <a:buNone/>
+            </a:pPr>
+            <a:endParaRPr lang="de-CH" dirty="0"/>
+          </a:p>
+          <a:p>
+            <a:pPr marL="0" indent="0">
+              <a:buNone/>
+            </a:pPr>
+            <a:r>
+              <a:rPr lang="de-CH" dirty="0" smtClean="0"/>
+              <a:t>Pyrometer </a:t>
+            </a:r>
+            <a:r>
+              <a:rPr lang="de-CH" dirty="0" smtClean="0"/>
+              <a:t>(</a:t>
+            </a:r>
             <a:r>
               <a:rPr lang="de-CH" dirty="0" err="1" smtClean="0"/>
-              <a:t>PHY</a:t>
+              <a:t>SPI</a:t>
             </a:r>
             <a:r>
               <a:rPr lang="de-CH" dirty="0" smtClean="0"/>
-              <a:t> von </a:t>
-            </a:r>
-            <a:r>
-              <a:rPr lang="de-CH" dirty="0" err="1" smtClean="0"/>
-              <a:t>HMT</a:t>
-            </a:r>
-            <a:endParaRPr lang="de-CH" dirty="0" smtClean="0"/>
-          </a:p>
-          <a:p>
-            <a:r>
-              <a:rPr lang="de-CH" dirty="0" err="1" smtClean="0"/>
-              <a:t>IO</a:t>
-            </a:r>
-            <a:r>
-              <a:rPr lang="de-CH" dirty="0" smtClean="0"/>
-              <a:t>-Link Stack</a:t>
-            </a:r>
+              <a:t>)</a:t>
+            </a:r>
+          </a:p>
+          <a:p>
+            <a:r>
+              <a:rPr lang="de-CH" sz="2600" dirty="0" smtClean="0"/>
+              <a:t>Custom Implementierung</a:t>
+            </a:r>
+          </a:p>
+          <a:p>
+            <a:pPr marL="0" indent="0">
+              <a:buNone/>
+            </a:pPr>
             <a:endParaRPr lang="de-CH" dirty="0"/>
           </a:p>
         </p:txBody>
       </p:sp>
+      <p:pic>
+        <p:nvPicPr>
+          <p:cNvPr id="6" name="Inhaltsplatzhalter 5"/>
+          <p:cNvPicPr>
+            <a:picLocks noGrp="1" noChangeAspect="1"/>
+          </p:cNvPicPr>
+          <p:nvPr>
+            <p:ph idx="1"/>
+          </p:nvPr>
+        </p:nvPicPr>
+        <p:blipFill rotWithShape="1">
+          <a:blip r:embed="rId3">
+            <a:extLst>
+              <a:ext uri="{28A0092B-C50C-407E-A947-70E740481C1C}">
+                <a14:useLocalDpi xmlns:a14="http://schemas.microsoft.com/office/drawing/2010/main" val="0"/>
+              </a:ext>
+            </a:extLst>
+          </a:blip>
+          <a:srcRect l="56399" t="13579" r="10717" b="9017"/>
+          <a:stretch/>
+        </p:blipFill>
+        <p:spPr>
+          <a:xfrm>
+            <a:off x="6691302" y="1812758"/>
+            <a:ext cx="4902281" cy="2721665"/>
+          </a:xfrm>
+        </p:spPr>
+      </p:pic>
+      <p:pic>
+        <p:nvPicPr>
+          <p:cNvPr id="7" name="Grafik 6"/>
+          <p:cNvPicPr>
+            <a:picLocks noChangeAspect="1"/>
+          </p:cNvPicPr>
+          <p:nvPr/>
+        </p:nvPicPr>
+        <p:blipFill rotWithShape="1">
+          <a:blip r:embed="rId4">
+            <a:extLst>
+              <a:ext uri="{28A0092B-C50C-407E-A947-70E740481C1C}">
+                <a14:useLocalDpi xmlns:a14="http://schemas.microsoft.com/office/drawing/2010/main" val="0"/>
+              </a:ext>
+            </a:extLst>
+          </a:blip>
+          <a:srcRect l="55312" t="16657" r="6819" b="21932"/>
+          <a:stretch/>
+        </p:blipFill>
+        <p:spPr>
+          <a:xfrm>
+            <a:off x="6691302" y="4534423"/>
+            <a:ext cx="4890578" cy="2323577"/>
+          </a:xfrm>
+          <a:prstGeom prst="rect">
+            <a:avLst/>
+          </a:prstGeom>
+        </p:spPr>
+      </p:pic>
     </p:spTree>
     <p:extLst>
       <p:ext uri="{BB962C8B-B14F-4D97-AF65-F5344CB8AC3E}">
-        <p14:creationId xmlns:p14="http://schemas.microsoft.com/office/powerpoint/2010/main" val="1504970743"/>
+        <p14:creationId xmlns:p14="http://schemas.microsoft.com/office/powerpoint/2010/main" val="583081493"/>
       </p:ext>
     </p:extLst>
   </p:cSld>
   <p:clrMapOvr>
     <a:masterClrMapping/>
   </p:clrMapOvr>
+  <p:timing>
+    <p:tnLst>
+      <p:par>
+        <p:cTn id="1" dur="indefinite" restart="never" nodeType="tmRoot"/>
+      </p:par>
+    </p:tnLst>
+  </p:timing>
 </p:sld>
 </file>
 
-<file path=ppt/slides/slide13.xml><?xml version="1.0" encoding="utf-8"?>
+<file path=ppt/slides/slide15.xml><?xml version="1.0" encoding="utf-8"?>
 <p:sld xmlns:a="http://schemas.openxmlformats.org/drawingml/2006/main" xmlns:r="http://schemas.openxmlformats.org/officeDocument/2006/relationships" xmlns:p="http://schemas.openxmlformats.org/presentationml/2006/main">
   <p:cSld>
     <p:spTree>
@@ -6167,7 +8729,7 @@
           </p:nvPr>
         </p:nvPicPr>
         <p:blipFill>
-          <a:blip r:embed="rId2">
+          <a:blip r:embed="rId3">
             <a:extLst>
               <a:ext uri="{28A0092B-C50C-407E-A947-70E740481C1C}">
                 <a14:useLocalDpi xmlns:a14="http://schemas.microsoft.com/office/drawing/2010/main" val="0"/>
@@ -6180,11 +8742,231 @@
         </p:blipFill>
         <p:spPr>
           <a:xfrm>
-            <a:off x="1414674" y="210426"/>
+            <a:off x="1662009" y="245660"/>
             <a:ext cx="8863432" cy="6647574"/>
           </a:xfrm>
         </p:spPr>
       </p:pic>
+      <p:sp>
+        <p:nvSpPr>
+          <p:cNvPr id="5" name="Textfeld 4"/>
+          <p:cNvSpPr txBox="1"/>
+          <p:nvPr/>
+        </p:nvSpPr>
+        <p:spPr>
+          <a:xfrm>
+            <a:off x="1876926" y="2746349"/>
+            <a:ext cx="1541862" cy="369332"/>
+          </a:xfrm>
+          <a:prstGeom prst="rect">
+            <a:avLst/>
+          </a:prstGeom>
+          <a:noFill/>
+        </p:spPr>
+        <p:txBody>
+          <a:bodyPr wrap="square" rtlCol="0">
+            <a:spAutoFit/>
+          </a:bodyPr>
+          <a:lstStyle/>
+          <a:p>
+            <a:r>
+              <a:rPr lang="de-CH" dirty="0" err="1" smtClean="0"/>
+              <a:t>I2C</a:t>
+            </a:r>
+            <a:r>
+              <a:rPr lang="de-CH" dirty="0" smtClean="0"/>
+              <a:t> Data</a:t>
+            </a:r>
+            <a:endParaRPr lang="de-CH" dirty="0"/>
+          </a:p>
+        </p:txBody>
+      </p:sp>
+      <p:sp>
+        <p:nvSpPr>
+          <p:cNvPr id="6" name="Textfeld 5"/>
+          <p:cNvSpPr txBox="1"/>
+          <p:nvPr/>
+        </p:nvSpPr>
+        <p:spPr>
+          <a:xfrm>
+            <a:off x="1876926" y="3235400"/>
+            <a:ext cx="1531093" cy="369332"/>
+          </a:xfrm>
+          <a:prstGeom prst="rect">
+            <a:avLst/>
+          </a:prstGeom>
+          <a:noFill/>
+        </p:spPr>
+        <p:txBody>
+          <a:bodyPr wrap="square" rtlCol="0">
+            <a:spAutoFit/>
+          </a:bodyPr>
+          <a:lstStyle/>
+          <a:p>
+            <a:r>
+              <a:rPr lang="de-CH" dirty="0" err="1" smtClean="0"/>
+              <a:t>I2C</a:t>
+            </a:r>
+            <a:r>
+              <a:rPr lang="de-CH" dirty="0" smtClean="0"/>
+              <a:t> </a:t>
+            </a:r>
+            <a:r>
+              <a:rPr lang="de-CH" dirty="0" err="1" smtClean="0"/>
+              <a:t>Clock</a:t>
+            </a:r>
+            <a:endParaRPr lang="de-CH" dirty="0"/>
+          </a:p>
+        </p:txBody>
+      </p:sp>
+      <p:sp>
+        <p:nvSpPr>
+          <p:cNvPr id="7" name="Textfeld 6"/>
+          <p:cNvSpPr txBox="1"/>
+          <p:nvPr/>
+        </p:nvSpPr>
+        <p:spPr>
+          <a:xfrm>
+            <a:off x="4905699" y="3895729"/>
+            <a:ext cx="1541862" cy="369332"/>
+          </a:xfrm>
+          <a:prstGeom prst="rect">
+            <a:avLst/>
+          </a:prstGeom>
+          <a:noFill/>
+        </p:spPr>
+        <p:txBody>
+          <a:bodyPr wrap="square" rtlCol="0">
+            <a:spAutoFit/>
+          </a:bodyPr>
+          <a:lstStyle/>
+          <a:p>
+            <a:r>
+              <a:rPr lang="de-CH" dirty="0" err="1" smtClean="0"/>
+              <a:t>SPI</a:t>
+            </a:r>
+            <a:r>
+              <a:rPr lang="de-CH" dirty="0" smtClean="0"/>
+              <a:t> </a:t>
+            </a:r>
+            <a:r>
+              <a:rPr lang="de-CH" dirty="0" err="1" smtClean="0"/>
+              <a:t>SlaveSelect</a:t>
+            </a:r>
+            <a:endParaRPr lang="de-CH" dirty="0"/>
+          </a:p>
+        </p:txBody>
+      </p:sp>
+      <p:sp>
+        <p:nvSpPr>
+          <p:cNvPr id="8" name="Textfeld 7"/>
+          <p:cNvSpPr txBox="1"/>
+          <p:nvPr/>
+        </p:nvSpPr>
+        <p:spPr>
+          <a:xfrm>
+            <a:off x="4905699" y="4441161"/>
+            <a:ext cx="1541862" cy="369332"/>
+          </a:xfrm>
+          <a:prstGeom prst="rect">
+            <a:avLst/>
+          </a:prstGeom>
+          <a:noFill/>
+        </p:spPr>
+        <p:txBody>
+          <a:bodyPr wrap="square" rtlCol="0">
+            <a:spAutoFit/>
+          </a:bodyPr>
+          <a:lstStyle/>
+          <a:p>
+            <a:r>
+              <a:rPr lang="de-CH" dirty="0" err="1" smtClean="0"/>
+              <a:t>SPI</a:t>
+            </a:r>
+            <a:r>
+              <a:rPr lang="de-CH" dirty="0" smtClean="0"/>
+              <a:t> MISO</a:t>
+            </a:r>
+            <a:endParaRPr lang="de-CH" dirty="0"/>
+          </a:p>
+        </p:txBody>
+      </p:sp>
+      <p:sp>
+        <p:nvSpPr>
+          <p:cNvPr id="9" name="Textfeld 8"/>
+          <p:cNvSpPr txBox="1"/>
+          <p:nvPr/>
+        </p:nvSpPr>
+        <p:spPr>
+          <a:xfrm>
+            <a:off x="4905699" y="5000133"/>
+            <a:ext cx="1541862" cy="369332"/>
+          </a:xfrm>
+          <a:prstGeom prst="rect">
+            <a:avLst/>
+          </a:prstGeom>
+          <a:noFill/>
+        </p:spPr>
+        <p:txBody>
+          <a:bodyPr wrap="square" rtlCol="0">
+            <a:spAutoFit/>
+          </a:bodyPr>
+          <a:lstStyle/>
+          <a:p>
+            <a:r>
+              <a:rPr lang="de-CH" dirty="0" err="1" smtClean="0"/>
+              <a:t>SPI</a:t>
+            </a:r>
+            <a:r>
+              <a:rPr lang="de-CH" dirty="0" smtClean="0"/>
+              <a:t> </a:t>
+            </a:r>
+            <a:r>
+              <a:rPr lang="de-CH" dirty="0" err="1" smtClean="0"/>
+              <a:t>MOSI</a:t>
+            </a:r>
+            <a:endParaRPr lang="de-CH" dirty="0"/>
+          </a:p>
+        </p:txBody>
+      </p:sp>
+      <p:sp>
+        <p:nvSpPr>
+          <p:cNvPr id="10" name="Textfeld 9"/>
+          <p:cNvSpPr txBox="1"/>
+          <p:nvPr/>
+        </p:nvSpPr>
+        <p:spPr>
+          <a:xfrm>
+            <a:off x="4905699" y="5577351"/>
+            <a:ext cx="1541862" cy="369332"/>
+          </a:xfrm>
+          <a:prstGeom prst="rect">
+            <a:avLst/>
+          </a:prstGeom>
+          <a:noFill/>
+        </p:spPr>
+        <p:txBody>
+          <a:bodyPr wrap="square" rtlCol="0">
+            <a:spAutoFit/>
+          </a:bodyPr>
+          <a:lstStyle/>
+          <a:p>
+            <a:r>
+              <a:rPr lang="de-CH" dirty="0" err="1" smtClean="0"/>
+              <a:t>SPI</a:t>
+            </a:r>
+            <a:r>
+              <a:rPr lang="de-CH" dirty="0" smtClean="0"/>
+              <a:t> </a:t>
+            </a:r>
+            <a:r>
+              <a:rPr lang="de-CH" dirty="0" err="1" smtClean="0"/>
+              <a:t>Clock</a:t>
+            </a:r>
+            <a:endParaRPr lang="de-CH" dirty="0"/>
+          </a:p>
+        </p:txBody>
+      </p:sp>
     </p:spTree>
     <p:extLst>
       <p:ext uri="{BB962C8B-B14F-4D97-AF65-F5344CB8AC3E}">
@@ -6195,10 +8977,17 @@
   <p:clrMapOvr>
     <a:masterClrMapping/>
   </p:clrMapOvr>
+  <p:timing>
+    <p:tnLst>
+      <p:par>
+        <p:cTn id="1" dur="indefinite" restart="never" nodeType="tmRoot"/>
+      </p:par>
+    </p:tnLst>
+  </p:timing>
 </p:sld>
 </file>
 
-<file path=ppt/slides/slide14.xml><?xml version="1.0" encoding="utf-8"?>
+<file path=ppt/slides/slide16.xml><?xml version="1.0" encoding="utf-8"?>
 <p:sld xmlns:a="http://schemas.openxmlformats.org/drawingml/2006/main" xmlns:r="http://schemas.openxmlformats.org/officeDocument/2006/relationships" xmlns:p="http://schemas.openxmlformats.org/presentationml/2006/main">
   <p:cSld>
     <p:spTree>
@@ -6232,81 +9021,91 @@
           <a:p>
             <a:r>
               <a:rPr lang="de-CH" dirty="0" err="1" smtClean="0"/>
+              <a:t>IO</a:t>
+            </a:r>
+            <a:r>
+              <a:rPr lang="de-CH" dirty="0" smtClean="0"/>
+              <a:t>-Link Master</a:t>
+            </a:r>
+            <a:endParaRPr lang="de-CH" dirty="0"/>
+          </a:p>
+        </p:txBody>
+      </p:sp>
+      <p:sp>
+        <p:nvSpPr>
+          <p:cNvPr id="3" name="Inhaltsplatzhalter 2"/>
+          <p:cNvSpPr>
+            <a:spLocks noGrp="1"/>
+          </p:cNvSpPr>
+          <p:nvPr>
+            <p:ph idx="1"/>
+          </p:nvPr>
+        </p:nvSpPr>
+        <p:spPr>
+          <a:xfrm>
+            <a:off x="581192" y="2180496"/>
+            <a:ext cx="5901495" cy="3678303"/>
+          </a:xfrm>
+        </p:spPr>
+        <p:txBody>
+          <a:bodyPr>
+            <a:normAutofit/>
+          </a:bodyPr>
+          <a:lstStyle/>
+          <a:p>
+            <a:r>
+              <a:rPr lang="de-CH" sz="2800" dirty="0" err="1" smtClean="0"/>
               <a:t>EL6224</a:t>
             </a:r>
-            <a:endParaRPr lang="de-CH" dirty="0"/>
-          </a:p>
-        </p:txBody>
-      </p:sp>
-      <p:sp>
-        <p:nvSpPr>
-          <p:cNvPr id="3" name="Inhaltsplatzhalter 2"/>
-          <p:cNvSpPr>
-            <a:spLocks noGrp="1"/>
-          </p:cNvSpPr>
-          <p:nvPr>
-            <p:ph idx="1"/>
-          </p:nvPr>
-        </p:nvSpPr>
-        <p:spPr/>
-        <p:txBody>
-          <a:bodyPr/>
-          <a:lstStyle/>
-          <a:p>
-            <a:r>
-              <a:rPr lang="de-CH" dirty="0" err="1" smtClean="0"/>
+            <a:r>
+              <a:rPr lang="de-CH" sz="2800" dirty="0" smtClean="0"/>
+              <a:t> und </a:t>
+            </a:r>
+            <a:r>
+              <a:rPr lang="de-CH" sz="2800" dirty="0" err="1" smtClean="0"/>
               <a:t>TwinCat</a:t>
             </a:r>
-            <a:endParaRPr lang="de-CH" dirty="0" smtClean="0"/>
-          </a:p>
-          <a:p>
-            <a:r>
-              <a:rPr lang="de-CH" dirty="0" err="1" smtClean="0"/>
-              <a:t>8h</a:t>
-            </a:r>
-            <a:r>
-              <a:rPr lang="de-CH" dirty="0" smtClean="0"/>
-              <a:t> mit Support telefoniert</a:t>
+            <a:endParaRPr lang="de-CH" sz="2800" dirty="0" smtClean="0"/>
+          </a:p>
+          <a:p>
+            <a:r>
+              <a:rPr lang="de-CH" sz="2800" dirty="0" smtClean="0"/>
+              <a:t>Support</a:t>
             </a:r>
           </a:p>
           <a:p>
             <a:pPr lvl="1"/>
             <a:r>
-              <a:rPr lang="de-CH" dirty="0" smtClean="0"/>
-              <a:t>Update des Betriebssystem auf </a:t>
-            </a:r>
-            <a:r>
-              <a:rPr lang="de-CH" dirty="0" err="1" smtClean="0"/>
-              <a:t>SPS</a:t>
-            </a:r>
-            <a:endParaRPr lang="de-CH" dirty="0" smtClean="0"/>
+              <a:rPr lang="de-CH" sz="2400" dirty="0" smtClean="0"/>
+              <a:t>Viele verlorene Frames</a:t>
+            </a:r>
           </a:p>
           <a:p>
             <a:pPr lvl="1"/>
             <a:r>
-              <a:rPr lang="de-CH" dirty="0" smtClean="0"/>
-              <a:t>Update der </a:t>
-            </a:r>
-            <a:r>
-              <a:rPr lang="de-CH" dirty="0" err="1" smtClean="0"/>
-              <a:t>TwinCat</a:t>
-            </a:r>
-            <a:r>
-              <a:rPr lang="de-CH" dirty="0" smtClean="0"/>
-              <a:t> Version</a:t>
+              <a:rPr lang="de-CH" sz="2400" dirty="0" err="1" smtClean="0"/>
+              <a:t>Watchdog</a:t>
+            </a:r>
+            <a:r>
+              <a:rPr lang="de-CH" sz="2400" dirty="0" smtClean="0"/>
+              <a:t> des Ports</a:t>
             </a:r>
           </a:p>
           <a:p>
             <a:pPr lvl="1"/>
             <a:r>
-              <a:rPr lang="de-CH" dirty="0" smtClean="0"/>
+              <a:rPr lang="de-CH" sz="2400" dirty="0" smtClean="0"/>
               <a:t>Fehler beim Einlesen der </a:t>
             </a:r>
             <a:r>
-              <a:rPr lang="de-CH" dirty="0" err="1" smtClean="0"/>
+              <a:rPr lang="de-CH" sz="2400" dirty="0" err="1" smtClean="0"/>
               <a:t>IODD</a:t>
             </a:r>
-            <a:endParaRPr lang="de-CH" dirty="0" smtClean="0"/>
+            <a:endParaRPr lang="de-CH" sz="2800" dirty="0" smtClean="0"/>
+          </a:p>
+          <a:p>
+            <a:pPr lvl="1"/>
+            <a:endParaRPr lang="de-CH" sz="2400" dirty="0" smtClean="0"/>
           </a:p>
         </p:txBody>
       </p:sp>
@@ -6349,10 +9148,17 @@
   <p:clrMapOvr>
     <a:masterClrMapping/>
   </p:clrMapOvr>
+  <p:timing>
+    <p:tnLst>
+      <p:par>
+        <p:cTn id="1" dur="indefinite" restart="never" nodeType="tmRoot"/>
+      </p:par>
+    </p:tnLst>
+  </p:timing>
 </p:sld>
 </file>
 
-<file path=ppt/slides/slide15.xml><?xml version="1.0" encoding="utf-8"?>
+<file path=ppt/slides/slide17.xml><?xml version="1.0" encoding="utf-8"?>
 <p:sld xmlns:a="http://schemas.openxmlformats.org/drawingml/2006/main" xmlns:r="http://schemas.openxmlformats.org/officeDocument/2006/relationships" xmlns:p="http://schemas.openxmlformats.org/presentationml/2006/main">
   <p:cSld>
     <p:spTree>
@@ -6421,6 +9227,42 @@
           </a:xfrm>
         </p:spPr>
       </p:pic>
+      <p:sp>
+        <p:nvSpPr>
+          <p:cNvPr id="3" name="Textfeld 2"/>
+          <p:cNvSpPr txBox="1"/>
+          <p:nvPr/>
+        </p:nvSpPr>
+        <p:spPr>
+          <a:xfrm>
+            <a:off x="9364913" y="3568996"/>
+            <a:ext cx="2422358" cy="923330"/>
+          </a:xfrm>
+          <a:prstGeom prst="rect">
+            <a:avLst/>
+          </a:prstGeom>
+          <a:noFill/>
+        </p:spPr>
+        <p:txBody>
+          <a:bodyPr wrap="square" rtlCol="0">
+            <a:spAutoFit/>
+          </a:bodyPr>
+          <a:lstStyle/>
+          <a:p>
+            <a:r>
+              <a:rPr lang="de-CH" dirty="0" smtClean="0"/>
+              <a:t>Demoprogramm:</a:t>
+            </a:r>
+          </a:p>
+          <a:p>
+            <a:r>
+              <a:rPr lang="de-CH" dirty="0" smtClean="0"/>
+              <a:t>1 Byte Prozessdaten werden ausgelesen</a:t>
+            </a:r>
+            <a:endParaRPr lang="de-CH" dirty="0"/>
+          </a:p>
+        </p:txBody>
+      </p:sp>
     </p:spTree>
     <p:extLst>
       <p:ext uri="{BB962C8B-B14F-4D97-AF65-F5344CB8AC3E}">
@@ -6431,10 +9273,25 @@
   <p:clrMapOvr>
     <a:masterClrMapping/>
   </p:clrMapOvr>
+  <mc:AlternateContent xmlns:mc="http://schemas.openxmlformats.org/markup-compatibility/2006">
+    <mc:Choice xmlns:p14="http://schemas.microsoft.com/office/powerpoint/2010/main" Requires="p14">
+      <p:transition spd="slow" p14:dur="2000"/>
+    </mc:Choice>
+    <mc:Fallback>
+      <p:transition spd="slow"/>
+    </mc:Fallback>
+  </mc:AlternateContent>
+  <p:timing>
+    <p:tnLst>
+      <p:par>
+        <p:cTn id="1" dur="indefinite" restart="never" nodeType="tmRoot"/>
+      </p:par>
+    </p:tnLst>
+  </p:timing>
 </p:sld>
 </file>
 
-<file path=ppt/slides/slide16.xml><?xml version="1.0" encoding="utf-8"?>
+<file path=ppt/slides/slide18.xml><?xml version="1.0" encoding="utf-8"?>
 <p:sld xmlns:a="http://schemas.openxmlformats.org/drawingml/2006/main" xmlns:r="http://schemas.openxmlformats.org/officeDocument/2006/relationships" xmlns:p="http://schemas.openxmlformats.org/presentationml/2006/main">
   <p:cSld>
     <p:spTree>
@@ -6484,55 +9341,71 @@
             <p:ph idx="1"/>
           </p:nvPr>
         </p:nvSpPr>
-        <p:spPr/>
-        <p:txBody>
-          <a:bodyPr/>
+        <p:spPr>
+          <a:xfrm>
+            <a:off x="581192" y="1844842"/>
+            <a:ext cx="11029615" cy="4299284"/>
+          </a:xfrm>
+        </p:spPr>
+        <p:txBody>
+          <a:bodyPr>
+            <a:normAutofit/>
+          </a:bodyPr>
           <a:lstStyle/>
           <a:p>
             <a:r>
-              <a:rPr lang="de-CH" dirty="0" err="1" smtClean="0"/>
+              <a:rPr lang="de-CH" sz="2800" dirty="0" smtClean="0"/>
+              <a:t>Besuch bei </a:t>
+            </a:r>
+            <a:r>
+              <a:rPr lang="de-CH" sz="2800" dirty="0" err="1" smtClean="0"/>
               <a:t>HMT</a:t>
             </a:r>
-            <a:endParaRPr lang="de-CH" dirty="0" smtClean="0"/>
-          </a:p>
-          <a:p>
-            <a:r>
-              <a:rPr lang="de-CH" dirty="0"/>
-              <a:t>4</a:t>
-            </a:r>
-            <a:r>
-              <a:rPr lang="de-CH" dirty="0" smtClean="0"/>
-              <a:t> Bytes an Daten übertragen im </a:t>
-            </a:r>
-            <a:r>
-              <a:rPr lang="de-CH" dirty="0" err="1" smtClean="0"/>
+            <a:endParaRPr lang="de-CH" sz="2800" dirty="0" smtClean="0"/>
+          </a:p>
+          <a:p>
+            <a:pPr lvl="1"/>
+            <a:r>
+              <a:rPr lang="de-CH" sz="2600" dirty="0" smtClean="0"/>
+              <a:t>Zeitkritisch -&gt; wann Sensorwerte auslesen</a:t>
+            </a:r>
+          </a:p>
+          <a:p>
+            <a:pPr lvl="1"/>
+            <a:r>
+              <a:rPr lang="de-CH" sz="2600" dirty="0" smtClean="0"/>
+              <a:t>2 oder 4 Byte Prozessdaten</a:t>
+            </a:r>
+          </a:p>
+          <a:p>
+            <a:pPr lvl="1"/>
+            <a:r>
+              <a:rPr lang="de-CH" sz="2600" dirty="0" smtClean="0"/>
+              <a:t>Grundsätzliche Fragen zu </a:t>
+            </a:r>
+            <a:r>
+              <a:rPr lang="de-CH" sz="2600" dirty="0" err="1" smtClean="0"/>
               <a:t>IO</a:t>
             </a:r>
             <a:r>
-              <a:rPr lang="de-CH" dirty="0" smtClean="0"/>
-              <a:t>-Link Protokoll</a:t>
-            </a:r>
-          </a:p>
-          <a:p>
-            <a:pPr lvl="1"/>
-            <a:r>
-              <a:rPr lang="de-CH" dirty="0" smtClean="0"/>
-              <a:t>Neue M-Sequenz integrieren?</a:t>
-            </a:r>
-          </a:p>
-          <a:p>
-            <a:r>
-              <a:rPr lang="de-CH" dirty="0" smtClean="0"/>
+              <a:rPr lang="de-CH" sz="2600" dirty="0" smtClean="0"/>
+              <a:t>-Link</a:t>
+            </a:r>
+          </a:p>
+          <a:p>
+            <a:r>
+              <a:rPr lang="de-CH" sz="2800" dirty="0" smtClean="0"/>
               <a:t>Sensorwerte übertragen</a:t>
             </a:r>
-          </a:p>
-          <a:p>
-            <a:r>
-              <a:rPr lang="de-CH" dirty="0" err="1" smtClean="0"/>
+            <a:endParaRPr lang="de-CH" sz="2600" dirty="0" smtClean="0"/>
+          </a:p>
+          <a:p>
+            <a:r>
+              <a:rPr lang="de-CH" sz="2800" dirty="0" err="1" smtClean="0"/>
               <a:t>SPI</a:t>
             </a:r>
             <a:r>
-              <a:rPr lang="de-CH" dirty="0" smtClean="0"/>
+              <a:rPr lang="de-CH" sz="2800" dirty="0" smtClean="0"/>
               <a:t> Sensor aufsetzen</a:t>
             </a:r>
           </a:p>
@@ -6548,10 +9421,17 @@
   <p:clrMapOvr>
     <a:masterClrMapping/>
   </p:clrMapOvr>
+  <p:timing>
+    <p:tnLst>
+      <p:par>
+        <p:cTn id="1" dur="indefinite" restart="never" nodeType="tmRoot"/>
+      </p:par>
+    </p:tnLst>
+  </p:timing>
 </p:sld>
 </file>
 
-<file path=ppt/slides/slide17.xml><?xml version="1.0" encoding="utf-8"?>
+<file path=ppt/slides/slide19.xml><?xml version="1.0" encoding="utf-8"?>
 <p:sld xmlns:a="http://schemas.openxmlformats.org/drawingml/2006/main" xmlns:r="http://schemas.openxmlformats.org/officeDocument/2006/relationships" xmlns:p="http://schemas.openxmlformats.org/presentationml/2006/main">
   <p:cSld>
     <p:spTree>
@@ -6620,6 +9500,13 @@
   <p:clrMapOvr>
     <a:masterClrMapping/>
   </p:clrMapOvr>
+  <p:timing>
+    <p:tnLst>
+      <p:par>
+        <p:cTn id="1" dur="indefinite" restart="never" nodeType="tmRoot"/>
+      </p:par>
+    </p:tnLst>
+  </p:timing>
 </p:sld>
 </file>
 
@@ -6673,89 +9560,112 @@
             <p:ph idx="1"/>
           </p:nvPr>
         </p:nvSpPr>
-        <p:spPr/>
-        <p:txBody>
-          <a:bodyPr/>
+        <p:spPr>
+          <a:xfrm>
+            <a:off x="581192" y="2180496"/>
+            <a:ext cx="11029615" cy="4493020"/>
+          </a:xfrm>
+        </p:spPr>
+        <p:txBody>
+          <a:bodyPr>
+            <a:noAutofit/>
+          </a:bodyPr>
           <a:lstStyle/>
           <a:p>
             <a:r>
-              <a:rPr lang="de-CH" dirty="0" smtClean="0"/>
+              <a:rPr lang="de-CH" sz="2000" dirty="0" smtClean="0"/>
               <a:t>Was ist </a:t>
             </a:r>
             <a:r>
-              <a:rPr lang="de-CH" dirty="0" err="1" smtClean="0"/>
+              <a:rPr lang="de-CH" sz="2000" dirty="0" err="1" smtClean="0"/>
               <a:t>IO</a:t>
             </a:r>
             <a:r>
-              <a:rPr lang="de-CH" dirty="0" smtClean="0"/>
+              <a:rPr lang="de-CH" sz="2000" dirty="0" smtClean="0"/>
               <a:t>-Link</a:t>
             </a:r>
           </a:p>
           <a:p>
-            <a:r>
-              <a:rPr lang="de-CH" dirty="0" err="1" smtClean="0"/>
+            <a:pPr lvl="1"/>
+            <a:r>
+              <a:rPr lang="de-CH" sz="1800" dirty="0" smtClean="0"/>
+              <a:t>Aufbau</a:t>
+            </a:r>
+          </a:p>
+          <a:p>
+            <a:pPr lvl="1"/>
+            <a:r>
+              <a:rPr lang="de-CH" sz="1800" dirty="0" smtClean="0"/>
+              <a:t>Verdrahtung</a:t>
+            </a:r>
+          </a:p>
+          <a:p>
+            <a:pPr lvl="1"/>
+            <a:r>
+              <a:rPr lang="de-CH" sz="1800" dirty="0" smtClean="0"/>
+              <a:t>Vor- und Nachteile</a:t>
+            </a:r>
+          </a:p>
+          <a:p>
+            <a:r>
+              <a:rPr lang="de-CH" sz="2000" dirty="0" err="1" smtClean="0"/>
               <a:t>IO</a:t>
             </a:r>
             <a:r>
-              <a:rPr lang="de-CH" dirty="0" smtClean="0"/>
-              <a:t>-Link Kommunikation</a:t>
-            </a:r>
-          </a:p>
-          <a:p>
-            <a:r>
-              <a:rPr lang="de-CH" dirty="0" err="1" smtClean="0"/>
+              <a:rPr lang="de-CH" sz="2000" dirty="0" smtClean="0"/>
+              <a:t>-Link Protokoll</a:t>
+            </a:r>
+          </a:p>
+          <a:p>
+            <a:r>
+              <a:rPr lang="de-CH" sz="2000" dirty="0" smtClean="0"/>
+              <a:t>Aufgabenstellung</a:t>
+            </a:r>
+          </a:p>
+          <a:p>
+            <a:pPr lvl="1"/>
+            <a:r>
+              <a:rPr lang="de-CH" sz="1800" dirty="0" smtClean="0"/>
+              <a:t>Sensoren</a:t>
+            </a:r>
+          </a:p>
+          <a:p>
+            <a:pPr lvl="1"/>
+            <a:r>
+              <a:rPr lang="de-CH" sz="1800" dirty="0" smtClean="0"/>
+              <a:t>Demoboard</a:t>
+            </a:r>
+          </a:p>
+          <a:p>
+            <a:pPr lvl="1"/>
+            <a:r>
+              <a:rPr lang="de-CH" sz="1800" dirty="0" err="1" smtClean="0"/>
               <a:t>IO</a:t>
             </a:r>
             <a:r>
-              <a:rPr lang="de-CH" dirty="0" smtClean="0"/>
-              <a:t>-Link Stack</a:t>
-            </a:r>
-          </a:p>
-          <a:p>
-            <a:r>
-              <a:rPr lang="de-CH" dirty="0" smtClean="0"/>
-              <a:t>Hardware</a:t>
-            </a:r>
-          </a:p>
-          <a:p>
-            <a:pPr lvl="1"/>
-            <a:r>
-              <a:rPr lang="de-CH" dirty="0" smtClean="0"/>
-              <a:t>Sensoren</a:t>
-            </a:r>
-          </a:p>
-          <a:p>
-            <a:pPr lvl="1"/>
-            <a:r>
-              <a:rPr lang="de-CH" dirty="0" smtClean="0"/>
-              <a:t>Demoboard</a:t>
-            </a:r>
-          </a:p>
-          <a:p>
-            <a:pPr lvl="1"/>
-            <a:r>
-              <a:rPr lang="de-CH" dirty="0" err="1" smtClean="0"/>
-              <a:t>IO</a:t>
-            </a:r>
-            <a:r>
-              <a:rPr lang="de-CH" dirty="0" smtClean="0"/>
-              <a:t>-Link Master</a:t>
-            </a:r>
-          </a:p>
-          <a:p>
-            <a:r>
-              <a:rPr lang="de-CH" dirty="0" smtClean="0"/>
+              <a:rPr lang="de-CH" sz="1800" dirty="0" smtClean="0"/>
+              <a:t>-Link Klemme für </a:t>
+            </a:r>
+            <a:r>
+              <a:rPr lang="de-CH" sz="1800" dirty="0" err="1" smtClean="0"/>
+              <a:t>SPS</a:t>
+            </a:r>
+            <a:endParaRPr lang="de-CH" sz="1800" dirty="0" smtClean="0"/>
+          </a:p>
+          <a:p>
+            <a:r>
+              <a:rPr lang="de-CH" sz="2000" dirty="0" smtClean="0"/>
               <a:t>Demoprogramm</a:t>
             </a:r>
           </a:p>
           <a:p>
             <a:r>
-              <a:rPr lang="de-CH" dirty="0" smtClean="0"/>
+              <a:rPr lang="de-CH" sz="2000" dirty="0" smtClean="0"/>
               <a:t>Nächste Schritte</a:t>
             </a:r>
           </a:p>
           <a:p>
-            <a:endParaRPr lang="de-CH" dirty="0"/>
+            <a:endParaRPr lang="de-CH" sz="2000" dirty="0"/>
           </a:p>
         </p:txBody>
       </p:sp>
@@ -6769,6 +9679,13 @@
   <p:clrMapOvr>
     <a:masterClrMapping/>
   </p:clrMapOvr>
+  <p:timing>
+    <p:tnLst>
+      <p:par>
+        <p:cTn id="1" dur="indefinite" restart="never" nodeType="tmRoot"/>
+      </p:par>
+    </p:tnLst>
+  </p:timing>
 </p:sld>
 </file>
 
@@ -6859,6 +9776,13 @@
   <p:clrMapOvr>
     <a:masterClrMapping/>
   </p:clrMapOvr>
+  <p:timing>
+    <p:tnLst>
+      <p:par>
+        <p:cTn id="1" dur="indefinite" restart="never" nodeType="tmRoot"/>
+      </p:par>
+    </p:tnLst>
+  </p:timing>
 </p:sld>
 </file>
 
@@ -6914,14 +9838,16 @@
         </p:nvSpPr>
         <p:spPr/>
         <p:txBody>
-          <a:bodyPr/>
+          <a:bodyPr>
+            <a:normAutofit/>
+          </a:bodyPr>
           <a:lstStyle/>
           <a:p>
             <a:r>
-              <a:rPr lang="de-CH" dirty="0" smtClean="0"/>
+              <a:rPr lang="de-CH" sz="2800" dirty="0" smtClean="0"/>
               <a:t>3-5 Pins</a:t>
             </a:r>
-            <a:endParaRPr lang="de-CH" dirty="0"/>
+            <a:endParaRPr lang="de-CH" sz="2800" dirty="0"/>
           </a:p>
         </p:txBody>
       </p:sp>
@@ -6932,7 +9858,7 @@
           <p:nvPr/>
         </p:nvPicPr>
         <p:blipFill rotWithShape="1">
-          <a:blip r:embed="rId2">
+          <a:blip r:embed="rId3">
             <a:extLst>
               <a:ext uri="{28A0092B-C50C-407E-A947-70E740481C1C}">
                 <a14:useLocalDpi xmlns:a14="http://schemas.microsoft.com/office/drawing/2010/main" val="0"/>
@@ -6970,6 +9896,13 @@
   <p:clrMapOvr>
     <a:masterClrMapping/>
   </p:clrMapOvr>
+  <p:timing>
+    <p:tnLst>
+      <p:par>
+        <p:cTn id="1" dur="indefinite" restart="never" nodeType="tmRoot"/>
+      </p:par>
+    </p:tnLst>
+  </p:timing>
 </p:sld>
 </file>
 
@@ -7007,7 +9940,7 @@
           <a:p>
             <a:r>
               <a:rPr lang="de-CH" dirty="0" smtClean="0"/>
-              <a:t>Kommunikation mit dem Master</a:t>
+              <a:t>Vorteile</a:t>
             </a:r>
             <a:endParaRPr lang="de-CH" dirty="0"/>
           </a:p>
@@ -7023,86 +9956,238 @@
             <p:ph idx="1"/>
           </p:nvPr>
         </p:nvSpPr>
-        <p:spPr/>
+        <p:spPr>
+          <a:xfrm>
+            <a:off x="581192" y="2180496"/>
+            <a:ext cx="11029615" cy="4380725"/>
+          </a:xfrm>
+        </p:spPr>
         <p:txBody>
           <a:bodyPr>
-            <a:normAutofit/>
+            <a:noAutofit/>
           </a:bodyPr>
           <a:lstStyle/>
           <a:p>
             <a:r>
+              <a:rPr lang="de-CH" sz="2800" dirty="0" smtClean="0"/>
+              <a:t>Verlustfrei, digital, systemunabhängig</a:t>
+            </a:r>
+          </a:p>
+          <a:p>
+            <a:r>
+              <a:rPr lang="de-CH" sz="2800" dirty="0" smtClean="0"/>
+              <a:t>Implementiert </a:t>
+            </a:r>
+            <a:r>
+              <a:rPr lang="de-CH" sz="2800" dirty="0"/>
+              <a:t>in </a:t>
+            </a:r>
+            <a:r>
+              <a:rPr lang="de-CH" sz="2800" dirty="0" smtClean="0"/>
+              <a:t>die wichtigsten Feldbussysteme</a:t>
+            </a:r>
+          </a:p>
+          <a:p>
+            <a:r>
+              <a:rPr lang="de-CH" sz="2800" dirty="0" smtClean="0"/>
+              <a:t>Standardisiert, 3 adrig, </a:t>
+            </a:r>
+            <a:r>
+              <a:rPr lang="de-CH" sz="2800" dirty="0" err="1" smtClean="0"/>
+              <a:t>Verpolungsschutz</a:t>
+            </a:r>
+            <a:endParaRPr lang="de-CH" sz="2800" dirty="0" smtClean="0"/>
+          </a:p>
+          <a:p>
+            <a:r>
+              <a:rPr lang="de-CH" sz="2800" dirty="0" smtClean="0"/>
+              <a:t>Plug &amp; Play</a:t>
+            </a:r>
+          </a:p>
+          <a:p>
+            <a:r>
+              <a:rPr lang="de-CH" sz="2800" dirty="0" smtClean="0"/>
+              <a:t>Erweiterte Funktionen:</a:t>
+            </a:r>
+          </a:p>
+          <a:p>
+            <a:pPr lvl="1"/>
+            <a:r>
+              <a:rPr lang="de-CH" sz="2400" dirty="0" smtClean="0"/>
+              <a:t>einfache Parametrierung </a:t>
+            </a:r>
+          </a:p>
+          <a:p>
+            <a:pPr lvl="1"/>
+            <a:r>
+              <a:rPr lang="de-CH" sz="2400" dirty="0" smtClean="0"/>
+              <a:t>Diagnosedaten </a:t>
+            </a:r>
+          </a:p>
+          <a:p>
+            <a:pPr lvl="1"/>
+            <a:r>
+              <a:rPr lang="de-CH" sz="2400" dirty="0" smtClean="0"/>
+              <a:t>Identifikation (viele Sensoren sehen ähnlich aus)</a:t>
+            </a:r>
+          </a:p>
+        </p:txBody>
+      </p:sp>
+    </p:spTree>
+    <p:extLst>
+      <p:ext uri="{BB962C8B-B14F-4D97-AF65-F5344CB8AC3E}">
+        <p14:creationId xmlns:p14="http://schemas.microsoft.com/office/powerpoint/2010/main" val="509339115"/>
+      </p:ext>
+    </p:extLst>
+  </p:cSld>
+  <p:clrMapOvr>
+    <a:masterClrMapping/>
+  </p:clrMapOvr>
+  <p:timing>
+    <p:tnLst>
+      <p:par>
+        <p:cTn id="1" dur="indefinite" restart="never" nodeType="tmRoot"/>
+      </p:par>
+    </p:tnLst>
+  </p:timing>
+</p:sld>
+</file>
+
+<file path=ppt/slides/slide6.xml><?xml version="1.0" encoding="utf-8"?>
+<p:sld xmlns:a="http://schemas.openxmlformats.org/drawingml/2006/main" xmlns:r="http://schemas.openxmlformats.org/officeDocument/2006/relationships" xmlns:p="http://schemas.openxmlformats.org/presentationml/2006/main">
+  <p:cSld>
+    <p:spTree>
+      <p:nvGrpSpPr>
+        <p:cNvPr id="1" name=""/>
+        <p:cNvGrpSpPr/>
+        <p:nvPr/>
+      </p:nvGrpSpPr>
+      <p:grpSpPr>
+        <a:xfrm>
+          <a:off x="0" y="0"/>
+          <a:ext cx="0" cy="0"/>
+          <a:chOff x="0" y="0"/>
+          <a:chExt cx="0" cy="0"/>
+        </a:xfrm>
+      </p:grpSpPr>
+      <p:sp>
+        <p:nvSpPr>
+          <p:cNvPr id="2" name="Titel 1"/>
+          <p:cNvSpPr>
+            <a:spLocks noGrp="1"/>
+          </p:cNvSpPr>
+          <p:nvPr>
+            <p:ph type="title"/>
+          </p:nvPr>
+        </p:nvSpPr>
+        <p:spPr/>
+        <p:txBody>
+          <a:bodyPr/>
+          <a:lstStyle/>
+          <a:p>
+            <a:r>
               <a:rPr lang="de-CH" dirty="0" smtClean="0"/>
+              <a:t>Kommunikation mit dem Master</a:t>
+            </a:r>
+            <a:endParaRPr lang="de-CH" dirty="0"/>
+          </a:p>
+        </p:txBody>
+      </p:sp>
+      <p:sp>
+        <p:nvSpPr>
+          <p:cNvPr id="3" name="Inhaltsplatzhalter 2"/>
+          <p:cNvSpPr>
+            <a:spLocks noGrp="1"/>
+          </p:cNvSpPr>
+          <p:nvPr>
+            <p:ph idx="1"/>
+          </p:nvPr>
+        </p:nvSpPr>
+        <p:spPr>
+          <a:xfrm>
+            <a:off x="581192" y="2180496"/>
+            <a:ext cx="11029615" cy="4156136"/>
+          </a:xfrm>
+        </p:spPr>
+        <p:txBody>
+          <a:bodyPr>
+            <a:noAutofit/>
+          </a:bodyPr>
+          <a:lstStyle/>
+          <a:p>
+            <a:r>
+              <a:rPr lang="de-CH" sz="3200" dirty="0" smtClean="0"/>
               <a:t>Baudraten:</a:t>
             </a:r>
           </a:p>
           <a:p>
             <a:pPr lvl="1"/>
             <a:r>
-              <a:rPr lang="de-CH" dirty="0" smtClean="0"/>
+              <a:rPr lang="de-CH" sz="2800" dirty="0" smtClean="0"/>
               <a:t>COM1:	4.8 </a:t>
             </a:r>
             <a:r>
-              <a:rPr lang="de-CH" dirty="0" err="1" smtClean="0"/>
+              <a:rPr lang="de-CH" sz="2800" dirty="0" err="1" smtClean="0"/>
               <a:t>kBaud</a:t>
             </a:r>
-            <a:endParaRPr lang="de-CH" dirty="0" smtClean="0"/>
+            <a:endParaRPr lang="de-CH" sz="2800" dirty="0" smtClean="0"/>
           </a:p>
           <a:p>
             <a:pPr lvl="1"/>
             <a:r>
-              <a:rPr lang="de-CH" dirty="0" smtClean="0"/>
+              <a:rPr lang="de-CH" sz="2800" dirty="0" smtClean="0"/>
               <a:t>COM2:	38.4 </a:t>
             </a:r>
             <a:r>
-              <a:rPr lang="de-CH" dirty="0" err="1" smtClean="0"/>
+              <a:rPr lang="de-CH" sz="2800" dirty="0" err="1" smtClean="0"/>
               <a:t>kBaud</a:t>
             </a:r>
-            <a:endParaRPr lang="de-CH" dirty="0" smtClean="0"/>
+            <a:endParaRPr lang="de-CH" sz="2800" dirty="0" smtClean="0"/>
           </a:p>
           <a:p>
             <a:pPr lvl="1"/>
             <a:r>
-              <a:rPr lang="de-CH" dirty="0" smtClean="0"/>
+              <a:rPr lang="de-CH" sz="2800" dirty="0" smtClean="0"/>
               <a:t>COM3:	230.4 </a:t>
             </a:r>
             <a:r>
-              <a:rPr lang="de-CH" dirty="0" err="1" smtClean="0"/>
+              <a:rPr lang="de-CH" sz="2800" dirty="0" err="1" smtClean="0"/>
               <a:t>kBaud</a:t>
             </a:r>
-            <a:endParaRPr lang="de-CH" dirty="0" smtClean="0"/>
-          </a:p>
-          <a:p>
-            <a:r>
-              <a:rPr lang="de-CH" dirty="0" smtClean="0"/>
+            <a:endParaRPr lang="de-CH" sz="2800" dirty="0" smtClean="0"/>
+          </a:p>
+          <a:p>
+            <a:r>
+              <a:rPr lang="de-CH" sz="3200" dirty="0" smtClean="0"/>
               <a:t>Kommunikationsstatus der Leitung:</a:t>
             </a:r>
           </a:p>
           <a:p>
             <a:pPr lvl="1"/>
             <a:r>
-              <a:rPr lang="de-CH" dirty="0" err="1" smtClean="0"/>
+              <a:rPr lang="de-CH" sz="2800" dirty="0" err="1" smtClean="0"/>
               <a:t>IO</a:t>
             </a:r>
             <a:r>
-              <a:rPr lang="de-CH" dirty="0" smtClean="0"/>
+              <a:rPr lang="de-CH" sz="2800" dirty="0" smtClean="0"/>
               <a:t>-Link Kommunikation</a:t>
             </a:r>
           </a:p>
           <a:p>
             <a:pPr lvl="1"/>
             <a:r>
-              <a:rPr lang="de-CH" dirty="0" err="1" smtClean="0"/>
+              <a:rPr lang="de-CH" sz="2800" dirty="0" err="1" smtClean="0"/>
               <a:t>SIO</a:t>
             </a:r>
-            <a:endParaRPr lang="de-CH" dirty="0" smtClean="0"/>
+            <a:endParaRPr lang="de-CH" sz="2800" dirty="0" smtClean="0"/>
           </a:p>
           <a:p>
             <a:pPr lvl="1"/>
             <a:r>
-              <a:rPr lang="de-CH" dirty="0" smtClean="0"/>
+              <a:rPr lang="de-CH" sz="2800" dirty="0" smtClean="0"/>
               <a:t>Deaktiviert</a:t>
             </a:r>
-            <a:endParaRPr lang="de-CH" dirty="0"/>
+            <a:endParaRPr lang="de-CH" sz="2800" dirty="0"/>
           </a:p>
         </p:txBody>
       </p:sp>
@@ -7116,10 +10201,17 @@
   <p:clrMapOvr>
     <a:masterClrMapping/>
   </p:clrMapOvr>
+  <p:timing>
+    <p:tnLst>
+      <p:par>
+        <p:cTn id="1" dur="indefinite" restart="never" nodeType="tmRoot"/>
+      </p:par>
+    </p:tnLst>
+  </p:timing>
 </p:sld>
 </file>
 
-<file path=ppt/slides/slide6.xml><?xml version="1.0" encoding="utf-8"?>
+<file path=ppt/slides/slide7.xml><?xml version="1.0" encoding="utf-8"?>
 <p:sld xmlns:a="http://schemas.openxmlformats.org/drawingml/2006/main" xmlns:r="http://schemas.openxmlformats.org/officeDocument/2006/relationships" xmlns:p="http://schemas.openxmlformats.org/presentationml/2006/main">
   <p:cSld>
     <p:spTree>
@@ -7198,10 +10290,17 @@
   <p:clrMapOvr>
     <a:masterClrMapping/>
   </p:clrMapOvr>
+  <p:timing>
+    <p:tnLst>
+      <p:par>
+        <p:cTn id="1" dur="indefinite" restart="never" nodeType="tmRoot"/>
+      </p:par>
+    </p:tnLst>
+  </p:timing>
 </p:sld>
 </file>
 
-<file path=ppt/slides/slide7.xml><?xml version="1.0" encoding="utf-8"?>
+<file path=ppt/slides/slide8.xml><?xml version="1.0" encoding="utf-8"?>
 <p:sld xmlns:a="http://schemas.openxmlformats.org/drawingml/2006/main" xmlns:r="http://schemas.openxmlformats.org/officeDocument/2006/relationships" xmlns:p="http://schemas.openxmlformats.org/presentationml/2006/main">
   <p:cSld>
     <p:spTree>
@@ -7252,7 +10351,7 @@
           </p:nvPr>
         </p:nvPicPr>
         <p:blipFill rotWithShape="1">
-          <a:blip r:embed="rId2">
+          <a:blip r:embed="rId3">
             <a:extLst>
               <a:ext uri="{28A0092B-C50C-407E-A947-70E740481C1C}">
                 <a14:useLocalDpi xmlns:a14="http://schemas.microsoft.com/office/drawing/2010/main" val="0"/>
@@ -7279,11 +10378,18 @@
   <p:clrMapOvr>
     <a:masterClrMapping/>
   </p:clrMapOvr>
+  <p:timing>
+    <p:tnLst>
+      <p:par>
+        <p:cTn id="1" dur="indefinite" restart="never" nodeType="tmRoot"/>
+      </p:par>
+    </p:tnLst>
+  </p:timing>
 </p:sld>
 </file>
 
-<file path=ppt/slides/slide8.xml><?xml version="1.0" encoding="utf-8"?>
-<p:sld xmlns:a="http://schemas.openxmlformats.org/drawingml/2006/main" xmlns:r="http://schemas.openxmlformats.org/officeDocument/2006/relationships" xmlns:p="http://schemas.openxmlformats.org/presentationml/2006/main">
+<file path=ppt/slides/slide9.xml><?xml version="1.0" encoding="utf-8"?>
+<p:sld xmlns:a="http://schemas.openxmlformats.org/drawingml/2006/main" xmlns:r="http://schemas.openxmlformats.org/officeDocument/2006/relationships" xmlns:p="http://schemas.openxmlformats.org/presentationml/2006/main" show="0">
   <p:cSld>
     <p:spTree>
       <p:nvGrpSpPr>
@@ -7320,7 +10426,7 @@
             </a:r>
             <a:r>
               <a:rPr lang="de-CH" dirty="0" smtClean="0"/>
-              <a:t>-Link Stack</a:t>
+              <a:t>-Link Protokoll</a:t>
             </a:r>
             <a:endParaRPr lang="de-CH" dirty="0"/>
           </a:p>
@@ -7352,7 +10458,7 @@
           <p:nvPr/>
         </p:nvPicPr>
         <p:blipFill rotWithShape="1">
-          <a:blip r:embed="rId2">
+          <a:blip r:embed="rId3">
             <a:extLst>
               <a:ext uri="{28A0092B-C50C-407E-A947-70E740481C1C}">
                 <a14:useLocalDpi xmlns:a14="http://schemas.microsoft.com/office/drawing/2010/main" val="0"/>
@@ -7386,117 +10492,21 @@
   <p:clrMapOvr>
     <a:masterClrMapping/>
   </p:clrMapOvr>
-</p:sld>
-</file>
-
-<file path=ppt/slides/slide9.xml><?xml version="1.0" encoding="utf-8"?>
-<p:sld xmlns:a="http://schemas.openxmlformats.org/drawingml/2006/main" xmlns:r="http://schemas.openxmlformats.org/officeDocument/2006/relationships" xmlns:p="http://schemas.openxmlformats.org/presentationml/2006/main">
-  <p:cSld>
-    <p:spTree>
-      <p:nvGrpSpPr>
-        <p:cNvPr id="1" name=""/>
-        <p:cNvGrpSpPr/>
-        <p:nvPr/>
-      </p:nvGrpSpPr>
-      <p:grpSpPr>
-        <a:xfrm>
-          <a:off x="0" y="0"/>
-          <a:ext cx="0" cy="0"/>
-          <a:chOff x="0" y="0"/>
-          <a:chExt cx="0" cy="0"/>
-        </a:xfrm>
-      </p:grpSpPr>
-      <p:sp>
-        <p:nvSpPr>
-          <p:cNvPr id="2" name="Titel 1"/>
-          <p:cNvSpPr>
-            <a:spLocks noGrp="1"/>
-          </p:cNvSpPr>
-          <p:nvPr>
-            <p:ph type="title"/>
-          </p:nvPr>
-        </p:nvSpPr>
-        <p:spPr/>
-        <p:txBody>
-          <a:bodyPr/>
-          <a:lstStyle/>
-          <a:p>
-            <a:r>
-              <a:rPr lang="de-CH" dirty="0" err="1" smtClean="0"/>
-              <a:t>IO</a:t>
-            </a:r>
-            <a:r>
-              <a:rPr lang="de-CH" dirty="0" smtClean="0"/>
-              <a:t>-Link Stack</a:t>
-            </a:r>
-            <a:endParaRPr lang="de-CH" dirty="0"/>
-          </a:p>
-        </p:txBody>
-      </p:sp>
-      <p:sp>
-        <p:nvSpPr>
-          <p:cNvPr id="3" name="Inhaltsplatzhalter 2"/>
-          <p:cNvSpPr>
-            <a:spLocks noGrp="1"/>
-          </p:cNvSpPr>
-          <p:nvPr>
-            <p:ph idx="1"/>
-          </p:nvPr>
-        </p:nvSpPr>
-        <p:spPr/>
-        <p:txBody>
-          <a:bodyPr/>
-          <a:lstStyle/>
-          <a:p>
-            <a:endParaRPr lang="de-CH"/>
-          </a:p>
-        </p:txBody>
-      </p:sp>
-      <p:pic>
-        <p:nvPicPr>
-          <p:cNvPr id="4" name="Grafik 3"/>
-          <p:cNvPicPr/>
-          <p:nvPr/>
-        </p:nvPicPr>
-        <p:blipFill rotWithShape="1">
-          <a:blip r:embed="rId2" cstate="print">
-            <a:extLst>
-              <a:ext uri="{28A0092B-C50C-407E-A947-70E740481C1C}">
-                <a14:useLocalDpi xmlns:a14="http://schemas.microsoft.com/office/drawing/2010/main" val="0"/>
-              </a:ext>
-            </a:extLst>
-          </a:blip>
-          <a:srcRect l="12027" t="19319" r="12551" b="34142"/>
-          <a:stretch/>
-        </p:blipFill>
-        <p:spPr bwMode="auto">
-          <a:xfrm>
-            <a:off x="4094329" y="107387"/>
-            <a:ext cx="7737143" cy="6750613"/>
-          </a:xfrm>
-          <a:prstGeom prst="rect">
-            <a:avLst/>
-          </a:prstGeom>
-          <a:ln>
-            <a:noFill/>
-          </a:ln>
-          <a:extLst>
-            <a:ext uri="{53640926-AAD7-44D8-BBD7-CCE9431645EC}">
-              <a14:shadowObscured xmlns:a14="http://schemas.microsoft.com/office/drawing/2010/main"/>
-            </a:ext>
-          </a:extLst>
-        </p:spPr>
-      </p:pic>
-    </p:spTree>
-    <p:extLst>
-      <p:ext uri="{BB962C8B-B14F-4D97-AF65-F5344CB8AC3E}">
-        <p14:creationId xmlns:p14="http://schemas.microsoft.com/office/powerpoint/2010/main" val="3115262937"/>
-      </p:ext>
-    </p:extLst>
-  </p:cSld>
-  <p:clrMapOvr>
-    <a:masterClrMapping/>
-  </p:clrMapOvr>
+  <mc:AlternateContent xmlns:mc="http://schemas.openxmlformats.org/markup-compatibility/2006" xmlns:p14="http://schemas.microsoft.com/office/powerpoint/2010/main">
+    <mc:Choice Requires="p14">
+      <p:transition spd="slow" p14:dur="2000"/>
+    </mc:Choice>
+    <mc:Fallback xmlns="">
+      <p:transition spd="slow"/>
+    </mc:Fallback>
+  </mc:AlternateContent>
+  <p:timing>
+    <p:tnLst>
+      <p:par>
+        <p:cTn id="1" dur="indefinite" restart="never" nodeType="tmRoot"/>
+      </p:par>
+    </p:tnLst>
+  </p:timing>
 </p:sld>
 </file>
 
